--- a/Modeldocument/IMOD versie05.pptx
+++ b/Modeldocument/IMOD versie05.pptx
@@ -5,10 +5,10 @@
     <p:sldMasterId id="2147483648" r:id="rId1"/>
   </p:sldMasterIdLst>
   <p:notesMasterIdLst>
-    <p:notesMasterId r:id="rId11"/>
+    <p:notesMasterId r:id="rId14"/>
   </p:notesMasterIdLst>
   <p:handoutMasterIdLst>
-    <p:handoutMasterId r:id="rId12"/>
+    <p:handoutMasterId r:id="rId15"/>
   </p:handoutMasterIdLst>
   <p:sldIdLst>
     <p:sldId id="256" r:id="rId2"/>
@@ -16,10 +16,13 @@
     <p:sldId id="283" r:id="rId4"/>
     <p:sldId id="284" r:id="rId5"/>
     <p:sldId id="281" r:id="rId6"/>
-    <p:sldId id="286" r:id="rId7"/>
-    <p:sldId id="285" r:id="rId8"/>
-    <p:sldId id="287" r:id="rId9"/>
-    <p:sldId id="288" r:id="rId10"/>
+    <p:sldId id="292" r:id="rId7"/>
+    <p:sldId id="286" r:id="rId8"/>
+    <p:sldId id="285" r:id="rId9"/>
+    <p:sldId id="287" r:id="rId10"/>
+    <p:sldId id="293" r:id="rId11"/>
+    <p:sldId id="290" r:id="rId12"/>
+    <p:sldId id="288" r:id="rId13"/>
   </p:sldIdLst>
   <p:sldSz cx="9144000" cy="6858000" type="screen4x3"/>
   <p:notesSz cx="6858000" cy="9144000"/>
@@ -204,7 +207,7 @@
             <a:fld id="{8F0A3BA6-D212-4021-9C58-E1A860230F97}" type="datetimeFigureOut">
               <a:rPr lang="nl-NL" smtClean="0"/>
               <a:pPr/>
-              <a:t>29-3-2016</a:t>
+              <a:t>30-3-2016</a:t>
             </a:fld>
             <a:endParaRPr lang="nl-NL"/>
           </a:p>
@@ -280,7 +283,7 @@
     </p:spTree>
     <p:extLst>
       <p:ext uri="{BB962C8B-B14F-4D97-AF65-F5344CB8AC3E}">
-        <p14:creationId xmlns="" xmlns:p14="http://schemas.microsoft.com/office/powerpoint/2010/main" val="2270529149"/>
+        <p14:creationId xmlns:p14="http://schemas.microsoft.com/office/powerpoint/2010/main" xmlns="" val="2270529149"/>
       </p:ext>
     </p:extLst>
   </p:cSld>
@@ -372,7 +375,7 @@
             <a:fld id="{9DDF62C1-85BA-45F7-BA8A-ECE90345B80D}" type="datetimeFigureOut">
               <a:rPr lang="nl-NL" smtClean="0"/>
               <a:pPr/>
-              <a:t>29-3-2016</a:t>
+              <a:t>30-3-2016</a:t>
             </a:fld>
             <a:endParaRPr lang="nl-NL"/>
           </a:p>
@@ -541,7 +544,7 @@
     </p:spTree>
     <p:extLst>
       <p:ext uri="{BB962C8B-B14F-4D97-AF65-F5344CB8AC3E}">
-        <p14:creationId xmlns="" xmlns:p14="http://schemas.microsoft.com/office/powerpoint/2010/main" val="3636464660"/>
+        <p14:creationId xmlns:p14="http://schemas.microsoft.com/office/powerpoint/2010/main" xmlns="" val="3636464660"/>
       </p:ext>
     </p:extLst>
   </p:cSld>
@@ -833,7 +836,7 @@
           <a:blip r:embed="rId2" cstate="print">
             <a:extLst>
               <a:ext uri="{28A0092B-C50C-407E-A947-70E740481C1C}">
-                <a14:useLocalDpi xmlns="" xmlns:a14="http://schemas.microsoft.com/office/drawing/2010/main" val="0"/>
+                <a14:useLocalDpi xmlns:a14="http://schemas.microsoft.com/office/drawing/2010/main" xmlns="" val="0"/>
               </a:ext>
             </a:extLst>
           </a:blip>
@@ -902,7 +905,7 @@
     </p:spTree>
     <p:extLst>
       <p:ext uri="{BB962C8B-B14F-4D97-AF65-F5344CB8AC3E}">
-        <p14:creationId xmlns="" xmlns:p14="http://schemas.microsoft.com/office/powerpoint/2010/main" val="3678984283"/>
+        <p14:creationId xmlns:p14="http://schemas.microsoft.com/office/powerpoint/2010/main" xmlns="" val="3678984283"/>
       </p:ext>
     </p:extLst>
   </p:cSld>
@@ -1048,7 +1051,7 @@
           <a:blip r:embed="rId2" cstate="print">
             <a:extLst>
               <a:ext uri="{28A0092B-C50C-407E-A947-70E740481C1C}">
-                <a14:useLocalDpi xmlns="" xmlns:a14="http://schemas.microsoft.com/office/drawing/2010/main" val="0"/>
+                <a14:useLocalDpi xmlns:a14="http://schemas.microsoft.com/office/drawing/2010/main" xmlns="" val="0"/>
               </a:ext>
             </a:extLst>
           </a:blip>
@@ -1117,7 +1120,7 @@
     </p:spTree>
     <p:extLst>
       <p:ext uri="{BB962C8B-B14F-4D97-AF65-F5344CB8AC3E}">
-        <p14:creationId xmlns="" xmlns:p14="http://schemas.microsoft.com/office/powerpoint/2010/main" val="223194721"/>
+        <p14:creationId xmlns:p14="http://schemas.microsoft.com/office/powerpoint/2010/main" xmlns="" val="223194721"/>
       </p:ext>
     </p:extLst>
   </p:cSld>
@@ -1329,7 +1332,7 @@
           <a:blip r:embed="rId2" cstate="print">
             <a:extLst>
               <a:ext uri="{28A0092B-C50C-407E-A947-70E740481C1C}">
-                <a14:useLocalDpi xmlns="" xmlns:a14="http://schemas.microsoft.com/office/drawing/2010/main" val="0"/>
+                <a14:useLocalDpi xmlns:a14="http://schemas.microsoft.com/office/drawing/2010/main" xmlns="" val="0"/>
               </a:ext>
             </a:extLst>
           </a:blip>
@@ -1398,7 +1401,7 @@
     </p:spTree>
     <p:extLst>
       <p:ext uri="{BB962C8B-B14F-4D97-AF65-F5344CB8AC3E}">
-        <p14:creationId xmlns="" xmlns:p14="http://schemas.microsoft.com/office/powerpoint/2010/main" val="3627630185"/>
+        <p14:creationId xmlns:p14="http://schemas.microsoft.com/office/powerpoint/2010/main" xmlns="" val="3627630185"/>
       </p:ext>
     </p:extLst>
   </p:cSld>
@@ -1466,7 +1469,7 @@
           <a:blip r:embed="rId2" cstate="print">
             <a:extLst>
               <a:ext uri="{28A0092B-C50C-407E-A947-70E740481C1C}">
-                <a14:useLocalDpi xmlns="" xmlns:a14="http://schemas.microsoft.com/office/drawing/2010/main" val="0"/>
+                <a14:useLocalDpi xmlns:a14="http://schemas.microsoft.com/office/drawing/2010/main" xmlns="" val="0"/>
               </a:ext>
             </a:extLst>
           </a:blip>
@@ -1535,7 +1538,7 @@
     </p:spTree>
     <p:extLst>
       <p:ext uri="{BB962C8B-B14F-4D97-AF65-F5344CB8AC3E}">
-        <p14:creationId xmlns="" xmlns:p14="http://schemas.microsoft.com/office/powerpoint/2010/main" val="247022888"/>
+        <p14:creationId xmlns:p14="http://schemas.microsoft.com/office/powerpoint/2010/main" xmlns="" val="247022888"/>
       </p:ext>
     </p:extLst>
   </p:cSld>
@@ -1706,7 +1709,7 @@
           <a:blip r:embed="rId2" cstate="print">
             <a:extLst>
               <a:ext uri="{28A0092B-C50C-407E-A947-70E740481C1C}">
-                <a14:useLocalDpi xmlns="" xmlns:a14="http://schemas.microsoft.com/office/drawing/2010/main" val="0"/>
+                <a14:useLocalDpi xmlns:a14="http://schemas.microsoft.com/office/drawing/2010/main" xmlns="" val="0"/>
               </a:ext>
             </a:extLst>
           </a:blip>
@@ -1775,7 +1778,7 @@
     </p:spTree>
     <p:extLst>
       <p:ext uri="{BB962C8B-B14F-4D97-AF65-F5344CB8AC3E}">
-        <p14:creationId xmlns="" xmlns:p14="http://schemas.microsoft.com/office/powerpoint/2010/main" val="636275373"/>
+        <p14:creationId xmlns:p14="http://schemas.microsoft.com/office/powerpoint/2010/main" xmlns="" val="636275373"/>
       </p:ext>
     </p:extLst>
   </p:cSld>
@@ -2044,7 +2047,7 @@
     </p:spTree>
     <p:extLst>
       <p:ext uri="{BB962C8B-B14F-4D97-AF65-F5344CB8AC3E}">
-        <p14:creationId xmlns="" xmlns:p14="http://schemas.microsoft.com/office/powerpoint/2010/main" val="910269114"/>
+        <p14:creationId xmlns:p14="http://schemas.microsoft.com/office/powerpoint/2010/main" xmlns="" val="910269114"/>
       </p:ext>
     </p:extLst>
   </p:cSld>
@@ -2090,7 +2093,7 @@
           <a:blip r:embed="rId2" cstate="print">
             <a:extLst>
               <a:ext uri="{28A0092B-C50C-407E-A947-70E740481C1C}">
-                <a14:useLocalDpi xmlns="" xmlns:a14="http://schemas.microsoft.com/office/drawing/2010/main" val="0"/>
+                <a14:useLocalDpi xmlns:a14="http://schemas.microsoft.com/office/drawing/2010/main" xmlns="" val="0"/>
               </a:ext>
             </a:extLst>
           </a:blip>
@@ -2341,7 +2344,7 @@
     </p:spTree>
     <p:extLst>
       <p:ext uri="{BB962C8B-B14F-4D97-AF65-F5344CB8AC3E}">
-        <p14:creationId xmlns="" xmlns:p14="http://schemas.microsoft.com/office/powerpoint/2010/main" val="2675497945"/>
+        <p14:creationId xmlns:p14="http://schemas.microsoft.com/office/powerpoint/2010/main" xmlns="" val="2675497945"/>
       </p:ext>
     </p:extLst>
   </p:cSld>
@@ -2465,7 +2468,7 @@
           <a:blip r:embed="rId9" cstate="print">
             <a:extLst>
               <a:ext uri="{28A0092B-C50C-407E-A947-70E740481C1C}">
-                <a14:useLocalDpi xmlns="" xmlns:a14="http://schemas.microsoft.com/office/drawing/2010/main" val="0"/>
+                <a14:useLocalDpi xmlns:a14="http://schemas.microsoft.com/office/drawing/2010/main" xmlns="" val="0"/>
               </a:ext>
             </a:extLst>
           </a:blip>
@@ -2534,7 +2537,7 @@
     </p:spTree>
     <p:extLst>
       <p:ext uri="{BB962C8B-B14F-4D97-AF65-F5344CB8AC3E}">
-        <p14:creationId xmlns="" xmlns:p14="http://schemas.microsoft.com/office/powerpoint/2010/main" val="1235826258"/>
+        <p14:creationId xmlns:p14="http://schemas.microsoft.com/office/powerpoint/2010/main" xmlns="" val="1235826258"/>
       </p:ext>
     </p:extLst>
   </p:cSld>
@@ -2878,9 +2881,398 @@
     </p:spTree>
     <p:extLst>
       <p:ext uri="{BB962C8B-B14F-4D97-AF65-F5344CB8AC3E}">
-        <p14:creationId xmlns="" xmlns:p14="http://schemas.microsoft.com/office/powerpoint/2010/main" val="2757318496"/>
+        <p14:creationId xmlns:p14="http://schemas.microsoft.com/office/powerpoint/2010/main" xmlns="" val="2757318496"/>
       </p:ext>
     </p:extLst>
+  </p:cSld>
+  <p:clrMapOvr>
+    <a:masterClrMapping/>
+  </p:clrMapOvr>
+  <p:timing>
+    <p:tnLst>
+      <p:par>
+        <p:cTn id="1" dur="indefinite" restart="never" nodeType="tmRoot"/>
+      </p:par>
+    </p:tnLst>
+  </p:timing>
+</p:sld>
+</file>
+
+<file path=ppt/slides/slide10.xml><?xml version="1.0" encoding="utf-8"?>
+<p:sld xmlns:a="http://schemas.openxmlformats.org/drawingml/2006/main" xmlns:r="http://schemas.openxmlformats.org/officeDocument/2006/relationships" xmlns:p="http://schemas.openxmlformats.org/presentationml/2006/main">
+  <p:cSld>
+    <p:spTree>
+      <p:nvGrpSpPr>
+        <p:cNvPr id="1" name=""/>
+        <p:cNvGrpSpPr/>
+        <p:nvPr/>
+      </p:nvGrpSpPr>
+      <p:grpSpPr>
+        <a:xfrm>
+          <a:off x="0" y="0"/>
+          <a:ext cx="0" cy="0"/>
+          <a:chOff x="0" y="0"/>
+          <a:chExt cx="0" cy="0"/>
+        </a:xfrm>
+      </p:grpSpPr>
+      <p:sp>
+        <p:nvSpPr>
+          <p:cNvPr id="2" name="Titel 1"/>
+          <p:cNvSpPr>
+            <a:spLocks noGrp="1"/>
+          </p:cNvSpPr>
+          <p:nvPr>
+            <p:ph type="title"/>
+          </p:nvPr>
+        </p:nvSpPr>
+        <p:spPr>
+          <a:xfrm>
+            <a:off x="-1620688" y="188640"/>
+            <a:ext cx="8229600" cy="1143000"/>
+          </a:xfrm>
+        </p:spPr>
+        <p:txBody>
+          <a:bodyPr/>
+          <a:lstStyle/>
+          <a:p>
+            <a:r>
+              <a:rPr lang="nl-NL" dirty="0" smtClean="0"/>
+              <a:t>Als de kaart het niet weet</a:t>
+            </a:r>
+            <a:endParaRPr lang="nl-NL" dirty="0"/>
+          </a:p>
+        </p:txBody>
+      </p:sp>
+      <p:pic>
+        <p:nvPicPr>
+          <p:cNvPr id="2050" name="Picture 2"/>
+          <p:cNvPicPr>
+            <a:picLocks noChangeAspect="1" noChangeArrowheads="1"/>
+          </p:cNvPicPr>
+          <p:nvPr/>
+        </p:nvPicPr>
+        <p:blipFill>
+          <a:blip r:embed="rId2" cstate="print"/>
+          <a:srcRect/>
+          <a:stretch>
+            <a:fillRect/>
+          </a:stretch>
+        </p:blipFill>
+        <p:spPr bwMode="auto">
+          <a:xfrm>
+            <a:off x="1763688" y="2132856"/>
+            <a:ext cx="5419725" cy="3733800"/>
+          </a:xfrm>
+          <a:prstGeom prst="rect">
+            <a:avLst/>
+          </a:prstGeom>
+          <a:noFill/>
+          <a:ln w="9525">
+            <a:noFill/>
+            <a:miter lim="800000"/>
+            <a:headEnd/>
+            <a:tailEnd/>
+          </a:ln>
+        </p:spPr>
+      </p:pic>
+      <p:sp>
+        <p:nvSpPr>
+          <p:cNvPr id="5" name="Titel 1"/>
+          <p:cNvSpPr txBox="1">
+            <a:spLocks/>
+          </p:cNvSpPr>
+          <p:nvPr/>
+        </p:nvSpPr>
+        <p:spPr>
+          <a:xfrm>
+            <a:off x="395536" y="836712"/>
+            <a:ext cx="8229600" cy="1143000"/>
+          </a:xfrm>
+          <a:prstGeom prst="rect">
+            <a:avLst/>
+          </a:prstGeom>
+        </p:spPr>
+        <p:txBody>
+          <a:bodyPr vert="horz" lIns="91440" tIns="45720" rIns="91440" bIns="45720" rtlCol="0" anchor="ctr">
+            <a:normAutofit/>
+          </a:bodyPr>
+          <a:lstStyle/>
+          <a:p>
+            <a:pPr marL="0" marR="0" lvl="0" indent="0" algn="ctr" defTabSz="914400" rtl="0" eaLnBrk="1" fontAlgn="auto" latinLnBrk="0" hangingPunct="1">
+              <a:lnSpc>
+                <a:spcPct val="100000"/>
+              </a:lnSpc>
+              <a:spcBef>
+                <a:spcPct val="0"/>
+              </a:spcBef>
+              <a:spcAft>
+                <a:spcPts val="0"/>
+              </a:spcAft>
+              <a:buClrTx/>
+              <a:buSzTx/>
+              <a:buFontTx/>
+              <a:buNone/>
+              <a:tabLst/>
+              <a:defRPr/>
+            </a:pPr>
+            <a:r>
+              <a:rPr kumimoji="0" lang="nl-NL" sz="2400" b="1" i="1" u="none" strike="noStrike" kern="1200" cap="none" spc="0" normalizeH="0" baseline="0" noProof="0" dirty="0" smtClean="0">
+                <a:ln>
+                  <a:noFill/>
+                </a:ln>
+                <a:solidFill>
+                  <a:schemeClr val="tx1"/>
+                </a:solidFill>
+                <a:effectLst/>
+                <a:uLnTx/>
+                <a:uFillTx/>
+                <a:latin typeface="Verdana" panose="020B0604030504040204" pitchFamily="34" charset="0"/>
+                <a:ea typeface="Verdana" panose="020B0604030504040204" pitchFamily="34" charset="0"/>
+                <a:cs typeface="Verdana" panose="020B0604030504040204" pitchFamily="34" charset="0"/>
+              </a:rPr>
+              <a:t>Is het in de tekst</a:t>
+            </a:r>
+            <a:r>
+              <a:rPr kumimoji="0" lang="nl-NL" sz="2400" b="1" i="1" u="none" strike="noStrike" kern="1200" cap="none" spc="0" normalizeH="0" noProof="0" dirty="0" smtClean="0">
+                <a:ln>
+                  <a:noFill/>
+                </a:ln>
+                <a:solidFill>
+                  <a:schemeClr val="tx1"/>
+                </a:solidFill>
+                <a:effectLst/>
+                <a:uLnTx/>
+                <a:uFillTx/>
+                <a:latin typeface="Verdana" panose="020B0604030504040204" pitchFamily="34" charset="0"/>
+                <a:ea typeface="Verdana" panose="020B0604030504040204" pitchFamily="34" charset="0"/>
+                <a:cs typeface="Verdana" panose="020B0604030504040204" pitchFamily="34" charset="0"/>
+              </a:rPr>
+              <a:t> beschreven!</a:t>
+            </a:r>
+            <a:endParaRPr kumimoji="0" lang="nl-NL" sz="2400" b="1" i="1" u="none" strike="noStrike" kern="1200" cap="none" spc="0" normalizeH="0" baseline="0" noProof="0" dirty="0">
+              <a:ln>
+                <a:noFill/>
+              </a:ln>
+              <a:solidFill>
+                <a:schemeClr val="tx1"/>
+              </a:solidFill>
+              <a:effectLst/>
+              <a:uLnTx/>
+              <a:uFillTx/>
+              <a:latin typeface="Verdana" panose="020B0604030504040204" pitchFamily="34" charset="0"/>
+              <a:ea typeface="Verdana" panose="020B0604030504040204" pitchFamily="34" charset="0"/>
+              <a:cs typeface="Verdana" panose="020B0604030504040204" pitchFamily="34" charset="0"/>
+            </a:endParaRPr>
+          </a:p>
+        </p:txBody>
+      </p:sp>
+    </p:spTree>
+  </p:cSld>
+  <p:clrMapOvr>
+    <a:masterClrMapping/>
+  </p:clrMapOvr>
+  <p:timing>
+    <p:tnLst>
+      <p:par>
+        <p:cTn id="1" dur="indefinite" restart="never" nodeType="tmRoot"/>
+      </p:par>
+    </p:tnLst>
+  </p:timing>
+</p:sld>
+</file>
+
+<file path=ppt/slides/slide11.xml><?xml version="1.0" encoding="utf-8"?>
+<p:sld xmlns:a="http://schemas.openxmlformats.org/drawingml/2006/main" xmlns:r="http://schemas.openxmlformats.org/officeDocument/2006/relationships" xmlns:p="http://schemas.openxmlformats.org/presentationml/2006/main">
+  <p:cSld>
+    <p:spTree>
+      <p:nvGrpSpPr>
+        <p:cNvPr id="1" name=""/>
+        <p:cNvGrpSpPr/>
+        <p:nvPr/>
+      </p:nvGrpSpPr>
+      <p:grpSpPr>
+        <a:xfrm>
+          <a:off x="0" y="0"/>
+          <a:ext cx="0" cy="0"/>
+          <a:chOff x="0" y="0"/>
+          <a:chExt cx="0" cy="0"/>
+        </a:xfrm>
+      </p:grpSpPr>
+      <p:pic>
+        <p:nvPicPr>
+          <p:cNvPr id="4" name="Afbeelding 3" descr="IMORmodel.wmf"/>
+          <p:cNvPicPr>
+            <a:picLocks noChangeAspect="1"/>
+          </p:cNvPicPr>
+          <p:nvPr/>
+        </p:nvPicPr>
+        <p:blipFill>
+          <a:blip r:embed="rId2" cstate="print"/>
+          <a:stretch>
+            <a:fillRect/>
+          </a:stretch>
+        </p:blipFill>
+        <p:spPr>
+          <a:xfrm>
+            <a:off x="-260409" y="593304"/>
+            <a:ext cx="9404409" cy="6264696"/>
+          </a:xfrm>
+          <a:prstGeom prst="rect">
+            <a:avLst/>
+          </a:prstGeom>
+        </p:spPr>
+      </p:pic>
+    </p:spTree>
+  </p:cSld>
+  <p:clrMapOvr>
+    <a:masterClrMapping/>
+  </p:clrMapOvr>
+  <p:timing>
+    <p:tnLst>
+      <p:par>
+        <p:cTn id="1" dur="indefinite" restart="never" nodeType="tmRoot"/>
+      </p:par>
+    </p:tnLst>
+  </p:timing>
+</p:sld>
+</file>
+
+<file path=ppt/slides/slide12.xml><?xml version="1.0" encoding="utf-8"?>
+<p:sld xmlns:a="http://schemas.openxmlformats.org/drawingml/2006/main" xmlns:r="http://schemas.openxmlformats.org/officeDocument/2006/relationships" xmlns:p="http://schemas.openxmlformats.org/presentationml/2006/main">
+  <p:cSld>
+    <p:spTree>
+      <p:nvGrpSpPr>
+        <p:cNvPr id="1" name=""/>
+        <p:cNvGrpSpPr/>
+        <p:nvPr/>
+      </p:nvGrpSpPr>
+      <p:grpSpPr>
+        <a:xfrm>
+          <a:off x="0" y="0"/>
+          <a:ext cx="0" cy="0"/>
+          <a:chOff x="0" y="0"/>
+          <a:chExt cx="0" cy="0"/>
+        </a:xfrm>
+      </p:grpSpPr>
+      <p:pic>
+        <p:nvPicPr>
+          <p:cNvPr id="4" name="Afbeelding 3" descr="Temporeel model.wmf"/>
+          <p:cNvPicPr/>
+          <p:nvPr/>
+        </p:nvPicPr>
+        <p:blipFill>
+          <a:blip r:embed="rId2" cstate="print"/>
+          <a:stretch>
+            <a:fillRect/>
+          </a:stretch>
+        </p:blipFill>
+        <p:spPr>
+          <a:xfrm>
+            <a:off x="323528" y="1736677"/>
+            <a:ext cx="8820472" cy="5121323"/>
+          </a:xfrm>
+          <a:prstGeom prst="rect">
+            <a:avLst/>
+          </a:prstGeom>
+        </p:spPr>
+      </p:pic>
+      <p:sp>
+        <p:nvSpPr>
+          <p:cNvPr id="5" name="Afgeronde rechthoek 4"/>
+          <p:cNvSpPr/>
+          <p:nvPr/>
+        </p:nvSpPr>
+        <p:spPr>
+          <a:xfrm>
+            <a:off x="5940152" y="0"/>
+            <a:ext cx="3203848" cy="1196752"/>
+          </a:xfrm>
+          <a:prstGeom prst="roundRect">
+            <a:avLst/>
+          </a:prstGeom>
+        </p:spPr>
+        <p:style>
+          <a:lnRef idx="2">
+            <a:schemeClr val="accent1">
+              <a:shade val="50000"/>
+            </a:schemeClr>
+          </a:lnRef>
+          <a:fillRef idx="1">
+            <a:schemeClr val="accent1"/>
+          </a:fillRef>
+          <a:effectRef idx="0">
+            <a:schemeClr val="accent1"/>
+          </a:effectRef>
+          <a:fontRef idx="minor">
+            <a:schemeClr val="lt1"/>
+          </a:fontRef>
+        </p:style>
+        <p:txBody>
+          <a:bodyPr rtlCol="0" anchor="ctr"/>
+          <a:lstStyle/>
+          <a:p>
+            <a:pPr algn="ctr"/>
+            <a:endParaRPr lang="nl-NL"/>
+          </a:p>
+        </p:txBody>
+      </p:sp>
+      <p:sp>
+        <p:nvSpPr>
+          <p:cNvPr id="6" name="Tekstvak 5"/>
+          <p:cNvSpPr txBox="1"/>
+          <p:nvPr/>
+        </p:nvSpPr>
+        <p:spPr>
+          <a:xfrm>
+            <a:off x="5940152" y="144016"/>
+            <a:ext cx="3563888" cy="1015663"/>
+          </a:xfrm>
+          <a:prstGeom prst="rect">
+            <a:avLst/>
+          </a:prstGeom>
+          <a:noFill/>
+        </p:spPr>
+        <p:txBody>
+          <a:bodyPr wrap="square" rtlCol="0">
+            <a:spAutoFit/>
+          </a:bodyPr>
+          <a:lstStyle/>
+          <a:p>
+            <a:r>
+              <a:rPr lang="nl-NL" sz="2000" b="1" dirty="0" smtClean="0">
+                <a:solidFill>
+                  <a:schemeClr val="bg1"/>
+                </a:solidFill>
+                <a:latin typeface="Verdana" pitchFamily="34" charset="0"/>
+                <a:ea typeface="Verdana" pitchFamily="34" charset="0"/>
+                <a:cs typeface="Verdana" pitchFamily="34" charset="0"/>
+              </a:rPr>
+              <a:t>Temporeel model</a:t>
+            </a:r>
+          </a:p>
+          <a:p>
+            <a:endParaRPr lang="nl-NL" sz="2000" b="1" dirty="0" smtClean="0">
+              <a:solidFill>
+                <a:schemeClr val="bg1"/>
+              </a:solidFill>
+              <a:latin typeface="Verdana" pitchFamily="34" charset="0"/>
+              <a:ea typeface="Verdana" pitchFamily="34" charset="0"/>
+              <a:cs typeface="Verdana" pitchFamily="34" charset="0"/>
+            </a:endParaRPr>
+          </a:p>
+          <a:p>
+            <a:endParaRPr lang="nl-NL" sz="2000" b="1" dirty="0">
+              <a:solidFill>
+                <a:schemeClr val="bg1"/>
+              </a:solidFill>
+              <a:latin typeface="Verdana" pitchFamily="34" charset="0"/>
+              <a:ea typeface="Verdana" pitchFamily="34" charset="0"/>
+              <a:cs typeface="Verdana" pitchFamily="34" charset="0"/>
+            </a:endParaRPr>
+          </a:p>
+        </p:txBody>
+      </p:sp>
+    </p:spTree>
   </p:cSld>
   <p:clrMapOvr>
     <a:masterClrMapping/>
@@ -3697,6 +4089,9 @@
           <a:prstGeom prst="rect">
             <a:avLst/>
           </a:prstGeom>
+          <a:ln>
+            <a:noFill/>
+          </a:ln>
         </p:spPr>
         <p:style>
           <a:lnRef idx="2">
@@ -4197,10 +4592,40 @@
           <a:chExt cx="0" cy="0"/>
         </a:xfrm>
       </p:grpSpPr>
+      <p:sp>
+        <p:nvSpPr>
+          <p:cNvPr id="2" name="Titel 1"/>
+          <p:cNvSpPr>
+            <a:spLocks noGrp="1"/>
+          </p:cNvSpPr>
+          <p:nvPr>
+            <p:ph type="title"/>
+          </p:nvPr>
+        </p:nvSpPr>
+        <p:spPr>
+          <a:xfrm>
+            <a:off x="395536" y="980728"/>
+            <a:ext cx="8229600" cy="1143000"/>
+          </a:xfrm>
+        </p:spPr>
+        <p:txBody>
+          <a:bodyPr/>
+          <a:lstStyle/>
+          <a:p>
+            <a:r>
+              <a:rPr lang="nl-NL" i="1" dirty="0" smtClean="0"/>
+              <a:t>Zoals in de kaart aangegeven!</a:t>
+            </a:r>
+            <a:endParaRPr lang="nl-NL" i="1" dirty="0"/>
+          </a:p>
+        </p:txBody>
+      </p:sp>
       <p:pic>
         <p:nvPicPr>
-          <p:cNvPr id="4" name="Afbeelding 3"/>
-          <p:cNvPicPr/>
+          <p:cNvPr id="1027" name="Picture 3"/>
+          <p:cNvPicPr>
+            <a:picLocks noChangeAspect="1" noChangeArrowheads="1"/>
+          </p:cNvPicPr>
           <p:nvPr/>
         </p:nvPicPr>
         <p:blipFill>
@@ -4212,8 +4637,8 @@
         </p:blipFill>
         <p:spPr bwMode="auto">
           <a:xfrm>
-            <a:off x="0" y="2023280"/>
-            <a:ext cx="8172400" cy="4834720"/>
+            <a:off x="1475656" y="2132856"/>
+            <a:ext cx="5505450" cy="4314825"/>
           </a:xfrm>
           <a:prstGeom prst="rect">
             <a:avLst/>
@@ -4229,18 +4654,98 @@
       </p:pic>
       <p:sp>
         <p:nvSpPr>
-          <p:cNvPr id="5" name="Afgeronde rechthoek 4"/>
+          <p:cNvPr id="7" name="Titel 1"/>
+          <p:cNvSpPr txBox="1">
+            <a:spLocks/>
+          </p:cNvSpPr>
+          <p:nvPr/>
+        </p:nvSpPr>
+        <p:spPr>
+          <a:xfrm>
+            <a:off x="-1764704" y="0"/>
+            <a:ext cx="8229600" cy="1143000"/>
+          </a:xfrm>
+          <a:prstGeom prst="rect">
+            <a:avLst/>
+          </a:prstGeom>
+        </p:spPr>
+        <p:txBody>
+          <a:bodyPr vert="horz" lIns="91440" tIns="45720" rIns="91440" bIns="45720" rtlCol="0" anchor="ctr">
+            <a:normAutofit/>
+          </a:bodyPr>
+          <a:lstStyle/>
+          <a:p>
+            <a:pPr marL="0" marR="0" lvl="0" indent="0" algn="ctr" defTabSz="914400" rtl="0" eaLnBrk="1" fontAlgn="auto" latinLnBrk="0" hangingPunct="1">
+              <a:lnSpc>
+                <a:spcPct val="100000"/>
+              </a:lnSpc>
+              <a:spcBef>
+                <a:spcPct val="0"/>
+              </a:spcBef>
+              <a:spcAft>
+                <a:spcPts val="0"/>
+              </a:spcAft>
+              <a:buClrTx/>
+              <a:buSzTx/>
+              <a:buFontTx/>
+              <a:buNone/>
+              <a:tabLst/>
+              <a:defRPr/>
+            </a:pPr>
+            <a:r>
+              <a:rPr kumimoji="0" lang="nl-NL" sz="2400" b="1" i="0" u="none" strike="noStrike" kern="1200" cap="none" spc="0" normalizeH="0" baseline="0" noProof="0" dirty="0" smtClean="0">
+                <a:ln>
+                  <a:noFill/>
+                </a:ln>
+                <a:solidFill>
+                  <a:schemeClr val="tx1"/>
+                </a:solidFill>
+                <a:effectLst/>
+                <a:uLnTx/>
+                <a:uFillTx/>
+                <a:latin typeface="Verdana" panose="020B0604030504040204" pitchFamily="34" charset="0"/>
+                <a:ea typeface="Verdana" panose="020B0604030504040204" pitchFamily="34" charset="0"/>
+                <a:cs typeface="Verdana" panose="020B0604030504040204" pitchFamily="34" charset="0"/>
+              </a:rPr>
+              <a:t>Als de tekst het niet weet</a:t>
+            </a:r>
+            <a:endParaRPr kumimoji="0" lang="nl-NL" sz="2400" b="1" i="0" u="none" strike="noStrike" kern="1200" cap="none" spc="0" normalizeH="0" baseline="0" noProof="0" dirty="0">
+              <a:ln>
+                <a:noFill/>
+              </a:ln>
+              <a:solidFill>
+                <a:schemeClr val="tx1"/>
+              </a:solidFill>
+              <a:effectLst/>
+              <a:uLnTx/>
+              <a:uFillTx/>
+              <a:latin typeface="Verdana" panose="020B0604030504040204" pitchFamily="34" charset="0"/>
+              <a:ea typeface="Verdana" panose="020B0604030504040204" pitchFamily="34" charset="0"/>
+              <a:cs typeface="Verdana" panose="020B0604030504040204" pitchFamily="34" charset="0"/>
+            </a:endParaRPr>
+          </a:p>
+        </p:txBody>
+      </p:sp>
+      <p:sp>
+        <p:nvSpPr>
+          <p:cNvPr id="8" name="Ovaal 7"/>
           <p:cNvSpPr/>
           <p:nvPr/>
         </p:nvSpPr>
         <p:spPr>
           <a:xfrm>
-            <a:off x="5940152" y="0"/>
-            <a:ext cx="3203848" cy="1196752"/>
-          </a:xfrm>
-          <a:prstGeom prst="roundRect">
-            <a:avLst/>
-          </a:prstGeom>
+            <a:off x="2339752" y="5129808"/>
+            <a:ext cx="3384376" cy="1728192"/>
+          </a:xfrm>
+          <a:prstGeom prst="ellipse">
+            <a:avLst/>
+          </a:prstGeom>
+          <a:noFill/>
+          <a:ln>
+            <a:solidFill>
+              <a:srgbClr val="FF0000"/>
+            </a:solidFill>
+          </a:ln>
         </p:spPr>
         <p:style>
           <a:lnRef idx="2">
@@ -4264,94 +4769,6 @@
           <a:p>
             <a:pPr algn="ctr"/>
             <a:endParaRPr lang="nl-NL"/>
-          </a:p>
-        </p:txBody>
-      </p:sp>
-      <p:sp>
-        <p:nvSpPr>
-          <p:cNvPr id="6" name="Tekstvak 5"/>
-          <p:cNvSpPr txBox="1"/>
-          <p:nvPr/>
-        </p:nvSpPr>
-        <p:spPr>
-          <a:xfrm>
-            <a:off x="5940152" y="144016"/>
-            <a:ext cx="3563888" cy="1631216"/>
-          </a:xfrm>
-          <a:prstGeom prst="rect">
-            <a:avLst/>
-          </a:prstGeom>
-          <a:noFill/>
-        </p:spPr>
-        <p:txBody>
-          <a:bodyPr wrap="square" rtlCol="0">
-            <a:spAutoFit/>
-          </a:bodyPr>
-          <a:lstStyle/>
-          <a:p>
-            <a:r>
-              <a:rPr lang="nl-NL" sz="2000" b="1" dirty="0" smtClean="0">
-                <a:solidFill>
-                  <a:schemeClr val="bg1"/>
-                </a:solidFill>
-                <a:latin typeface="Verdana" pitchFamily="34" charset="0"/>
-                <a:ea typeface="Verdana" pitchFamily="34" charset="0"/>
-                <a:cs typeface="Verdana" pitchFamily="34" charset="0"/>
-              </a:rPr>
-              <a:t>Eigenschappe</a:t>
-            </a:r>
-            <a:r>
-              <a:rPr lang="nl-NL" sz="2000" b="1" dirty="0" smtClean="0">
-                <a:solidFill>
-                  <a:schemeClr val="bg1"/>
-                </a:solidFill>
-                <a:latin typeface="Verdana" pitchFamily="34" charset="0"/>
-                <a:ea typeface="Verdana" pitchFamily="34" charset="0"/>
-                <a:cs typeface="Verdana" pitchFamily="34" charset="0"/>
-              </a:rPr>
-              <a:t>n</a:t>
-            </a:r>
-            <a:endParaRPr lang="nl-NL" sz="2000" b="1" dirty="0" smtClean="0">
-              <a:solidFill>
-                <a:schemeClr val="bg1"/>
-              </a:solidFill>
-              <a:latin typeface="Verdana" pitchFamily="34" charset="0"/>
-              <a:ea typeface="Verdana" pitchFamily="34" charset="0"/>
-              <a:cs typeface="Verdana" pitchFamily="34" charset="0"/>
-            </a:endParaRPr>
-          </a:p>
-          <a:p>
-            <a:r>
-              <a:rPr lang="nl-NL" sz="2000" b="1" dirty="0" smtClean="0">
-                <a:solidFill>
-                  <a:schemeClr val="bg1"/>
-                </a:solidFill>
-                <a:latin typeface="Verdana" pitchFamily="34" charset="0"/>
-                <a:ea typeface="Verdana" pitchFamily="34" charset="0"/>
-                <a:cs typeface="Verdana" pitchFamily="34" charset="0"/>
-              </a:rPr>
-              <a:t>koppelen aan type omgevingsdocument</a:t>
-            </a:r>
-          </a:p>
-          <a:p>
-            <a:endParaRPr lang="nl-NL" sz="2000" b="1" dirty="0" smtClean="0">
-              <a:solidFill>
-                <a:schemeClr val="bg1"/>
-              </a:solidFill>
-              <a:latin typeface="Verdana" pitchFamily="34" charset="0"/>
-              <a:ea typeface="Verdana" pitchFamily="34" charset="0"/>
-              <a:cs typeface="Verdana" pitchFamily="34" charset="0"/>
-            </a:endParaRPr>
-          </a:p>
-          <a:p>
-            <a:endParaRPr lang="nl-NL" sz="2000" b="1" dirty="0">
-              <a:solidFill>
-                <a:schemeClr val="bg1"/>
-              </a:solidFill>
-              <a:latin typeface="Verdana" pitchFamily="34" charset="0"/>
-              <a:ea typeface="Verdana" pitchFamily="34" charset="0"/>
-              <a:cs typeface="Verdana" pitchFamily="34" charset="0"/>
-            </a:endParaRPr>
           </a:p>
         </p:txBody>
       </p:sp>
@@ -4389,26 +4806,32 @@
       </p:grpSpPr>
       <p:pic>
         <p:nvPicPr>
-          <p:cNvPr id="4" name="Afbeelding 3" descr="IMORmodel.wmf"/>
-          <p:cNvPicPr>
-            <a:picLocks noChangeAspect="1"/>
-          </p:cNvPicPr>
+          <p:cNvPr id="4" name="Afbeelding 3"/>
+          <p:cNvPicPr/>
           <p:nvPr/>
         </p:nvPicPr>
         <p:blipFill>
           <a:blip r:embed="rId2" cstate="print"/>
+          <a:srcRect/>
           <a:stretch>
             <a:fillRect/>
           </a:stretch>
         </p:blipFill>
-        <p:spPr>
-          <a:xfrm>
-            <a:off x="-6805264" y="0"/>
-            <a:ext cx="16462633" cy="10966493"/>
+        <p:spPr bwMode="auto">
+          <a:xfrm>
+            <a:off x="0" y="2023280"/>
+            <a:ext cx="8172400" cy="4834720"/>
           </a:xfrm>
           <a:prstGeom prst="rect">
             <a:avLst/>
           </a:prstGeom>
+          <a:noFill/>
+          <a:ln w="9525">
+            <a:noFill/>
+            <a:miter lim="800000"/>
+            <a:headEnd/>
+            <a:tailEnd/>
+          </a:ln>
         </p:spPr>
       </p:pic>
       <p:sp>
@@ -4460,7 +4883,7 @@
         <p:spPr>
           <a:xfrm>
             <a:off x="5940152" y="144016"/>
-            <a:ext cx="3563888" cy="1323439"/>
+            <a:ext cx="3563888" cy="1631216"/>
           </a:xfrm>
           <a:prstGeom prst="rect">
             <a:avLst/>
@@ -4482,7 +4905,20 @@
                 <a:ea typeface="Verdana" pitchFamily="34" charset="0"/>
                 <a:cs typeface="Verdana" pitchFamily="34" charset="0"/>
               </a:rPr>
-              <a:t>Waarde geeft inhoud aan eigenschappen</a:t>
+              <a:t>Eigenschappen</a:t>
+            </a:r>
+          </a:p>
+          <a:p>
+            <a:r>
+              <a:rPr lang="nl-NL" sz="2000" b="1" dirty="0" smtClean="0">
+                <a:solidFill>
+                  <a:schemeClr val="bg1"/>
+                </a:solidFill>
+                <a:latin typeface="Verdana" pitchFamily="34" charset="0"/>
+                <a:ea typeface="Verdana" pitchFamily="34" charset="0"/>
+                <a:cs typeface="Verdana" pitchFamily="34" charset="0"/>
+              </a:rPr>
+              <a:t>koppelen aan type omgevingsdocument</a:t>
             </a:r>
           </a:p>
           <a:p>
@@ -4541,32 +4977,26 @@
       </p:grpSpPr>
       <p:pic>
         <p:nvPicPr>
-          <p:cNvPr id="4" name="Afbeelding 3"/>
-          <p:cNvPicPr/>
+          <p:cNvPr id="4" name="Afbeelding 3" descr="IMORmodel.wmf"/>
+          <p:cNvPicPr>
+            <a:picLocks noChangeAspect="1"/>
+          </p:cNvPicPr>
           <p:nvPr/>
         </p:nvPicPr>
         <p:blipFill>
           <a:blip r:embed="rId2" cstate="print"/>
-          <a:srcRect/>
           <a:stretch>
             <a:fillRect/>
           </a:stretch>
         </p:blipFill>
-        <p:spPr bwMode="auto">
-          <a:xfrm>
-            <a:off x="323528" y="1579728"/>
-            <a:ext cx="7128792" cy="5278272"/>
+        <p:spPr>
+          <a:xfrm>
+            <a:off x="-6805264" y="0"/>
+            <a:ext cx="16462633" cy="10966493"/>
           </a:xfrm>
           <a:prstGeom prst="rect">
             <a:avLst/>
           </a:prstGeom>
-          <a:noFill/>
-          <a:ln w="9525">
-            <a:noFill/>
-            <a:miter lim="800000"/>
-            <a:headEnd/>
-            <a:tailEnd/>
-          </a:ln>
         </p:spPr>
       </p:pic>
       <p:sp>
@@ -4618,7 +5048,7 @@
         <p:spPr>
           <a:xfrm>
             <a:off x="5940152" y="144016"/>
-            <a:ext cx="3563888" cy="1631216"/>
+            <a:ext cx="3563888" cy="1323439"/>
           </a:xfrm>
           <a:prstGeom prst="rect">
             <a:avLst/>
@@ -4640,7 +5070,7 @@
                 <a:ea typeface="Verdana" pitchFamily="34" charset="0"/>
                 <a:cs typeface="Verdana" pitchFamily="34" charset="0"/>
               </a:rPr>
-              <a:t>Waarde koppelen aan type omgevingsdocument</a:t>
+              <a:t>Waarde geeft inhoud aan eigenschappen</a:t>
             </a:r>
           </a:p>
           <a:p>
@@ -4699,24 +5129,32 @@
       </p:grpSpPr>
       <p:pic>
         <p:nvPicPr>
-          <p:cNvPr id="4" name="Afbeelding 3" descr="Temporeel model.wmf"/>
+          <p:cNvPr id="4" name="Afbeelding 3"/>
           <p:cNvPicPr/>
           <p:nvPr/>
         </p:nvPicPr>
         <p:blipFill>
           <a:blip r:embed="rId2" cstate="print"/>
+          <a:srcRect/>
           <a:stretch>
             <a:fillRect/>
           </a:stretch>
         </p:blipFill>
-        <p:spPr>
-          <a:xfrm>
-            <a:off x="323528" y="1736677"/>
-            <a:ext cx="8820472" cy="5121323"/>
+        <p:spPr bwMode="auto">
+          <a:xfrm>
+            <a:off x="323528" y="1579728"/>
+            <a:ext cx="7128792" cy="5278272"/>
           </a:xfrm>
           <a:prstGeom prst="rect">
             <a:avLst/>
           </a:prstGeom>
+          <a:noFill/>
+          <a:ln w="9525">
+            <a:noFill/>
+            <a:miter lim="800000"/>
+            <a:headEnd/>
+            <a:tailEnd/>
+          </a:ln>
         </p:spPr>
       </p:pic>
       <p:sp>
@@ -4768,7 +5206,7 @@
         <p:spPr>
           <a:xfrm>
             <a:off x="5940152" y="144016"/>
-            <a:ext cx="3563888" cy="1015663"/>
+            <a:ext cx="3563888" cy="1631216"/>
           </a:xfrm>
           <a:prstGeom prst="rect">
             <a:avLst/>
@@ -4790,7 +5228,7 @@
                 <a:ea typeface="Verdana" pitchFamily="34" charset="0"/>
                 <a:cs typeface="Verdana" pitchFamily="34" charset="0"/>
               </a:rPr>
-              <a:t>Temporeel model</a:t>
+              <a:t>Waarde koppelen aan type omgevingsdocument</a:t>
             </a:r>
           </a:p>
           <a:p>

--- a/Modeldocument/IMOD versie05.pptx
+++ b/Modeldocument/IMOD versie05.pptx
@@ -5,10 +5,10 @@
     <p:sldMasterId id="2147483648" r:id="rId1"/>
   </p:sldMasterIdLst>
   <p:notesMasterIdLst>
-    <p:notesMasterId r:id="rId14"/>
+    <p:notesMasterId r:id="rId19"/>
   </p:notesMasterIdLst>
   <p:handoutMasterIdLst>
-    <p:handoutMasterId r:id="rId15"/>
+    <p:handoutMasterId r:id="rId20"/>
   </p:handoutMasterIdLst>
   <p:sldIdLst>
     <p:sldId id="256" r:id="rId2"/>
@@ -23,6 +23,11 @@
     <p:sldId id="293" r:id="rId11"/>
     <p:sldId id="290" r:id="rId12"/>
     <p:sldId id="288" r:id="rId13"/>
+    <p:sldId id="294" r:id="rId14"/>
+    <p:sldId id="295" r:id="rId15"/>
+    <p:sldId id="296" r:id="rId16"/>
+    <p:sldId id="297" r:id="rId17"/>
+    <p:sldId id="298" r:id="rId18"/>
   </p:sldIdLst>
   <p:sldSz cx="9144000" cy="6858000" type="screen4x3"/>
   <p:notesSz cx="6858000" cy="9144000"/>
@@ -283,7 +288,7 @@
     </p:spTree>
     <p:extLst>
       <p:ext uri="{BB962C8B-B14F-4D97-AF65-F5344CB8AC3E}">
-        <p14:creationId xmlns:p14="http://schemas.microsoft.com/office/powerpoint/2010/main" xmlns="" val="2270529149"/>
+        <p14:creationId xmlns="" xmlns:p14="http://schemas.microsoft.com/office/powerpoint/2010/main" val="2270529149"/>
       </p:ext>
     </p:extLst>
   </p:cSld>
@@ -544,7 +549,7 @@
     </p:spTree>
     <p:extLst>
       <p:ext uri="{BB962C8B-B14F-4D97-AF65-F5344CB8AC3E}">
-        <p14:creationId xmlns:p14="http://schemas.microsoft.com/office/powerpoint/2010/main" xmlns="" val="3636464660"/>
+        <p14:creationId xmlns="" xmlns:p14="http://schemas.microsoft.com/office/powerpoint/2010/main" val="3636464660"/>
       </p:ext>
     </p:extLst>
   </p:cSld>
@@ -836,7 +841,7 @@
           <a:blip r:embed="rId2" cstate="print">
             <a:extLst>
               <a:ext uri="{28A0092B-C50C-407E-A947-70E740481C1C}">
-                <a14:useLocalDpi xmlns:a14="http://schemas.microsoft.com/office/drawing/2010/main" xmlns="" val="0"/>
+                <a14:useLocalDpi xmlns="" xmlns:a14="http://schemas.microsoft.com/office/drawing/2010/main" val="0"/>
               </a:ext>
             </a:extLst>
           </a:blip>
@@ -905,7 +910,7 @@
     </p:spTree>
     <p:extLst>
       <p:ext uri="{BB962C8B-B14F-4D97-AF65-F5344CB8AC3E}">
-        <p14:creationId xmlns:p14="http://schemas.microsoft.com/office/powerpoint/2010/main" xmlns="" val="3678984283"/>
+        <p14:creationId xmlns="" xmlns:p14="http://schemas.microsoft.com/office/powerpoint/2010/main" val="3678984283"/>
       </p:ext>
     </p:extLst>
   </p:cSld>
@@ -1051,7 +1056,7 @@
           <a:blip r:embed="rId2" cstate="print">
             <a:extLst>
               <a:ext uri="{28A0092B-C50C-407E-A947-70E740481C1C}">
-                <a14:useLocalDpi xmlns:a14="http://schemas.microsoft.com/office/drawing/2010/main" xmlns="" val="0"/>
+                <a14:useLocalDpi xmlns="" xmlns:a14="http://schemas.microsoft.com/office/drawing/2010/main" val="0"/>
               </a:ext>
             </a:extLst>
           </a:blip>
@@ -1120,7 +1125,7 @@
     </p:spTree>
     <p:extLst>
       <p:ext uri="{BB962C8B-B14F-4D97-AF65-F5344CB8AC3E}">
-        <p14:creationId xmlns:p14="http://schemas.microsoft.com/office/powerpoint/2010/main" xmlns="" val="223194721"/>
+        <p14:creationId xmlns="" xmlns:p14="http://schemas.microsoft.com/office/powerpoint/2010/main" val="223194721"/>
       </p:ext>
     </p:extLst>
   </p:cSld>
@@ -1332,7 +1337,7 @@
           <a:blip r:embed="rId2" cstate="print">
             <a:extLst>
               <a:ext uri="{28A0092B-C50C-407E-A947-70E740481C1C}">
-                <a14:useLocalDpi xmlns:a14="http://schemas.microsoft.com/office/drawing/2010/main" xmlns="" val="0"/>
+                <a14:useLocalDpi xmlns="" xmlns:a14="http://schemas.microsoft.com/office/drawing/2010/main" val="0"/>
               </a:ext>
             </a:extLst>
           </a:blip>
@@ -1401,7 +1406,7 @@
     </p:spTree>
     <p:extLst>
       <p:ext uri="{BB962C8B-B14F-4D97-AF65-F5344CB8AC3E}">
-        <p14:creationId xmlns:p14="http://schemas.microsoft.com/office/powerpoint/2010/main" xmlns="" val="3627630185"/>
+        <p14:creationId xmlns="" xmlns:p14="http://schemas.microsoft.com/office/powerpoint/2010/main" val="3627630185"/>
       </p:ext>
     </p:extLst>
   </p:cSld>
@@ -1469,7 +1474,7 @@
           <a:blip r:embed="rId2" cstate="print">
             <a:extLst>
               <a:ext uri="{28A0092B-C50C-407E-A947-70E740481C1C}">
-                <a14:useLocalDpi xmlns:a14="http://schemas.microsoft.com/office/drawing/2010/main" xmlns="" val="0"/>
+                <a14:useLocalDpi xmlns="" xmlns:a14="http://schemas.microsoft.com/office/drawing/2010/main" val="0"/>
               </a:ext>
             </a:extLst>
           </a:blip>
@@ -1538,7 +1543,7 @@
     </p:spTree>
     <p:extLst>
       <p:ext uri="{BB962C8B-B14F-4D97-AF65-F5344CB8AC3E}">
-        <p14:creationId xmlns:p14="http://schemas.microsoft.com/office/powerpoint/2010/main" xmlns="" val="247022888"/>
+        <p14:creationId xmlns="" xmlns:p14="http://schemas.microsoft.com/office/powerpoint/2010/main" val="247022888"/>
       </p:ext>
     </p:extLst>
   </p:cSld>
@@ -1709,7 +1714,7 @@
           <a:blip r:embed="rId2" cstate="print">
             <a:extLst>
               <a:ext uri="{28A0092B-C50C-407E-A947-70E740481C1C}">
-                <a14:useLocalDpi xmlns:a14="http://schemas.microsoft.com/office/drawing/2010/main" xmlns="" val="0"/>
+                <a14:useLocalDpi xmlns="" xmlns:a14="http://schemas.microsoft.com/office/drawing/2010/main" val="0"/>
               </a:ext>
             </a:extLst>
           </a:blip>
@@ -1778,7 +1783,7 @@
     </p:spTree>
     <p:extLst>
       <p:ext uri="{BB962C8B-B14F-4D97-AF65-F5344CB8AC3E}">
-        <p14:creationId xmlns:p14="http://schemas.microsoft.com/office/powerpoint/2010/main" xmlns="" val="636275373"/>
+        <p14:creationId xmlns="" xmlns:p14="http://schemas.microsoft.com/office/powerpoint/2010/main" val="636275373"/>
       </p:ext>
     </p:extLst>
   </p:cSld>
@@ -2047,7 +2052,7 @@
     </p:spTree>
     <p:extLst>
       <p:ext uri="{BB962C8B-B14F-4D97-AF65-F5344CB8AC3E}">
-        <p14:creationId xmlns:p14="http://schemas.microsoft.com/office/powerpoint/2010/main" xmlns="" val="910269114"/>
+        <p14:creationId xmlns="" xmlns:p14="http://schemas.microsoft.com/office/powerpoint/2010/main" val="910269114"/>
       </p:ext>
     </p:extLst>
   </p:cSld>
@@ -2093,7 +2098,7 @@
           <a:blip r:embed="rId2" cstate="print">
             <a:extLst>
               <a:ext uri="{28A0092B-C50C-407E-A947-70E740481C1C}">
-                <a14:useLocalDpi xmlns:a14="http://schemas.microsoft.com/office/drawing/2010/main" xmlns="" val="0"/>
+                <a14:useLocalDpi xmlns="" xmlns:a14="http://schemas.microsoft.com/office/drawing/2010/main" val="0"/>
               </a:ext>
             </a:extLst>
           </a:blip>
@@ -2344,7 +2349,7 @@
     </p:spTree>
     <p:extLst>
       <p:ext uri="{BB962C8B-B14F-4D97-AF65-F5344CB8AC3E}">
-        <p14:creationId xmlns:p14="http://schemas.microsoft.com/office/powerpoint/2010/main" xmlns="" val="2675497945"/>
+        <p14:creationId xmlns="" xmlns:p14="http://schemas.microsoft.com/office/powerpoint/2010/main" val="2675497945"/>
       </p:ext>
     </p:extLst>
   </p:cSld>
@@ -2468,7 +2473,7 @@
           <a:blip r:embed="rId9" cstate="print">
             <a:extLst>
               <a:ext uri="{28A0092B-C50C-407E-A947-70E740481C1C}">
-                <a14:useLocalDpi xmlns:a14="http://schemas.microsoft.com/office/drawing/2010/main" xmlns="" val="0"/>
+                <a14:useLocalDpi xmlns="" xmlns:a14="http://schemas.microsoft.com/office/drawing/2010/main" val="0"/>
               </a:ext>
             </a:extLst>
           </a:blip>
@@ -2537,7 +2542,7 @@
     </p:spTree>
     <p:extLst>
       <p:ext uri="{BB962C8B-B14F-4D97-AF65-F5344CB8AC3E}">
-        <p14:creationId xmlns:p14="http://schemas.microsoft.com/office/powerpoint/2010/main" xmlns="" val="1235826258"/>
+        <p14:creationId xmlns="" xmlns:p14="http://schemas.microsoft.com/office/powerpoint/2010/main" val="1235826258"/>
       </p:ext>
     </p:extLst>
   </p:cSld>
@@ -2881,7 +2886,7 @@
     </p:spTree>
     <p:extLst>
       <p:ext uri="{BB962C8B-B14F-4D97-AF65-F5344CB8AC3E}">
-        <p14:creationId xmlns:p14="http://schemas.microsoft.com/office/powerpoint/2010/main" xmlns="" val="2757318496"/>
+        <p14:creationId xmlns="" xmlns:p14="http://schemas.microsoft.com/office/powerpoint/2010/main" val="2757318496"/>
       </p:ext>
     </p:extLst>
   </p:cSld>
@@ -3284,6 +3289,3882 @@
       </p:par>
     </p:tnLst>
   </p:timing>
+</p:sld>
+</file>
+
+<file path=ppt/slides/slide13.xml><?xml version="1.0" encoding="utf-8"?>
+<p:sld xmlns:a="http://schemas.openxmlformats.org/drawingml/2006/main" xmlns:r="http://schemas.openxmlformats.org/officeDocument/2006/relationships" xmlns:p="http://schemas.openxmlformats.org/presentationml/2006/main">
+  <p:cSld>
+    <p:spTree>
+      <p:nvGrpSpPr>
+        <p:cNvPr id="1" name=""/>
+        <p:cNvGrpSpPr/>
+        <p:nvPr/>
+      </p:nvGrpSpPr>
+      <p:grpSpPr>
+        <a:xfrm>
+          <a:off x="0" y="0"/>
+          <a:ext cx="0" cy="0"/>
+          <a:chOff x="0" y="0"/>
+          <a:chExt cx="0" cy="0"/>
+        </a:xfrm>
+      </p:grpSpPr>
+      <p:sp>
+        <p:nvSpPr>
+          <p:cNvPr id="2" name="Title 1"/>
+          <p:cNvSpPr>
+            <a:spLocks noGrp="1"/>
+          </p:cNvSpPr>
+          <p:nvPr>
+            <p:ph type="ctrTitle"/>
+          </p:nvPr>
+        </p:nvSpPr>
+        <p:spPr/>
+        <p:txBody>
+          <a:bodyPr/>
+          <a:lstStyle/>
+          <a:p>
+            <a:r>
+              <a:rPr lang="nl-NL" dirty="0" smtClean="0"/>
+              <a:t>Toelichting temporeel model</a:t>
+            </a:r>
+            <a:endParaRPr lang="nl-NL" dirty="0"/>
+          </a:p>
+        </p:txBody>
+      </p:sp>
+      <p:sp>
+        <p:nvSpPr>
+          <p:cNvPr id="3" name="Subtitle 2"/>
+          <p:cNvSpPr>
+            <a:spLocks noGrp="1"/>
+          </p:cNvSpPr>
+          <p:nvPr>
+            <p:ph type="subTitle" idx="1"/>
+          </p:nvPr>
+        </p:nvSpPr>
+        <p:spPr/>
+        <p:txBody>
+          <a:bodyPr/>
+          <a:lstStyle/>
+          <a:p>
+            <a:r>
+              <a:rPr lang="nl-NL" dirty="0"/>
+              <a:t>Voorbeeld stappen</a:t>
+            </a:r>
+          </a:p>
+        </p:txBody>
+      </p:sp>
+    </p:spTree>
+    <p:extLst>
+      <p:ext uri="{BB962C8B-B14F-4D97-AF65-F5344CB8AC3E}">
+        <p14:creationId xmlns:p14="http://schemas.microsoft.com/office/powerpoint/2010/main" xmlns="" val="274015372"/>
+      </p:ext>
+    </p:extLst>
+  </p:cSld>
+  <p:clrMapOvr>
+    <a:masterClrMapping/>
+  </p:clrMapOvr>
+</p:sld>
+</file>
+
+<file path=ppt/slides/slide14.xml><?xml version="1.0" encoding="utf-8"?>
+<p:sld xmlns:a="http://schemas.openxmlformats.org/drawingml/2006/main" xmlns:r="http://schemas.openxmlformats.org/officeDocument/2006/relationships" xmlns:p="http://schemas.openxmlformats.org/presentationml/2006/main">
+  <p:cSld>
+    <p:spTree>
+      <p:nvGrpSpPr>
+        <p:cNvPr id="1" name=""/>
+        <p:cNvGrpSpPr/>
+        <p:nvPr/>
+      </p:nvGrpSpPr>
+      <p:grpSpPr>
+        <a:xfrm>
+          <a:off x="0" y="0"/>
+          <a:ext cx="0" cy="0"/>
+          <a:chOff x="0" y="0"/>
+          <a:chExt cx="0" cy="0"/>
+        </a:xfrm>
+      </p:grpSpPr>
+      <p:sp>
+        <p:nvSpPr>
+          <p:cNvPr id="2" name="Title 1"/>
+          <p:cNvSpPr>
+            <a:spLocks noGrp="1"/>
+          </p:cNvSpPr>
+          <p:nvPr>
+            <p:ph type="title"/>
+          </p:nvPr>
+        </p:nvSpPr>
+        <p:spPr/>
+        <p:txBody>
+          <a:bodyPr>
+            <a:normAutofit/>
+          </a:bodyPr>
+          <a:lstStyle/>
+          <a:p>
+            <a:r>
+              <a:rPr lang="nl-NL" sz="2400" b="1" dirty="0"/>
+              <a:t>Stap 1: Het publiceren van een nieuw omgevingsdocument</a:t>
+            </a:r>
+            <a:endParaRPr lang="nl-NL" sz="2400" dirty="0"/>
+          </a:p>
+        </p:txBody>
+      </p:sp>
+      <p:pic>
+        <p:nvPicPr>
+          <p:cNvPr id="4" name="Picture 3"/>
+          <p:cNvPicPr/>
+          <p:nvPr/>
+        </p:nvPicPr>
+        <p:blipFill>
+          <a:blip r:embed="rId2" cstate="print">
+            <a:extLst>
+              <a:ext uri="{28A0092B-C50C-407E-A947-70E740481C1C}">
+                <a14:useLocalDpi xmlns:a14="http://schemas.microsoft.com/office/drawing/2010/main" xmlns="" val="0"/>
+              </a:ext>
+            </a:extLst>
+          </a:blip>
+          <a:stretch>
+            <a:fillRect/>
+          </a:stretch>
+        </p:blipFill>
+        <p:spPr>
+          <a:xfrm>
+            <a:off x="1547664" y="2708920"/>
+            <a:ext cx="5760720" cy="1657350"/>
+          </a:xfrm>
+          <a:prstGeom prst="rect">
+            <a:avLst/>
+          </a:prstGeom>
+        </p:spPr>
+      </p:pic>
+      <p:graphicFrame>
+        <p:nvGraphicFramePr>
+          <p:cNvPr id="5" name="Table 4"/>
+          <p:cNvGraphicFramePr>
+            <a:graphicFrameLocks noGrp="1"/>
+          </p:cNvGraphicFramePr>
+          <p:nvPr>
+            <p:extLst>
+              <p:ext uri="{D42A27DB-BD31-4B8C-83A1-F6EECF244321}">
+                <p14:modId xmlns:p14="http://schemas.microsoft.com/office/powerpoint/2010/main" xmlns="" val="2908614482"/>
+              </p:ext>
+            </p:extLst>
+          </p:nvPr>
+        </p:nvGraphicFramePr>
+        <p:xfrm>
+          <a:off x="1653734" y="4653136"/>
+          <a:ext cx="5637530" cy="1371600"/>
+        </p:xfrm>
+        <a:graphic>
+          <a:graphicData uri="http://schemas.openxmlformats.org/drawingml/2006/table">
+            <a:tbl>
+              <a:tblPr firstRow="1" firstCol="1" bandRow="1">
+                <a:tableStyleId>{5C22544A-7EE6-4342-B048-85BDC9FD1C3A}</a:tableStyleId>
+              </a:tblPr>
+              <a:tblGrid>
+                <a:gridCol w="1711325"/>
+                <a:gridCol w="2044700"/>
+                <a:gridCol w="1881505"/>
+              </a:tblGrid>
+              <a:tr h="32351">
+                <a:tc>
+                  <a:txBody>
+                    <a:bodyPr/>
+                    <a:lstStyle/>
+                    <a:p>
+                      <a:pPr algn="just">
+                        <a:lnSpc>
+                          <a:spcPts val="1200"/>
+                        </a:lnSpc>
+                        <a:spcAft>
+                          <a:spcPts val="0"/>
+                        </a:spcAft>
+                      </a:pPr>
+                      <a:r>
+                        <a:rPr lang="nl-NL" sz="800" dirty="0">
+                          <a:effectLst/>
+                        </a:rPr>
+                        <a:t>Eerste versie</a:t>
+                      </a:r>
+                      <a:endParaRPr lang="nl-NL" sz="800" dirty="0">
+                        <a:effectLst/>
+                        <a:latin typeface="Verdana"/>
+                        <a:ea typeface="Times New Roman"/>
+                        <a:cs typeface="Times New Roman"/>
+                      </a:endParaRPr>
+                    </a:p>
+                  </a:txBody>
+                  <a:tcPr marL="68580" marR="68580" marT="0" marB="0"/>
+                </a:tc>
+                <a:tc>
+                  <a:txBody>
+                    <a:bodyPr/>
+                    <a:lstStyle/>
+                    <a:p>
+                      <a:pPr algn="just">
+                        <a:lnSpc>
+                          <a:spcPts val="1200"/>
+                        </a:lnSpc>
+                        <a:spcAft>
+                          <a:spcPts val="0"/>
+                        </a:spcAft>
+                      </a:pPr>
+                      <a:r>
+                        <a:rPr lang="nl-NL" sz="800">
+                          <a:effectLst/>
+                        </a:rPr>
+                        <a:t>Attribuut</a:t>
+                      </a:r>
+                      <a:endParaRPr lang="nl-NL" sz="800">
+                        <a:effectLst/>
+                        <a:latin typeface="Verdana"/>
+                        <a:ea typeface="Times New Roman"/>
+                        <a:cs typeface="Times New Roman"/>
+                      </a:endParaRPr>
+                    </a:p>
+                  </a:txBody>
+                  <a:tcPr marL="68580" marR="68580" marT="0" marB="0"/>
+                </a:tc>
+                <a:tc>
+                  <a:txBody>
+                    <a:bodyPr/>
+                    <a:lstStyle/>
+                    <a:p>
+                      <a:pPr algn="just">
+                        <a:lnSpc>
+                          <a:spcPts val="1200"/>
+                        </a:lnSpc>
+                        <a:spcAft>
+                          <a:spcPts val="0"/>
+                        </a:spcAft>
+                      </a:pPr>
+                      <a:r>
+                        <a:rPr lang="nl-NL" sz="800">
+                          <a:effectLst/>
+                        </a:rPr>
+                        <a:t>Waarde</a:t>
+                      </a:r>
+                      <a:endParaRPr lang="nl-NL" sz="800">
+                        <a:effectLst/>
+                        <a:latin typeface="Verdana"/>
+                        <a:ea typeface="Times New Roman"/>
+                        <a:cs typeface="Times New Roman"/>
+                      </a:endParaRPr>
+                    </a:p>
+                  </a:txBody>
+                  <a:tcPr marL="68580" marR="68580" marT="0" marB="0"/>
+                </a:tc>
+              </a:tr>
+              <a:tr h="0">
+                <a:tc>
+                  <a:txBody>
+                    <a:bodyPr/>
+                    <a:lstStyle/>
+                    <a:p>
+                      <a:pPr algn="just">
+                        <a:lnSpc>
+                          <a:spcPts val="1200"/>
+                        </a:lnSpc>
+                        <a:spcAft>
+                          <a:spcPts val="0"/>
+                        </a:spcAft>
+                      </a:pPr>
+                      <a:r>
+                        <a:rPr lang="nl-NL" sz="800">
+                          <a:effectLst/>
+                        </a:rPr>
+                        <a:t>&lt;start formeel aspect&gt;</a:t>
+                      </a:r>
+                      <a:endParaRPr lang="nl-NL" sz="800">
+                        <a:effectLst/>
+                        <a:latin typeface="Verdana"/>
+                        <a:ea typeface="Times New Roman"/>
+                        <a:cs typeface="Times New Roman"/>
+                      </a:endParaRPr>
+                    </a:p>
+                  </a:txBody>
+                  <a:tcPr marL="68580" marR="68580" marT="0" marB="0"/>
+                </a:tc>
+                <a:tc>
+                  <a:txBody>
+                    <a:bodyPr/>
+                    <a:lstStyle/>
+                    <a:p>
+                      <a:pPr algn="just">
+                        <a:lnSpc>
+                          <a:spcPts val="1200"/>
+                        </a:lnSpc>
+                        <a:spcAft>
+                          <a:spcPts val="0"/>
+                        </a:spcAft>
+                      </a:pPr>
+                      <a:r>
+                        <a:rPr lang="nl-NL" sz="800">
+                          <a:effectLst/>
+                        </a:rPr>
+                        <a:t>Tijdstip registratie</a:t>
+                      </a:r>
+                      <a:endParaRPr lang="nl-NL" sz="800">
+                        <a:effectLst/>
+                        <a:latin typeface="Verdana"/>
+                        <a:ea typeface="Times New Roman"/>
+                        <a:cs typeface="Times New Roman"/>
+                      </a:endParaRPr>
+                    </a:p>
+                  </a:txBody>
+                  <a:tcPr marL="68580" marR="68580" marT="0" marB="0"/>
+                </a:tc>
+                <a:tc>
+                  <a:txBody>
+                    <a:bodyPr/>
+                    <a:lstStyle/>
+                    <a:p>
+                      <a:pPr algn="just">
+                        <a:lnSpc>
+                          <a:spcPts val="1200"/>
+                        </a:lnSpc>
+                        <a:spcAft>
+                          <a:spcPts val="0"/>
+                        </a:spcAft>
+                      </a:pPr>
+                      <a:r>
+                        <a:rPr lang="nl-NL" sz="800">
+                          <a:effectLst/>
+                        </a:rPr>
+                        <a:t>1-6-2019</a:t>
+                      </a:r>
+                      <a:endParaRPr lang="nl-NL" sz="800">
+                        <a:effectLst/>
+                        <a:latin typeface="Verdana"/>
+                        <a:ea typeface="Times New Roman"/>
+                        <a:cs typeface="Times New Roman"/>
+                      </a:endParaRPr>
+                    </a:p>
+                  </a:txBody>
+                  <a:tcPr marL="68580" marR="68580" marT="0" marB="0"/>
+                </a:tc>
+              </a:tr>
+              <a:tr h="0">
+                <a:tc>
+                  <a:txBody>
+                    <a:bodyPr/>
+                    <a:lstStyle/>
+                    <a:p>
+                      <a:pPr algn="just">
+                        <a:lnSpc>
+                          <a:spcPts val="1200"/>
+                        </a:lnSpc>
+                        <a:spcAft>
+                          <a:spcPts val="0"/>
+                        </a:spcAft>
+                      </a:pPr>
+                      <a:r>
+                        <a:rPr lang="nl-NL" sz="800">
+                          <a:effectLst/>
+                        </a:rPr>
+                        <a:t>&lt;eind formeel aspect&gt;</a:t>
+                      </a:r>
+                      <a:endParaRPr lang="nl-NL" sz="800">
+                        <a:effectLst/>
+                        <a:latin typeface="Verdana"/>
+                        <a:ea typeface="Times New Roman"/>
+                        <a:cs typeface="Times New Roman"/>
+                      </a:endParaRPr>
+                    </a:p>
+                  </a:txBody>
+                  <a:tcPr marL="68580" marR="68580" marT="0" marB="0"/>
+                </a:tc>
+                <a:tc>
+                  <a:txBody>
+                    <a:bodyPr/>
+                    <a:lstStyle/>
+                    <a:p>
+                      <a:pPr algn="just">
+                        <a:lnSpc>
+                          <a:spcPts val="1200"/>
+                        </a:lnSpc>
+                        <a:spcAft>
+                          <a:spcPts val="0"/>
+                        </a:spcAft>
+                      </a:pPr>
+                      <a:r>
+                        <a:rPr lang="nl-NL" sz="800">
+                          <a:effectLst/>
+                        </a:rPr>
+                        <a:t>Eind registratie</a:t>
+                      </a:r>
+                      <a:endParaRPr lang="nl-NL" sz="800">
+                        <a:effectLst/>
+                        <a:latin typeface="Verdana"/>
+                        <a:ea typeface="Times New Roman"/>
+                        <a:cs typeface="Times New Roman"/>
+                      </a:endParaRPr>
+                    </a:p>
+                  </a:txBody>
+                  <a:tcPr marL="68580" marR="68580" marT="0" marB="0"/>
+                </a:tc>
+                <a:tc>
+                  <a:txBody>
+                    <a:bodyPr/>
+                    <a:lstStyle/>
+                    <a:p>
+                      <a:pPr algn="just">
+                        <a:lnSpc>
+                          <a:spcPts val="1200"/>
+                        </a:lnSpc>
+                        <a:spcAft>
+                          <a:spcPts val="0"/>
+                        </a:spcAft>
+                      </a:pPr>
+                      <a:r>
+                        <a:rPr lang="nl-NL" sz="800">
+                          <a:effectLst/>
+                        </a:rPr>
+                        <a:t>null</a:t>
+                      </a:r>
+                      <a:endParaRPr lang="nl-NL" sz="800">
+                        <a:effectLst/>
+                        <a:latin typeface="Verdana"/>
+                        <a:ea typeface="Times New Roman"/>
+                        <a:cs typeface="Times New Roman"/>
+                      </a:endParaRPr>
+                    </a:p>
+                  </a:txBody>
+                  <a:tcPr marL="68580" marR="68580" marT="0" marB="0"/>
+                </a:tc>
+              </a:tr>
+              <a:tr h="0">
+                <a:tc>
+                  <a:txBody>
+                    <a:bodyPr/>
+                    <a:lstStyle/>
+                    <a:p>
+                      <a:pPr algn="just">
+                        <a:lnSpc>
+                          <a:spcPts val="1200"/>
+                        </a:lnSpc>
+                        <a:spcAft>
+                          <a:spcPts val="0"/>
+                        </a:spcAft>
+                      </a:pPr>
+                      <a:r>
+                        <a:rPr lang="nl-NL" sz="800">
+                          <a:effectLst/>
+                        </a:rPr>
+                        <a:t>&lt;start materieel aspect&gt;</a:t>
+                      </a:r>
+                      <a:endParaRPr lang="nl-NL" sz="800">
+                        <a:effectLst/>
+                        <a:latin typeface="Verdana"/>
+                        <a:ea typeface="Times New Roman"/>
+                        <a:cs typeface="Times New Roman"/>
+                      </a:endParaRPr>
+                    </a:p>
+                  </a:txBody>
+                  <a:tcPr marL="68580" marR="68580" marT="0" marB="0"/>
+                </a:tc>
+                <a:tc>
+                  <a:txBody>
+                    <a:bodyPr/>
+                    <a:lstStyle/>
+                    <a:p>
+                      <a:pPr algn="just">
+                        <a:lnSpc>
+                          <a:spcPts val="1200"/>
+                        </a:lnSpc>
+                        <a:spcAft>
+                          <a:spcPts val="0"/>
+                        </a:spcAft>
+                      </a:pPr>
+                      <a:r>
+                        <a:rPr lang="nl-NL" sz="800">
+                          <a:effectLst/>
+                        </a:rPr>
+                        <a:t>Begin geldigheid</a:t>
+                      </a:r>
+                      <a:endParaRPr lang="nl-NL" sz="800">
+                        <a:effectLst/>
+                        <a:latin typeface="Verdana"/>
+                        <a:ea typeface="Times New Roman"/>
+                        <a:cs typeface="Times New Roman"/>
+                      </a:endParaRPr>
+                    </a:p>
+                  </a:txBody>
+                  <a:tcPr marL="68580" marR="68580" marT="0" marB="0"/>
+                </a:tc>
+                <a:tc>
+                  <a:txBody>
+                    <a:bodyPr/>
+                    <a:lstStyle/>
+                    <a:p>
+                      <a:pPr algn="just">
+                        <a:lnSpc>
+                          <a:spcPts val="1200"/>
+                        </a:lnSpc>
+                        <a:spcAft>
+                          <a:spcPts val="0"/>
+                        </a:spcAft>
+                      </a:pPr>
+                      <a:r>
+                        <a:rPr lang="nl-NL" sz="800">
+                          <a:effectLst/>
+                        </a:rPr>
+                        <a:t>15-8-2019</a:t>
+                      </a:r>
+                      <a:endParaRPr lang="nl-NL" sz="800">
+                        <a:effectLst/>
+                        <a:latin typeface="Verdana"/>
+                        <a:ea typeface="Times New Roman"/>
+                        <a:cs typeface="Times New Roman"/>
+                      </a:endParaRPr>
+                    </a:p>
+                  </a:txBody>
+                  <a:tcPr marL="68580" marR="68580" marT="0" marB="0"/>
+                </a:tc>
+              </a:tr>
+              <a:tr h="0">
+                <a:tc>
+                  <a:txBody>
+                    <a:bodyPr/>
+                    <a:lstStyle/>
+                    <a:p>
+                      <a:pPr algn="just">
+                        <a:lnSpc>
+                          <a:spcPts val="1200"/>
+                        </a:lnSpc>
+                        <a:spcAft>
+                          <a:spcPts val="0"/>
+                        </a:spcAft>
+                      </a:pPr>
+                      <a:r>
+                        <a:rPr lang="nl-NL" sz="800">
+                          <a:effectLst/>
+                        </a:rPr>
+                        <a:t>&lt;eind materieel aspect&gt;</a:t>
+                      </a:r>
+                      <a:endParaRPr lang="nl-NL" sz="800">
+                        <a:effectLst/>
+                        <a:latin typeface="Verdana"/>
+                        <a:ea typeface="Times New Roman"/>
+                        <a:cs typeface="Times New Roman"/>
+                      </a:endParaRPr>
+                    </a:p>
+                  </a:txBody>
+                  <a:tcPr marL="68580" marR="68580" marT="0" marB="0"/>
+                </a:tc>
+                <a:tc>
+                  <a:txBody>
+                    <a:bodyPr/>
+                    <a:lstStyle/>
+                    <a:p>
+                      <a:pPr algn="just">
+                        <a:lnSpc>
+                          <a:spcPts val="1200"/>
+                        </a:lnSpc>
+                        <a:spcAft>
+                          <a:spcPts val="0"/>
+                        </a:spcAft>
+                      </a:pPr>
+                      <a:r>
+                        <a:rPr lang="nl-NL" sz="800">
+                          <a:effectLst/>
+                        </a:rPr>
+                        <a:t>Eind geldigheid</a:t>
+                      </a:r>
+                      <a:endParaRPr lang="nl-NL" sz="800">
+                        <a:effectLst/>
+                        <a:latin typeface="Verdana"/>
+                        <a:ea typeface="Times New Roman"/>
+                        <a:cs typeface="Times New Roman"/>
+                      </a:endParaRPr>
+                    </a:p>
+                  </a:txBody>
+                  <a:tcPr marL="68580" marR="68580" marT="0" marB="0"/>
+                </a:tc>
+                <a:tc>
+                  <a:txBody>
+                    <a:bodyPr/>
+                    <a:lstStyle/>
+                    <a:p>
+                      <a:pPr algn="just">
+                        <a:lnSpc>
+                          <a:spcPts val="1200"/>
+                        </a:lnSpc>
+                        <a:spcAft>
+                          <a:spcPts val="0"/>
+                        </a:spcAft>
+                      </a:pPr>
+                      <a:r>
+                        <a:rPr lang="nl-NL" sz="800">
+                          <a:effectLst/>
+                        </a:rPr>
+                        <a:t>null</a:t>
+                      </a:r>
+                      <a:endParaRPr lang="nl-NL" sz="800">
+                        <a:effectLst/>
+                        <a:latin typeface="Verdana"/>
+                        <a:ea typeface="Times New Roman"/>
+                        <a:cs typeface="Times New Roman"/>
+                      </a:endParaRPr>
+                    </a:p>
+                  </a:txBody>
+                  <a:tcPr marL="68580" marR="68580" marT="0" marB="0"/>
+                </a:tc>
+              </a:tr>
+              <a:tr h="0">
+                <a:tc>
+                  <a:txBody>
+                    <a:bodyPr/>
+                    <a:lstStyle/>
+                    <a:p>
+                      <a:pPr algn="just">
+                        <a:lnSpc>
+                          <a:spcPts val="1200"/>
+                        </a:lnSpc>
+                        <a:spcAft>
+                          <a:spcPts val="0"/>
+                        </a:spcAft>
+                      </a:pPr>
+                      <a:r>
+                        <a:rPr lang="nl-NL" sz="800">
+                          <a:effectLst/>
+                        </a:rPr>
+                        <a:t> </a:t>
+                      </a:r>
+                      <a:endParaRPr lang="nl-NL" sz="800">
+                        <a:effectLst/>
+                        <a:latin typeface="Verdana"/>
+                        <a:ea typeface="Times New Roman"/>
+                        <a:cs typeface="Times New Roman"/>
+                      </a:endParaRPr>
+                    </a:p>
+                  </a:txBody>
+                  <a:tcPr marL="68580" marR="68580" marT="0" marB="0"/>
+                </a:tc>
+                <a:tc>
+                  <a:txBody>
+                    <a:bodyPr/>
+                    <a:lstStyle/>
+                    <a:p>
+                      <a:pPr algn="just">
+                        <a:lnSpc>
+                          <a:spcPts val="1200"/>
+                        </a:lnSpc>
+                        <a:spcAft>
+                          <a:spcPts val="0"/>
+                        </a:spcAft>
+                      </a:pPr>
+                      <a:r>
+                        <a:rPr lang="nl-NL" sz="800">
+                          <a:effectLst/>
+                        </a:rPr>
+                        <a:t>Datum vaststelling</a:t>
+                      </a:r>
+                      <a:endParaRPr lang="nl-NL" sz="800">
+                        <a:effectLst/>
+                        <a:latin typeface="Verdana"/>
+                        <a:ea typeface="Times New Roman"/>
+                        <a:cs typeface="Times New Roman"/>
+                      </a:endParaRPr>
+                    </a:p>
+                  </a:txBody>
+                  <a:tcPr marL="68580" marR="68580" marT="0" marB="0"/>
+                </a:tc>
+                <a:tc>
+                  <a:txBody>
+                    <a:bodyPr/>
+                    <a:lstStyle/>
+                    <a:p>
+                      <a:pPr algn="just">
+                        <a:lnSpc>
+                          <a:spcPts val="1200"/>
+                        </a:lnSpc>
+                        <a:spcAft>
+                          <a:spcPts val="0"/>
+                        </a:spcAft>
+                      </a:pPr>
+                      <a:r>
+                        <a:rPr lang="nl-NL" sz="800">
+                          <a:effectLst/>
+                        </a:rPr>
+                        <a:t>1-7-2019</a:t>
+                      </a:r>
+                      <a:endParaRPr lang="nl-NL" sz="800">
+                        <a:effectLst/>
+                        <a:latin typeface="Verdana"/>
+                        <a:ea typeface="Times New Roman"/>
+                        <a:cs typeface="Times New Roman"/>
+                      </a:endParaRPr>
+                    </a:p>
+                  </a:txBody>
+                  <a:tcPr marL="68580" marR="68580" marT="0" marB="0"/>
+                </a:tc>
+              </a:tr>
+              <a:tr h="0">
+                <a:tc>
+                  <a:txBody>
+                    <a:bodyPr/>
+                    <a:lstStyle/>
+                    <a:p>
+                      <a:pPr algn="just">
+                        <a:lnSpc>
+                          <a:spcPts val="1200"/>
+                        </a:lnSpc>
+                        <a:spcAft>
+                          <a:spcPts val="0"/>
+                        </a:spcAft>
+                      </a:pPr>
+                      <a:r>
+                        <a:rPr lang="nl-NL" sz="800">
+                          <a:effectLst/>
+                        </a:rPr>
+                        <a:t> </a:t>
+                      </a:r>
+                      <a:endParaRPr lang="nl-NL" sz="800">
+                        <a:effectLst/>
+                        <a:latin typeface="Verdana"/>
+                        <a:ea typeface="Times New Roman"/>
+                        <a:cs typeface="Times New Roman"/>
+                      </a:endParaRPr>
+                    </a:p>
+                  </a:txBody>
+                  <a:tcPr marL="68580" marR="68580" marT="0" marB="0"/>
+                </a:tc>
+                <a:tc>
+                  <a:txBody>
+                    <a:bodyPr/>
+                    <a:lstStyle/>
+                    <a:p>
+                      <a:pPr algn="just">
+                        <a:lnSpc>
+                          <a:spcPts val="1200"/>
+                        </a:lnSpc>
+                        <a:spcAft>
+                          <a:spcPts val="0"/>
+                        </a:spcAft>
+                      </a:pPr>
+                      <a:r>
+                        <a:rPr lang="nl-NL" sz="800">
+                          <a:effectLst/>
+                        </a:rPr>
+                        <a:t>Datum bekendmaking</a:t>
+                      </a:r>
+                      <a:endParaRPr lang="nl-NL" sz="800">
+                        <a:effectLst/>
+                        <a:latin typeface="Verdana"/>
+                        <a:ea typeface="Times New Roman"/>
+                        <a:cs typeface="Times New Roman"/>
+                      </a:endParaRPr>
+                    </a:p>
+                  </a:txBody>
+                  <a:tcPr marL="68580" marR="68580" marT="0" marB="0"/>
+                </a:tc>
+                <a:tc>
+                  <a:txBody>
+                    <a:bodyPr/>
+                    <a:lstStyle/>
+                    <a:p>
+                      <a:pPr algn="just">
+                        <a:lnSpc>
+                          <a:spcPts val="1200"/>
+                        </a:lnSpc>
+                        <a:spcAft>
+                          <a:spcPts val="0"/>
+                        </a:spcAft>
+                      </a:pPr>
+                      <a:r>
+                        <a:rPr lang="nl-NL" sz="800">
+                          <a:effectLst/>
+                        </a:rPr>
+                        <a:t>3-7-2019</a:t>
+                      </a:r>
+                      <a:endParaRPr lang="nl-NL" sz="800">
+                        <a:effectLst/>
+                        <a:latin typeface="Verdana"/>
+                        <a:ea typeface="Times New Roman"/>
+                        <a:cs typeface="Times New Roman"/>
+                      </a:endParaRPr>
+                    </a:p>
+                  </a:txBody>
+                  <a:tcPr marL="68580" marR="68580" marT="0" marB="0"/>
+                </a:tc>
+              </a:tr>
+              <a:tr h="0">
+                <a:tc>
+                  <a:txBody>
+                    <a:bodyPr/>
+                    <a:lstStyle/>
+                    <a:p>
+                      <a:pPr algn="just">
+                        <a:lnSpc>
+                          <a:spcPts val="1200"/>
+                        </a:lnSpc>
+                        <a:spcAft>
+                          <a:spcPts val="0"/>
+                        </a:spcAft>
+                      </a:pPr>
+                      <a:r>
+                        <a:rPr lang="nl-NL" sz="800">
+                          <a:effectLst/>
+                        </a:rPr>
+                        <a:t> </a:t>
+                      </a:r>
+                      <a:endParaRPr lang="nl-NL" sz="800">
+                        <a:effectLst/>
+                        <a:latin typeface="Verdana"/>
+                        <a:ea typeface="Times New Roman"/>
+                        <a:cs typeface="Times New Roman"/>
+                      </a:endParaRPr>
+                    </a:p>
+                  </a:txBody>
+                  <a:tcPr marL="68580" marR="68580" marT="0" marB="0"/>
+                </a:tc>
+                <a:tc>
+                  <a:txBody>
+                    <a:bodyPr/>
+                    <a:lstStyle/>
+                    <a:p>
+                      <a:pPr algn="just">
+                        <a:lnSpc>
+                          <a:spcPts val="1200"/>
+                        </a:lnSpc>
+                        <a:spcAft>
+                          <a:spcPts val="0"/>
+                        </a:spcAft>
+                      </a:pPr>
+                      <a:r>
+                        <a:rPr lang="nl-NL" sz="800">
+                          <a:effectLst/>
+                        </a:rPr>
+                        <a:t>Tijdstip registratie ROD</a:t>
+                      </a:r>
+                      <a:endParaRPr lang="nl-NL" sz="800">
+                        <a:effectLst/>
+                        <a:latin typeface="Verdana"/>
+                        <a:ea typeface="Times New Roman"/>
+                        <a:cs typeface="Times New Roman"/>
+                      </a:endParaRPr>
+                    </a:p>
+                  </a:txBody>
+                  <a:tcPr marL="68580" marR="68580" marT="0" marB="0"/>
+                </a:tc>
+                <a:tc>
+                  <a:txBody>
+                    <a:bodyPr/>
+                    <a:lstStyle/>
+                    <a:p>
+                      <a:pPr algn="just">
+                        <a:lnSpc>
+                          <a:spcPts val="1200"/>
+                        </a:lnSpc>
+                        <a:spcAft>
+                          <a:spcPts val="0"/>
+                        </a:spcAft>
+                      </a:pPr>
+                      <a:r>
+                        <a:rPr lang="nl-NL" sz="800">
+                          <a:effectLst/>
+                        </a:rPr>
+                        <a:t>4-7-2019</a:t>
+                      </a:r>
+                      <a:endParaRPr lang="nl-NL" sz="800">
+                        <a:effectLst/>
+                        <a:latin typeface="Verdana"/>
+                        <a:ea typeface="Times New Roman"/>
+                        <a:cs typeface="Times New Roman"/>
+                      </a:endParaRPr>
+                    </a:p>
+                  </a:txBody>
+                  <a:tcPr marL="68580" marR="68580" marT="0" marB="0"/>
+                </a:tc>
+              </a:tr>
+              <a:tr h="0">
+                <a:tc>
+                  <a:txBody>
+                    <a:bodyPr/>
+                    <a:lstStyle/>
+                    <a:p>
+                      <a:pPr algn="just">
+                        <a:lnSpc>
+                          <a:spcPts val="1200"/>
+                        </a:lnSpc>
+                        <a:spcAft>
+                          <a:spcPts val="0"/>
+                        </a:spcAft>
+                      </a:pPr>
+                      <a:r>
+                        <a:rPr lang="nl-NL" sz="800">
+                          <a:effectLst/>
+                        </a:rPr>
+                        <a:t> </a:t>
+                      </a:r>
+                      <a:endParaRPr lang="nl-NL" sz="800">
+                        <a:effectLst/>
+                        <a:latin typeface="Verdana"/>
+                        <a:ea typeface="Times New Roman"/>
+                        <a:cs typeface="Times New Roman"/>
+                      </a:endParaRPr>
+                    </a:p>
+                  </a:txBody>
+                  <a:tcPr marL="68580" marR="68580" marT="0" marB="0"/>
+                </a:tc>
+                <a:tc>
+                  <a:txBody>
+                    <a:bodyPr/>
+                    <a:lstStyle/>
+                    <a:p>
+                      <a:pPr algn="just">
+                        <a:lnSpc>
+                          <a:spcPts val="1200"/>
+                        </a:lnSpc>
+                        <a:spcAft>
+                          <a:spcPts val="0"/>
+                        </a:spcAft>
+                      </a:pPr>
+                      <a:r>
+                        <a:rPr lang="nl-NL" sz="800">
+                          <a:effectLst/>
+                        </a:rPr>
+                        <a:t>Eind registratie ROD</a:t>
+                      </a:r>
+                      <a:endParaRPr lang="nl-NL" sz="800">
+                        <a:effectLst/>
+                        <a:latin typeface="Verdana"/>
+                        <a:ea typeface="Times New Roman"/>
+                        <a:cs typeface="Times New Roman"/>
+                      </a:endParaRPr>
+                    </a:p>
+                  </a:txBody>
+                  <a:tcPr marL="68580" marR="68580" marT="0" marB="0"/>
+                </a:tc>
+                <a:tc>
+                  <a:txBody>
+                    <a:bodyPr/>
+                    <a:lstStyle/>
+                    <a:p>
+                      <a:pPr algn="just">
+                        <a:lnSpc>
+                          <a:spcPts val="1200"/>
+                        </a:lnSpc>
+                        <a:spcAft>
+                          <a:spcPts val="0"/>
+                        </a:spcAft>
+                      </a:pPr>
+                      <a:r>
+                        <a:rPr lang="nl-NL" sz="800" dirty="0">
+                          <a:effectLst/>
+                        </a:rPr>
+                        <a:t>null</a:t>
+                      </a:r>
+                      <a:endParaRPr lang="nl-NL" sz="800" dirty="0">
+                        <a:effectLst/>
+                        <a:latin typeface="Verdana"/>
+                        <a:ea typeface="Times New Roman"/>
+                        <a:cs typeface="Times New Roman"/>
+                      </a:endParaRPr>
+                    </a:p>
+                  </a:txBody>
+                  <a:tcPr marL="68580" marR="68580" marT="0" marB="0"/>
+                </a:tc>
+              </a:tr>
+            </a:tbl>
+          </a:graphicData>
+        </a:graphic>
+      </p:graphicFrame>
+      <p:sp>
+        <p:nvSpPr>
+          <p:cNvPr id="6" name="Rectangle 5"/>
+          <p:cNvSpPr/>
+          <p:nvPr/>
+        </p:nvSpPr>
+        <p:spPr>
+          <a:xfrm>
+            <a:off x="1763688" y="1124744"/>
+            <a:ext cx="4572000" cy="1477328"/>
+          </a:xfrm>
+          <a:prstGeom prst="rect">
+            <a:avLst/>
+          </a:prstGeom>
+        </p:spPr>
+        <p:txBody>
+          <a:bodyPr>
+            <a:spAutoFit/>
+          </a:bodyPr>
+          <a:lstStyle/>
+          <a:p>
+            <a:r>
+              <a:rPr lang="nl-NL" dirty="0"/>
+              <a:t>Op een tijdstip t1 (1-7-2019 uit onderstaand scenario) stelt een bevoegd gezag een omgevingsdocument vast en biedt dit vervolgens (op 4-7-2019) aan de registratie aan.</a:t>
+            </a:r>
+          </a:p>
+        </p:txBody>
+      </p:sp>
+    </p:spTree>
+    <p:extLst>
+      <p:ext uri="{BB962C8B-B14F-4D97-AF65-F5344CB8AC3E}">
+        <p14:creationId xmlns:p14="http://schemas.microsoft.com/office/powerpoint/2010/main" xmlns="" val="992229514"/>
+      </p:ext>
+    </p:extLst>
+  </p:cSld>
+  <p:clrMapOvr>
+    <a:masterClrMapping/>
+  </p:clrMapOvr>
+</p:sld>
+</file>
+
+<file path=ppt/slides/slide15.xml><?xml version="1.0" encoding="utf-8"?>
+<p:sld xmlns:a="http://schemas.openxmlformats.org/drawingml/2006/main" xmlns:r="http://schemas.openxmlformats.org/officeDocument/2006/relationships" xmlns:p="http://schemas.openxmlformats.org/presentationml/2006/main">
+  <p:cSld>
+    <p:spTree>
+      <p:nvGrpSpPr>
+        <p:cNvPr id="1" name=""/>
+        <p:cNvGrpSpPr/>
+        <p:nvPr/>
+      </p:nvGrpSpPr>
+      <p:grpSpPr>
+        <a:xfrm>
+          <a:off x="0" y="0"/>
+          <a:ext cx="0" cy="0"/>
+          <a:chOff x="0" y="0"/>
+          <a:chExt cx="0" cy="0"/>
+        </a:xfrm>
+      </p:grpSpPr>
+      <p:sp>
+        <p:nvSpPr>
+          <p:cNvPr id="2" name="Title 1"/>
+          <p:cNvSpPr>
+            <a:spLocks noGrp="1"/>
+          </p:cNvSpPr>
+          <p:nvPr>
+            <p:ph type="title"/>
+          </p:nvPr>
+        </p:nvSpPr>
+        <p:spPr/>
+        <p:txBody>
+          <a:bodyPr>
+            <a:noAutofit/>
+          </a:bodyPr>
+          <a:lstStyle/>
+          <a:p>
+            <a:r>
+              <a:rPr lang="nl-NL" sz="2400" b="1" dirty="0"/>
+              <a:t>Stap 2: Het publiceren van een wijziging van een omgevingsdocument (invoegen nieuw artikel)</a:t>
+            </a:r>
+            <a:r>
+              <a:rPr lang="nl-NL" sz="2400" dirty="0"/>
+              <a:t/>
+            </a:r>
+            <a:br>
+              <a:rPr lang="nl-NL" sz="2400" dirty="0"/>
+            </a:br>
+            <a:endParaRPr lang="nl-NL" sz="2400" dirty="0"/>
+          </a:p>
+        </p:txBody>
+      </p:sp>
+      <p:pic>
+        <p:nvPicPr>
+          <p:cNvPr id="4" name="Picture 3"/>
+          <p:cNvPicPr/>
+          <p:nvPr/>
+        </p:nvPicPr>
+        <p:blipFill>
+          <a:blip r:embed="rId2" cstate="print">
+            <a:extLst>
+              <a:ext uri="{28A0092B-C50C-407E-A947-70E740481C1C}">
+                <a14:useLocalDpi xmlns:a14="http://schemas.microsoft.com/office/drawing/2010/main" xmlns="" val="0"/>
+              </a:ext>
+            </a:extLst>
+          </a:blip>
+          <a:stretch>
+            <a:fillRect/>
+          </a:stretch>
+        </p:blipFill>
+        <p:spPr>
+          <a:xfrm>
+            <a:off x="2051720" y="2780928"/>
+            <a:ext cx="5052060" cy="2430780"/>
+          </a:xfrm>
+          <a:prstGeom prst="rect">
+            <a:avLst/>
+          </a:prstGeom>
+        </p:spPr>
+      </p:pic>
+      <p:graphicFrame>
+        <p:nvGraphicFramePr>
+          <p:cNvPr id="5" name="Table 4"/>
+          <p:cNvGraphicFramePr>
+            <a:graphicFrameLocks noGrp="1"/>
+          </p:cNvGraphicFramePr>
+          <p:nvPr>
+            <p:extLst>
+              <p:ext uri="{D42A27DB-BD31-4B8C-83A1-F6EECF244321}">
+                <p14:modId xmlns:p14="http://schemas.microsoft.com/office/powerpoint/2010/main" xmlns="" val="212297512"/>
+              </p:ext>
+            </p:extLst>
+          </p:nvPr>
+        </p:nvGraphicFramePr>
+        <p:xfrm>
+          <a:off x="1835696" y="5301208"/>
+          <a:ext cx="5637530" cy="1371600"/>
+        </p:xfrm>
+        <a:graphic>
+          <a:graphicData uri="http://schemas.openxmlformats.org/drawingml/2006/table">
+            <a:tbl>
+              <a:tblPr firstRow="1" firstCol="1" bandRow="1">
+                <a:tableStyleId>{5C22544A-7EE6-4342-B048-85BDC9FD1C3A}</a:tableStyleId>
+              </a:tblPr>
+              <a:tblGrid>
+                <a:gridCol w="1711325"/>
+                <a:gridCol w="2044700"/>
+                <a:gridCol w="1881505"/>
+              </a:tblGrid>
+              <a:tr h="0">
+                <a:tc>
+                  <a:txBody>
+                    <a:bodyPr/>
+                    <a:lstStyle/>
+                    <a:p>
+                      <a:pPr algn="just">
+                        <a:lnSpc>
+                          <a:spcPts val="1200"/>
+                        </a:lnSpc>
+                        <a:spcAft>
+                          <a:spcPts val="0"/>
+                        </a:spcAft>
+                      </a:pPr>
+                      <a:r>
+                        <a:rPr lang="nl-NL" sz="800" dirty="0">
+                          <a:effectLst/>
+                        </a:rPr>
+                        <a:t>Tweede versie</a:t>
+                      </a:r>
+                      <a:endParaRPr lang="nl-NL" sz="800" dirty="0">
+                        <a:effectLst/>
+                        <a:latin typeface="Verdana"/>
+                        <a:ea typeface="Times New Roman"/>
+                        <a:cs typeface="Times New Roman"/>
+                      </a:endParaRPr>
+                    </a:p>
+                  </a:txBody>
+                  <a:tcPr marL="68580" marR="68580" marT="0" marB="0"/>
+                </a:tc>
+                <a:tc>
+                  <a:txBody>
+                    <a:bodyPr/>
+                    <a:lstStyle/>
+                    <a:p>
+                      <a:pPr algn="just">
+                        <a:lnSpc>
+                          <a:spcPts val="1200"/>
+                        </a:lnSpc>
+                        <a:spcAft>
+                          <a:spcPts val="0"/>
+                        </a:spcAft>
+                      </a:pPr>
+                      <a:r>
+                        <a:rPr lang="nl-NL" sz="800" dirty="0">
+                          <a:effectLst/>
+                        </a:rPr>
+                        <a:t>Attribuut</a:t>
+                      </a:r>
+                      <a:endParaRPr lang="nl-NL" sz="800" dirty="0">
+                        <a:effectLst/>
+                        <a:latin typeface="Verdana"/>
+                        <a:ea typeface="Times New Roman"/>
+                        <a:cs typeface="Times New Roman"/>
+                      </a:endParaRPr>
+                    </a:p>
+                  </a:txBody>
+                  <a:tcPr marL="68580" marR="68580" marT="0" marB="0"/>
+                </a:tc>
+                <a:tc>
+                  <a:txBody>
+                    <a:bodyPr/>
+                    <a:lstStyle/>
+                    <a:p>
+                      <a:pPr algn="just">
+                        <a:lnSpc>
+                          <a:spcPts val="1200"/>
+                        </a:lnSpc>
+                        <a:spcAft>
+                          <a:spcPts val="0"/>
+                        </a:spcAft>
+                      </a:pPr>
+                      <a:r>
+                        <a:rPr lang="nl-NL" sz="800">
+                          <a:effectLst/>
+                        </a:rPr>
+                        <a:t>Waarde</a:t>
+                      </a:r>
+                      <a:endParaRPr lang="nl-NL" sz="800">
+                        <a:effectLst/>
+                        <a:latin typeface="Verdana"/>
+                        <a:ea typeface="Times New Roman"/>
+                        <a:cs typeface="Times New Roman"/>
+                      </a:endParaRPr>
+                    </a:p>
+                  </a:txBody>
+                  <a:tcPr marL="68580" marR="68580" marT="0" marB="0"/>
+                </a:tc>
+              </a:tr>
+              <a:tr h="0">
+                <a:tc>
+                  <a:txBody>
+                    <a:bodyPr/>
+                    <a:lstStyle/>
+                    <a:p>
+                      <a:pPr algn="just">
+                        <a:lnSpc>
+                          <a:spcPts val="1200"/>
+                        </a:lnSpc>
+                        <a:spcAft>
+                          <a:spcPts val="0"/>
+                        </a:spcAft>
+                      </a:pPr>
+                      <a:r>
+                        <a:rPr lang="nl-NL" sz="800">
+                          <a:effectLst/>
+                        </a:rPr>
+                        <a:t>&lt;start formeel aspect&gt;</a:t>
+                      </a:r>
+                      <a:endParaRPr lang="nl-NL" sz="800">
+                        <a:effectLst/>
+                        <a:latin typeface="Verdana"/>
+                        <a:ea typeface="Times New Roman"/>
+                        <a:cs typeface="Times New Roman"/>
+                      </a:endParaRPr>
+                    </a:p>
+                  </a:txBody>
+                  <a:tcPr marL="68580" marR="68580" marT="0" marB="0"/>
+                </a:tc>
+                <a:tc>
+                  <a:txBody>
+                    <a:bodyPr/>
+                    <a:lstStyle/>
+                    <a:p>
+                      <a:pPr algn="just">
+                        <a:lnSpc>
+                          <a:spcPts val="1200"/>
+                        </a:lnSpc>
+                        <a:spcAft>
+                          <a:spcPts val="0"/>
+                        </a:spcAft>
+                      </a:pPr>
+                      <a:r>
+                        <a:rPr lang="nl-NL" sz="800">
+                          <a:effectLst/>
+                        </a:rPr>
+                        <a:t>Tijdstip registratie</a:t>
+                      </a:r>
+                      <a:endParaRPr lang="nl-NL" sz="800">
+                        <a:effectLst/>
+                        <a:latin typeface="Verdana"/>
+                        <a:ea typeface="Times New Roman"/>
+                        <a:cs typeface="Times New Roman"/>
+                      </a:endParaRPr>
+                    </a:p>
+                  </a:txBody>
+                  <a:tcPr marL="68580" marR="68580" marT="0" marB="0"/>
+                </a:tc>
+                <a:tc>
+                  <a:txBody>
+                    <a:bodyPr/>
+                    <a:lstStyle/>
+                    <a:p>
+                      <a:pPr algn="just">
+                        <a:lnSpc>
+                          <a:spcPts val="1200"/>
+                        </a:lnSpc>
+                        <a:spcAft>
+                          <a:spcPts val="0"/>
+                        </a:spcAft>
+                      </a:pPr>
+                      <a:r>
+                        <a:rPr lang="nl-NL" sz="800">
+                          <a:effectLst/>
+                        </a:rPr>
+                        <a:t>1-9-2019</a:t>
+                      </a:r>
+                      <a:endParaRPr lang="nl-NL" sz="800">
+                        <a:effectLst/>
+                        <a:latin typeface="Verdana"/>
+                        <a:ea typeface="Times New Roman"/>
+                        <a:cs typeface="Times New Roman"/>
+                      </a:endParaRPr>
+                    </a:p>
+                  </a:txBody>
+                  <a:tcPr marL="68580" marR="68580" marT="0" marB="0"/>
+                </a:tc>
+              </a:tr>
+              <a:tr h="0">
+                <a:tc>
+                  <a:txBody>
+                    <a:bodyPr/>
+                    <a:lstStyle/>
+                    <a:p>
+                      <a:pPr algn="just">
+                        <a:lnSpc>
+                          <a:spcPts val="1200"/>
+                        </a:lnSpc>
+                        <a:spcAft>
+                          <a:spcPts val="0"/>
+                        </a:spcAft>
+                      </a:pPr>
+                      <a:r>
+                        <a:rPr lang="nl-NL" sz="800">
+                          <a:effectLst/>
+                        </a:rPr>
+                        <a:t>&lt;eind formeel aspect&gt;</a:t>
+                      </a:r>
+                      <a:endParaRPr lang="nl-NL" sz="800">
+                        <a:effectLst/>
+                        <a:latin typeface="Verdana"/>
+                        <a:ea typeface="Times New Roman"/>
+                        <a:cs typeface="Times New Roman"/>
+                      </a:endParaRPr>
+                    </a:p>
+                  </a:txBody>
+                  <a:tcPr marL="68580" marR="68580" marT="0" marB="0"/>
+                </a:tc>
+                <a:tc>
+                  <a:txBody>
+                    <a:bodyPr/>
+                    <a:lstStyle/>
+                    <a:p>
+                      <a:pPr algn="just">
+                        <a:lnSpc>
+                          <a:spcPts val="1200"/>
+                        </a:lnSpc>
+                        <a:spcAft>
+                          <a:spcPts val="0"/>
+                        </a:spcAft>
+                      </a:pPr>
+                      <a:r>
+                        <a:rPr lang="nl-NL" sz="800">
+                          <a:effectLst/>
+                        </a:rPr>
+                        <a:t>Eind registratie</a:t>
+                      </a:r>
+                      <a:endParaRPr lang="nl-NL" sz="800">
+                        <a:effectLst/>
+                        <a:latin typeface="Verdana"/>
+                        <a:ea typeface="Times New Roman"/>
+                        <a:cs typeface="Times New Roman"/>
+                      </a:endParaRPr>
+                    </a:p>
+                  </a:txBody>
+                  <a:tcPr marL="68580" marR="68580" marT="0" marB="0"/>
+                </a:tc>
+                <a:tc>
+                  <a:txBody>
+                    <a:bodyPr/>
+                    <a:lstStyle/>
+                    <a:p>
+                      <a:pPr algn="just">
+                        <a:lnSpc>
+                          <a:spcPts val="1200"/>
+                        </a:lnSpc>
+                        <a:spcAft>
+                          <a:spcPts val="0"/>
+                        </a:spcAft>
+                      </a:pPr>
+                      <a:r>
+                        <a:rPr lang="nl-NL" sz="800">
+                          <a:effectLst/>
+                        </a:rPr>
+                        <a:t>Null</a:t>
+                      </a:r>
+                      <a:endParaRPr lang="nl-NL" sz="800">
+                        <a:effectLst/>
+                        <a:latin typeface="Verdana"/>
+                        <a:ea typeface="Times New Roman"/>
+                        <a:cs typeface="Times New Roman"/>
+                      </a:endParaRPr>
+                    </a:p>
+                  </a:txBody>
+                  <a:tcPr marL="68580" marR="68580" marT="0" marB="0"/>
+                </a:tc>
+              </a:tr>
+              <a:tr h="0">
+                <a:tc>
+                  <a:txBody>
+                    <a:bodyPr/>
+                    <a:lstStyle/>
+                    <a:p>
+                      <a:pPr algn="just">
+                        <a:lnSpc>
+                          <a:spcPts val="1200"/>
+                        </a:lnSpc>
+                        <a:spcAft>
+                          <a:spcPts val="0"/>
+                        </a:spcAft>
+                      </a:pPr>
+                      <a:r>
+                        <a:rPr lang="nl-NL" sz="800">
+                          <a:effectLst/>
+                        </a:rPr>
+                        <a:t>&lt;start materieel aspect&gt;</a:t>
+                      </a:r>
+                      <a:endParaRPr lang="nl-NL" sz="800">
+                        <a:effectLst/>
+                        <a:latin typeface="Verdana"/>
+                        <a:ea typeface="Times New Roman"/>
+                        <a:cs typeface="Times New Roman"/>
+                      </a:endParaRPr>
+                    </a:p>
+                  </a:txBody>
+                  <a:tcPr marL="68580" marR="68580" marT="0" marB="0"/>
+                </a:tc>
+                <a:tc>
+                  <a:txBody>
+                    <a:bodyPr/>
+                    <a:lstStyle/>
+                    <a:p>
+                      <a:pPr algn="just">
+                        <a:lnSpc>
+                          <a:spcPts val="1200"/>
+                        </a:lnSpc>
+                        <a:spcAft>
+                          <a:spcPts val="0"/>
+                        </a:spcAft>
+                      </a:pPr>
+                      <a:r>
+                        <a:rPr lang="nl-NL" sz="800">
+                          <a:effectLst/>
+                        </a:rPr>
+                        <a:t>Begin geldigheid</a:t>
+                      </a:r>
+                      <a:endParaRPr lang="nl-NL" sz="800">
+                        <a:effectLst/>
+                        <a:latin typeface="Verdana"/>
+                        <a:ea typeface="Times New Roman"/>
+                        <a:cs typeface="Times New Roman"/>
+                      </a:endParaRPr>
+                    </a:p>
+                  </a:txBody>
+                  <a:tcPr marL="68580" marR="68580" marT="0" marB="0"/>
+                </a:tc>
+                <a:tc>
+                  <a:txBody>
+                    <a:bodyPr/>
+                    <a:lstStyle/>
+                    <a:p>
+                      <a:pPr algn="just">
+                        <a:lnSpc>
+                          <a:spcPts val="1200"/>
+                        </a:lnSpc>
+                        <a:spcAft>
+                          <a:spcPts val="0"/>
+                        </a:spcAft>
+                      </a:pPr>
+                      <a:r>
+                        <a:rPr lang="nl-NL" sz="800">
+                          <a:effectLst/>
+                        </a:rPr>
+                        <a:t>16-10-2019</a:t>
+                      </a:r>
+                      <a:endParaRPr lang="nl-NL" sz="800">
+                        <a:effectLst/>
+                        <a:latin typeface="Verdana"/>
+                        <a:ea typeface="Times New Roman"/>
+                        <a:cs typeface="Times New Roman"/>
+                      </a:endParaRPr>
+                    </a:p>
+                  </a:txBody>
+                  <a:tcPr marL="68580" marR="68580" marT="0" marB="0"/>
+                </a:tc>
+              </a:tr>
+              <a:tr h="0">
+                <a:tc>
+                  <a:txBody>
+                    <a:bodyPr/>
+                    <a:lstStyle/>
+                    <a:p>
+                      <a:pPr algn="just">
+                        <a:lnSpc>
+                          <a:spcPts val="1200"/>
+                        </a:lnSpc>
+                        <a:spcAft>
+                          <a:spcPts val="0"/>
+                        </a:spcAft>
+                      </a:pPr>
+                      <a:r>
+                        <a:rPr lang="nl-NL" sz="800">
+                          <a:effectLst/>
+                        </a:rPr>
+                        <a:t>&lt;eind materieel aspect&gt;</a:t>
+                      </a:r>
+                      <a:endParaRPr lang="nl-NL" sz="800">
+                        <a:effectLst/>
+                        <a:latin typeface="Verdana"/>
+                        <a:ea typeface="Times New Roman"/>
+                        <a:cs typeface="Times New Roman"/>
+                      </a:endParaRPr>
+                    </a:p>
+                  </a:txBody>
+                  <a:tcPr marL="68580" marR="68580" marT="0" marB="0"/>
+                </a:tc>
+                <a:tc>
+                  <a:txBody>
+                    <a:bodyPr/>
+                    <a:lstStyle/>
+                    <a:p>
+                      <a:pPr algn="just">
+                        <a:lnSpc>
+                          <a:spcPts val="1200"/>
+                        </a:lnSpc>
+                        <a:spcAft>
+                          <a:spcPts val="0"/>
+                        </a:spcAft>
+                      </a:pPr>
+                      <a:r>
+                        <a:rPr lang="nl-NL" sz="800">
+                          <a:effectLst/>
+                        </a:rPr>
+                        <a:t>Eind geldigheid</a:t>
+                      </a:r>
+                      <a:endParaRPr lang="nl-NL" sz="800">
+                        <a:effectLst/>
+                        <a:latin typeface="Verdana"/>
+                        <a:ea typeface="Times New Roman"/>
+                        <a:cs typeface="Times New Roman"/>
+                      </a:endParaRPr>
+                    </a:p>
+                  </a:txBody>
+                  <a:tcPr marL="68580" marR="68580" marT="0" marB="0"/>
+                </a:tc>
+                <a:tc>
+                  <a:txBody>
+                    <a:bodyPr/>
+                    <a:lstStyle/>
+                    <a:p>
+                      <a:pPr algn="just">
+                        <a:lnSpc>
+                          <a:spcPts val="1200"/>
+                        </a:lnSpc>
+                        <a:spcAft>
+                          <a:spcPts val="0"/>
+                        </a:spcAft>
+                      </a:pPr>
+                      <a:r>
+                        <a:rPr lang="nl-NL" sz="800">
+                          <a:effectLst/>
+                        </a:rPr>
+                        <a:t>Null</a:t>
+                      </a:r>
+                      <a:endParaRPr lang="nl-NL" sz="800">
+                        <a:effectLst/>
+                        <a:latin typeface="Verdana"/>
+                        <a:ea typeface="Times New Roman"/>
+                        <a:cs typeface="Times New Roman"/>
+                      </a:endParaRPr>
+                    </a:p>
+                  </a:txBody>
+                  <a:tcPr marL="68580" marR="68580" marT="0" marB="0"/>
+                </a:tc>
+              </a:tr>
+              <a:tr h="0">
+                <a:tc>
+                  <a:txBody>
+                    <a:bodyPr/>
+                    <a:lstStyle/>
+                    <a:p>
+                      <a:pPr algn="just">
+                        <a:lnSpc>
+                          <a:spcPts val="1200"/>
+                        </a:lnSpc>
+                        <a:spcAft>
+                          <a:spcPts val="0"/>
+                        </a:spcAft>
+                      </a:pPr>
+                      <a:r>
+                        <a:rPr lang="nl-NL" sz="800">
+                          <a:effectLst/>
+                        </a:rPr>
+                        <a:t> </a:t>
+                      </a:r>
+                      <a:endParaRPr lang="nl-NL" sz="800">
+                        <a:effectLst/>
+                        <a:latin typeface="Verdana"/>
+                        <a:ea typeface="Times New Roman"/>
+                        <a:cs typeface="Times New Roman"/>
+                      </a:endParaRPr>
+                    </a:p>
+                  </a:txBody>
+                  <a:tcPr marL="68580" marR="68580" marT="0" marB="0"/>
+                </a:tc>
+                <a:tc>
+                  <a:txBody>
+                    <a:bodyPr/>
+                    <a:lstStyle/>
+                    <a:p>
+                      <a:pPr algn="just">
+                        <a:lnSpc>
+                          <a:spcPts val="1200"/>
+                        </a:lnSpc>
+                        <a:spcAft>
+                          <a:spcPts val="0"/>
+                        </a:spcAft>
+                      </a:pPr>
+                      <a:r>
+                        <a:rPr lang="nl-NL" sz="800">
+                          <a:effectLst/>
+                        </a:rPr>
+                        <a:t>Datum vaststelling</a:t>
+                      </a:r>
+                      <a:endParaRPr lang="nl-NL" sz="800">
+                        <a:effectLst/>
+                        <a:latin typeface="Verdana"/>
+                        <a:ea typeface="Times New Roman"/>
+                        <a:cs typeface="Times New Roman"/>
+                      </a:endParaRPr>
+                    </a:p>
+                  </a:txBody>
+                  <a:tcPr marL="68580" marR="68580" marT="0" marB="0"/>
+                </a:tc>
+                <a:tc>
+                  <a:txBody>
+                    <a:bodyPr/>
+                    <a:lstStyle/>
+                    <a:p>
+                      <a:pPr algn="just">
+                        <a:lnSpc>
+                          <a:spcPts val="1200"/>
+                        </a:lnSpc>
+                        <a:spcAft>
+                          <a:spcPts val="0"/>
+                        </a:spcAft>
+                      </a:pPr>
+                      <a:r>
+                        <a:rPr lang="nl-NL" sz="800">
+                          <a:effectLst/>
+                        </a:rPr>
+                        <a:t>2-9-2019</a:t>
+                      </a:r>
+                      <a:endParaRPr lang="nl-NL" sz="800">
+                        <a:effectLst/>
+                        <a:latin typeface="Verdana"/>
+                        <a:ea typeface="Times New Roman"/>
+                        <a:cs typeface="Times New Roman"/>
+                      </a:endParaRPr>
+                    </a:p>
+                  </a:txBody>
+                  <a:tcPr marL="68580" marR="68580" marT="0" marB="0"/>
+                </a:tc>
+              </a:tr>
+              <a:tr h="0">
+                <a:tc>
+                  <a:txBody>
+                    <a:bodyPr/>
+                    <a:lstStyle/>
+                    <a:p>
+                      <a:pPr algn="just">
+                        <a:lnSpc>
+                          <a:spcPts val="1200"/>
+                        </a:lnSpc>
+                        <a:spcAft>
+                          <a:spcPts val="0"/>
+                        </a:spcAft>
+                      </a:pPr>
+                      <a:r>
+                        <a:rPr lang="nl-NL" sz="800">
+                          <a:effectLst/>
+                        </a:rPr>
+                        <a:t> </a:t>
+                      </a:r>
+                      <a:endParaRPr lang="nl-NL" sz="800">
+                        <a:effectLst/>
+                        <a:latin typeface="Verdana"/>
+                        <a:ea typeface="Times New Roman"/>
+                        <a:cs typeface="Times New Roman"/>
+                      </a:endParaRPr>
+                    </a:p>
+                  </a:txBody>
+                  <a:tcPr marL="68580" marR="68580" marT="0" marB="0"/>
+                </a:tc>
+                <a:tc>
+                  <a:txBody>
+                    <a:bodyPr/>
+                    <a:lstStyle/>
+                    <a:p>
+                      <a:pPr algn="just">
+                        <a:lnSpc>
+                          <a:spcPts val="1200"/>
+                        </a:lnSpc>
+                        <a:spcAft>
+                          <a:spcPts val="0"/>
+                        </a:spcAft>
+                      </a:pPr>
+                      <a:r>
+                        <a:rPr lang="nl-NL" sz="800">
+                          <a:effectLst/>
+                        </a:rPr>
+                        <a:t>Datum bekendmaking</a:t>
+                      </a:r>
+                      <a:endParaRPr lang="nl-NL" sz="800">
+                        <a:effectLst/>
+                        <a:latin typeface="Verdana"/>
+                        <a:ea typeface="Times New Roman"/>
+                        <a:cs typeface="Times New Roman"/>
+                      </a:endParaRPr>
+                    </a:p>
+                  </a:txBody>
+                  <a:tcPr marL="68580" marR="68580" marT="0" marB="0"/>
+                </a:tc>
+                <a:tc>
+                  <a:txBody>
+                    <a:bodyPr/>
+                    <a:lstStyle/>
+                    <a:p>
+                      <a:pPr algn="just">
+                        <a:lnSpc>
+                          <a:spcPts val="1200"/>
+                        </a:lnSpc>
+                        <a:spcAft>
+                          <a:spcPts val="0"/>
+                        </a:spcAft>
+                      </a:pPr>
+                      <a:r>
+                        <a:rPr lang="nl-NL" sz="800">
+                          <a:effectLst/>
+                        </a:rPr>
+                        <a:t>3-9-2019</a:t>
+                      </a:r>
+                      <a:endParaRPr lang="nl-NL" sz="800">
+                        <a:effectLst/>
+                        <a:latin typeface="Verdana"/>
+                        <a:ea typeface="Times New Roman"/>
+                        <a:cs typeface="Times New Roman"/>
+                      </a:endParaRPr>
+                    </a:p>
+                  </a:txBody>
+                  <a:tcPr marL="68580" marR="68580" marT="0" marB="0"/>
+                </a:tc>
+              </a:tr>
+              <a:tr h="0">
+                <a:tc>
+                  <a:txBody>
+                    <a:bodyPr/>
+                    <a:lstStyle/>
+                    <a:p>
+                      <a:pPr algn="just">
+                        <a:lnSpc>
+                          <a:spcPts val="1200"/>
+                        </a:lnSpc>
+                        <a:spcAft>
+                          <a:spcPts val="0"/>
+                        </a:spcAft>
+                      </a:pPr>
+                      <a:r>
+                        <a:rPr lang="nl-NL" sz="800">
+                          <a:effectLst/>
+                        </a:rPr>
+                        <a:t> </a:t>
+                      </a:r>
+                      <a:endParaRPr lang="nl-NL" sz="800">
+                        <a:effectLst/>
+                        <a:latin typeface="Verdana"/>
+                        <a:ea typeface="Times New Roman"/>
+                        <a:cs typeface="Times New Roman"/>
+                      </a:endParaRPr>
+                    </a:p>
+                  </a:txBody>
+                  <a:tcPr marL="68580" marR="68580" marT="0" marB="0"/>
+                </a:tc>
+                <a:tc>
+                  <a:txBody>
+                    <a:bodyPr/>
+                    <a:lstStyle/>
+                    <a:p>
+                      <a:pPr algn="just">
+                        <a:lnSpc>
+                          <a:spcPts val="1200"/>
+                        </a:lnSpc>
+                        <a:spcAft>
+                          <a:spcPts val="0"/>
+                        </a:spcAft>
+                      </a:pPr>
+                      <a:r>
+                        <a:rPr lang="nl-NL" sz="800">
+                          <a:effectLst/>
+                        </a:rPr>
+                        <a:t>Tijdstip registratie ROD</a:t>
+                      </a:r>
+                      <a:endParaRPr lang="nl-NL" sz="800">
+                        <a:effectLst/>
+                        <a:latin typeface="Verdana"/>
+                        <a:ea typeface="Times New Roman"/>
+                        <a:cs typeface="Times New Roman"/>
+                      </a:endParaRPr>
+                    </a:p>
+                  </a:txBody>
+                  <a:tcPr marL="68580" marR="68580" marT="0" marB="0"/>
+                </a:tc>
+                <a:tc>
+                  <a:txBody>
+                    <a:bodyPr/>
+                    <a:lstStyle/>
+                    <a:p>
+                      <a:pPr algn="just">
+                        <a:lnSpc>
+                          <a:spcPts val="1200"/>
+                        </a:lnSpc>
+                        <a:spcAft>
+                          <a:spcPts val="0"/>
+                        </a:spcAft>
+                      </a:pPr>
+                      <a:r>
+                        <a:rPr lang="nl-NL" sz="800">
+                          <a:effectLst/>
+                        </a:rPr>
+                        <a:t>4-9-2019</a:t>
+                      </a:r>
+                      <a:endParaRPr lang="nl-NL" sz="800">
+                        <a:effectLst/>
+                        <a:latin typeface="Verdana"/>
+                        <a:ea typeface="Times New Roman"/>
+                        <a:cs typeface="Times New Roman"/>
+                      </a:endParaRPr>
+                    </a:p>
+                  </a:txBody>
+                  <a:tcPr marL="68580" marR="68580" marT="0" marB="0"/>
+                </a:tc>
+              </a:tr>
+              <a:tr h="0">
+                <a:tc>
+                  <a:txBody>
+                    <a:bodyPr/>
+                    <a:lstStyle/>
+                    <a:p>
+                      <a:pPr algn="just">
+                        <a:lnSpc>
+                          <a:spcPts val="1200"/>
+                        </a:lnSpc>
+                        <a:spcAft>
+                          <a:spcPts val="0"/>
+                        </a:spcAft>
+                      </a:pPr>
+                      <a:r>
+                        <a:rPr lang="nl-NL" sz="800">
+                          <a:effectLst/>
+                        </a:rPr>
+                        <a:t> </a:t>
+                      </a:r>
+                      <a:endParaRPr lang="nl-NL" sz="800">
+                        <a:effectLst/>
+                        <a:latin typeface="Verdana"/>
+                        <a:ea typeface="Times New Roman"/>
+                        <a:cs typeface="Times New Roman"/>
+                      </a:endParaRPr>
+                    </a:p>
+                  </a:txBody>
+                  <a:tcPr marL="68580" marR="68580" marT="0" marB="0"/>
+                </a:tc>
+                <a:tc>
+                  <a:txBody>
+                    <a:bodyPr/>
+                    <a:lstStyle/>
+                    <a:p>
+                      <a:pPr algn="just">
+                        <a:lnSpc>
+                          <a:spcPts val="1200"/>
+                        </a:lnSpc>
+                        <a:spcAft>
+                          <a:spcPts val="0"/>
+                        </a:spcAft>
+                      </a:pPr>
+                      <a:r>
+                        <a:rPr lang="nl-NL" sz="800">
+                          <a:effectLst/>
+                        </a:rPr>
+                        <a:t>Eind registratie ROD</a:t>
+                      </a:r>
+                      <a:endParaRPr lang="nl-NL" sz="800">
+                        <a:effectLst/>
+                        <a:latin typeface="Verdana"/>
+                        <a:ea typeface="Times New Roman"/>
+                        <a:cs typeface="Times New Roman"/>
+                      </a:endParaRPr>
+                    </a:p>
+                  </a:txBody>
+                  <a:tcPr marL="68580" marR="68580" marT="0" marB="0"/>
+                </a:tc>
+                <a:tc>
+                  <a:txBody>
+                    <a:bodyPr/>
+                    <a:lstStyle/>
+                    <a:p>
+                      <a:pPr algn="just">
+                        <a:lnSpc>
+                          <a:spcPts val="1200"/>
+                        </a:lnSpc>
+                        <a:spcAft>
+                          <a:spcPts val="0"/>
+                        </a:spcAft>
+                      </a:pPr>
+                      <a:r>
+                        <a:rPr lang="nl-NL" sz="800" dirty="0">
+                          <a:effectLst/>
+                        </a:rPr>
+                        <a:t>null</a:t>
+                      </a:r>
+                      <a:endParaRPr lang="nl-NL" sz="800" dirty="0">
+                        <a:effectLst/>
+                        <a:latin typeface="Verdana"/>
+                        <a:ea typeface="Times New Roman"/>
+                        <a:cs typeface="Times New Roman"/>
+                      </a:endParaRPr>
+                    </a:p>
+                  </a:txBody>
+                  <a:tcPr marL="68580" marR="68580" marT="0" marB="0"/>
+                </a:tc>
+              </a:tr>
+            </a:tbl>
+          </a:graphicData>
+        </a:graphic>
+      </p:graphicFrame>
+      <p:sp>
+        <p:nvSpPr>
+          <p:cNvPr id="3" name="Rectangle 2"/>
+          <p:cNvSpPr/>
+          <p:nvPr/>
+        </p:nvSpPr>
+        <p:spPr>
+          <a:xfrm>
+            <a:off x="2195736" y="1340768"/>
+            <a:ext cx="4572000" cy="1200329"/>
+          </a:xfrm>
+          <a:prstGeom prst="rect">
+            <a:avLst/>
+          </a:prstGeom>
+        </p:spPr>
+        <p:txBody>
+          <a:bodyPr>
+            <a:spAutoFit/>
+          </a:bodyPr>
+          <a:lstStyle/>
+          <a:p>
+            <a:r>
+              <a:rPr lang="nl-NL" dirty="0"/>
+              <a:t>Op een tijdstip t2 (2-9-2019 uit onderstaand scenario) stelt een bevoegd gezag een gewijzigd omgevingsdocument vast en biedt dit (op 4-9-2019) aan de registratie aan.</a:t>
+            </a:r>
+          </a:p>
+        </p:txBody>
+      </p:sp>
+    </p:spTree>
+    <p:extLst>
+      <p:ext uri="{BB962C8B-B14F-4D97-AF65-F5344CB8AC3E}">
+        <p14:creationId xmlns:p14="http://schemas.microsoft.com/office/powerpoint/2010/main" xmlns="" val="2636474624"/>
+      </p:ext>
+    </p:extLst>
+  </p:cSld>
+  <p:clrMapOvr>
+    <a:masterClrMapping/>
+  </p:clrMapOvr>
+</p:sld>
+</file>
+
+<file path=ppt/slides/slide16.xml><?xml version="1.0" encoding="utf-8"?>
+<p:sld xmlns:a="http://schemas.openxmlformats.org/drawingml/2006/main" xmlns:r="http://schemas.openxmlformats.org/officeDocument/2006/relationships" xmlns:p="http://schemas.openxmlformats.org/presentationml/2006/main">
+  <p:cSld>
+    <p:spTree>
+      <p:nvGrpSpPr>
+        <p:cNvPr id="1" name=""/>
+        <p:cNvGrpSpPr/>
+        <p:nvPr/>
+      </p:nvGrpSpPr>
+      <p:grpSpPr>
+        <a:xfrm>
+          <a:off x="0" y="0"/>
+          <a:ext cx="0" cy="0"/>
+          <a:chOff x="0" y="0"/>
+          <a:chExt cx="0" cy="0"/>
+        </a:xfrm>
+      </p:grpSpPr>
+      <p:sp>
+        <p:nvSpPr>
+          <p:cNvPr id="2" name="Title 1"/>
+          <p:cNvSpPr>
+            <a:spLocks noGrp="1"/>
+          </p:cNvSpPr>
+          <p:nvPr>
+            <p:ph type="title"/>
+          </p:nvPr>
+        </p:nvSpPr>
+        <p:spPr/>
+        <p:txBody>
+          <a:bodyPr>
+            <a:noAutofit/>
+          </a:bodyPr>
+          <a:lstStyle/>
+          <a:p>
+            <a:r>
+              <a:rPr lang="nl-NL" sz="2400" b="1" dirty="0" smtClean="0"/>
+              <a:t>Stap 3: Het publiceren van een wijziging van een omgevingsdocument (artikel voor wonen splitsen in wonen en wonen 2)</a:t>
+            </a:r>
+            <a:r>
+              <a:rPr lang="nl-NL" sz="2400" dirty="0" smtClean="0"/>
+              <a:t/>
+            </a:r>
+            <a:br>
+              <a:rPr lang="nl-NL" sz="2400" dirty="0" smtClean="0"/>
+            </a:br>
+            <a:endParaRPr lang="nl-NL" sz="2400" dirty="0"/>
+          </a:p>
+        </p:txBody>
+      </p:sp>
+      <p:pic>
+        <p:nvPicPr>
+          <p:cNvPr id="4" name="Picture 3"/>
+          <p:cNvPicPr/>
+          <p:nvPr/>
+        </p:nvPicPr>
+        <p:blipFill>
+          <a:blip r:embed="rId2" cstate="print">
+            <a:extLst>
+              <a:ext uri="{28A0092B-C50C-407E-A947-70E740481C1C}">
+                <a14:useLocalDpi xmlns:a14="http://schemas.microsoft.com/office/drawing/2010/main" xmlns="" val="0"/>
+              </a:ext>
+            </a:extLst>
+          </a:blip>
+          <a:stretch>
+            <a:fillRect/>
+          </a:stretch>
+        </p:blipFill>
+        <p:spPr>
+          <a:xfrm>
+            <a:off x="4080504" y="1484784"/>
+            <a:ext cx="4732020" cy="3649980"/>
+          </a:xfrm>
+          <a:prstGeom prst="rect">
+            <a:avLst/>
+          </a:prstGeom>
+        </p:spPr>
+      </p:pic>
+      <p:graphicFrame>
+        <p:nvGraphicFramePr>
+          <p:cNvPr id="5" name="Table 4"/>
+          <p:cNvGraphicFramePr>
+            <a:graphicFrameLocks noGrp="1"/>
+          </p:cNvGraphicFramePr>
+          <p:nvPr>
+            <p:extLst>
+              <p:ext uri="{D42A27DB-BD31-4B8C-83A1-F6EECF244321}">
+                <p14:modId xmlns:p14="http://schemas.microsoft.com/office/powerpoint/2010/main" xmlns="" val="3057687638"/>
+              </p:ext>
+            </p:extLst>
+          </p:nvPr>
+        </p:nvGraphicFramePr>
+        <p:xfrm>
+          <a:off x="1619672" y="5301208"/>
+          <a:ext cx="5637530" cy="1371600"/>
+        </p:xfrm>
+        <a:graphic>
+          <a:graphicData uri="http://schemas.openxmlformats.org/drawingml/2006/table">
+            <a:tbl>
+              <a:tblPr firstRow="1" firstCol="1" bandRow="1">
+                <a:tableStyleId>{5C22544A-7EE6-4342-B048-85BDC9FD1C3A}</a:tableStyleId>
+              </a:tblPr>
+              <a:tblGrid>
+                <a:gridCol w="1711325"/>
+                <a:gridCol w="2044700"/>
+                <a:gridCol w="1881505"/>
+              </a:tblGrid>
+              <a:tr h="0">
+                <a:tc>
+                  <a:txBody>
+                    <a:bodyPr/>
+                    <a:lstStyle/>
+                    <a:p>
+                      <a:pPr algn="just">
+                        <a:lnSpc>
+                          <a:spcPts val="1200"/>
+                        </a:lnSpc>
+                        <a:spcAft>
+                          <a:spcPts val="0"/>
+                        </a:spcAft>
+                      </a:pPr>
+                      <a:r>
+                        <a:rPr lang="nl-NL" sz="800" dirty="0">
+                          <a:effectLst/>
+                        </a:rPr>
+                        <a:t>Derde versie</a:t>
+                      </a:r>
+                      <a:endParaRPr lang="nl-NL" sz="800" dirty="0">
+                        <a:effectLst/>
+                        <a:latin typeface="Verdana"/>
+                        <a:ea typeface="Times New Roman"/>
+                        <a:cs typeface="Times New Roman"/>
+                      </a:endParaRPr>
+                    </a:p>
+                  </a:txBody>
+                  <a:tcPr marL="68580" marR="68580" marT="0" marB="0"/>
+                </a:tc>
+                <a:tc>
+                  <a:txBody>
+                    <a:bodyPr/>
+                    <a:lstStyle/>
+                    <a:p>
+                      <a:pPr algn="just">
+                        <a:lnSpc>
+                          <a:spcPts val="1200"/>
+                        </a:lnSpc>
+                        <a:spcAft>
+                          <a:spcPts val="0"/>
+                        </a:spcAft>
+                      </a:pPr>
+                      <a:r>
+                        <a:rPr lang="nl-NL" sz="800" dirty="0">
+                          <a:effectLst/>
+                        </a:rPr>
+                        <a:t>Attribuut</a:t>
+                      </a:r>
+                      <a:endParaRPr lang="nl-NL" sz="800" dirty="0">
+                        <a:effectLst/>
+                        <a:latin typeface="Verdana"/>
+                        <a:ea typeface="Times New Roman"/>
+                        <a:cs typeface="Times New Roman"/>
+                      </a:endParaRPr>
+                    </a:p>
+                  </a:txBody>
+                  <a:tcPr marL="68580" marR="68580" marT="0" marB="0"/>
+                </a:tc>
+                <a:tc>
+                  <a:txBody>
+                    <a:bodyPr/>
+                    <a:lstStyle/>
+                    <a:p>
+                      <a:pPr algn="just">
+                        <a:lnSpc>
+                          <a:spcPts val="1200"/>
+                        </a:lnSpc>
+                        <a:spcAft>
+                          <a:spcPts val="0"/>
+                        </a:spcAft>
+                      </a:pPr>
+                      <a:r>
+                        <a:rPr lang="nl-NL" sz="800">
+                          <a:effectLst/>
+                        </a:rPr>
+                        <a:t>Waarde</a:t>
+                      </a:r>
+                      <a:endParaRPr lang="nl-NL" sz="800">
+                        <a:effectLst/>
+                        <a:latin typeface="Verdana"/>
+                        <a:ea typeface="Times New Roman"/>
+                        <a:cs typeface="Times New Roman"/>
+                      </a:endParaRPr>
+                    </a:p>
+                  </a:txBody>
+                  <a:tcPr marL="68580" marR="68580" marT="0" marB="0"/>
+                </a:tc>
+              </a:tr>
+              <a:tr h="0">
+                <a:tc>
+                  <a:txBody>
+                    <a:bodyPr/>
+                    <a:lstStyle/>
+                    <a:p>
+                      <a:pPr algn="just">
+                        <a:lnSpc>
+                          <a:spcPts val="1200"/>
+                        </a:lnSpc>
+                        <a:spcAft>
+                          <a:spcPts val="0"/>
+                        </a:spcAft>
+                      </a:pPr>
+                      <a:r>
+                        <a:rPr lang="nl-NL" sz="800">
+                          <a:effectLst/>
+                        </a:rPr>
+                        <a:t>&lt;start formeel aspect&gt;</a:t>
+                      </a:r>
+                      <a:endParaRPr lang="nl-NL" sz="800">
+                        <a:effectLst/>
+                        <a:latin typeface="Verdana"/>
+                        <a:ea typeface="Times New Roman"/>
+                        <a:cs typeface="Times New Roman"/>
+                      </a:endParaRPr>
+                    </a:p>
+                  </a:txBody>
+                  <a:tcPr marL="68580" marR="68580" marT="0" marB="0"/>
+                </a:tc>
+                <a:tc>
+                  <a:txBody>
+                    <a:bodyPr/>
+                    <a:lstStyle/>
+                    <a:p>
+                      <a:pPr algn="just">
+                        <a:lnSpc>
+                          <a:spcPts val="1200"/>
+                        </a:lnSpc>
+                        <a:spcAft>
+                          <a:spcPts val="0"/>
+                        </a:spcAft>
+                      </a:pPr>
+                      <a:r>
+                        <a:rPr lang="nl-NL" sz="800">
+                          <a:effectLst/>
+                        </a:rPr>
+                        <a:t>Tijdstip registratie</a:t>
+                      </a:r>
+                      <a:endParaRPr lang="nl-NL" sz="800">
+                        <a:effectLst/>
+                        <a:latin typeface="Verdana"/>
+                        <a:ea typeface="Times New Roman"/>
+                        <a:cs typeface="Times New Roman"/>
+                      </a:endParaRPr>
+                    </a:p>
+                  </a:txBody>
+                  <a:tcPr marL="68580" marR="68580" marT="0" marB="0"/>
+                </a:tc>
+                <a:tc>
+                  <a:txBody>
+                    <a:bodyPr/>
+                    <a:lstStyle/>
+                    <a:p>
+                      <a:pPr algn="just">
+                        <a:lnSpc>
+                          <a:spcPts val="1200"/>
+                        </a:lnSpc>
+                        <a:spcAft>
+                          <a:spcPts val="0"/>
+                        </a:spcAft>
+                      </a:pPr>
+                      <a:r>
+                        <a:rPr lang="nl-NL" sz="800">
+                          <a:effectLst/>
+                        </a:rPr>
+                        <a:t>1-10-2019</a:t>
+                      </a:r>
+                      <a:endParaRPr lang="nl-NL" sz="800">
+                        <a:effectLst/>
+                        <a:latin typeface="Verdana"/>
+                        <a:ea typeface="Times New Roman"/>
+                        <a:cs typeface="Times New Roman"/>
+                      </a:endParaRPr>
+                    </a:p>
+                  </a:txBody>
+                  <a:tcPr marL="68580" marR="68580" marT="0" marB="0"/>
+                </a:tc>
+              </a:tr>
+              <a:tr h="0">
+                <a:tc>
+                  <a:txBody>
+                    <a:bodyPr/>
+                    <a:lstStyle/>
+                    <a:p>
+                      <a:pPr algn="just">
+                        <a:lnSpc>
+                          <a:spcPts val="1200"/>
+                        </a:lnSpc>
+                        <a:spcAft>
+                          <a:spcPts val="0"/>
+                        </a:spcAft>
+                      </a:pPr>
+                      <a:r>
+                        <a:rPr lang="nl-NL" sz="800">
+                          <a:effectLst/>
+                        </a:rPr>
+                        <a:t>&lt;eind formeel aspect&gt;</a:t>
+                      </a:r>
+                      <a:endParaRPr lang="nl-NL" sz="800">
+                        <a:effectLst/>
+                        <a:latin typeface="Verdana"/>
+                        <a:ea typeface="Times New Roman"/>
+                        <a:cs typeface="Times New Roman"/>
+                      </a:endParaRPr>
+                    </a:p>
+                  </a:txBody>
+                  <a:tcPr marL="68580" marR="68580" marT="0" marB="0"/>
+                </a:tc>
+                <a:tc>
+                  <a:txBody>
+                    <a:bodyPr/>
+                    <a:lstStyle/>
+                    <a:p>
+                      <a:pPr algn="just">
+                        <a:lnSpc>
+                          <a:spcPts val="1200"/>
+                        </a:lnSpc>
+                        <a:spcAft>
+                          <a:spcPts val="0"/>
+                        </a:spcAft>
+                      </a:pPr>
+                      <a:r>
+                        <a:rPr lang="nl-NL" sz="800">
+                          <a:effectLst/>
+                        </a:rPr>
+                        <a:t>Eind registratie</a:t>
+                      </a:r>
+                      <a:endParaRPr lang="nl-NL" sz="800">
+                        <a:effectLst/>
+                        <a:latin typeface="Verdana"/>
+                        <a:ea typeface="Times New Roman"/>
+                        <a:cs typeface="Times New Roman"/>
+                      </a:endParaRPr>
+                    </a:p>
+                  </a:txBody>
+                  <a:tcPr marL="68580" marR="68580" marT="0" marB="0"/>
+                </a:tc>
+                <a:tc>
+                  <a:txBody>
+                    <a:bodyPr/>
+                    <a:lstStyle/>
+                    <a:p>
+                      <a:pPr algn="just">
+                        <a:lnSpc>
+                          <a:spcPts val="1200"/>
+                        </a:lnSpc>
+                        <a:spcAft>
+                          <a:spcPts val="0"/>
+                        </a:spcAft>
+                      </a:pPr>
+                      <a:r>
+                        <a:rPr lang="nl-NL" sz="800">
+                          <a:effectLst/>
+                        </a:rPr>
+                        <a:t>Null</a:t>
+                      </a:r>
+                      <a:endParaRPr lang="nl-NL" sz="800">
+                        <a:effectLst/>
+                        <a:latin typeface="Verdana"/>
+                        <a:ea typeface="Times New Roman"/>
+                        <a:cs typeface="Times New Roman"/>
+                      </a:endParaRPr>
+                    </a:p>
+                  </a:txBody>
+                  <a:tcPr marL="68580" marR="68580" marT="0" marB="0"/>
+                </a:tc>
+              </a:tr>
+              <a:tr h="0">
+                <a:tc>
+                  <a:txBody>
+                    <a:bodyPr/>
+                    <a:lstStyle/>
+                    <a:p>
+                      <a:pPr algn="just">
+                        <a:lnSpc>
+                          <a:spcPts val="1200"/>
+                        </a:lnSpc>
+                        <a:spcAft>
+                          <a:spcPts val="0"/>
+                        </a:spcAft>
+                      </a:pPr>
+                      <a:r>
+                        <a:rPr lang="nl-NL" sz="800">
+                          <a:effectLst/>
+                        </a:rPr>
+                        <a:t>&lt;start materieel aspect&gt;</a:t>
+                      </a:r>
+                      <a:endParaRPr lang="nl-NL" sz="800">
+                        <a:effectLst/>
+                        <a:latin typeface="Verdana"/>
+                        <a:ea typeface="Times New Roman"/>
+                        <a:cs typeface="Times New Roman"/>
+                      </a:endParaRPr>
+                    </a:p>
+                  </a:txBody>
+                  <a:tcPr marL="68580" marR="68580" marT="0" marB="0"/>
+                </a:tc>
+                <a:tc>
+                  <a:txBody>
+                    <a:bodyPr/>
+                    <a:lstStyle/>
+                    <a:p>
+                      <a:pPr algn="just">
+                        <a:lnSpc>
+                          <a:spcPts val="1200"/>
+                        </a:lnSpc>
+                        <a:spcAft>
+                          <a:spcPts val="0"/>
+                        </a:spcAft>
+                      </a:pPr>
+                      <a:r>
+                        <a:rPr lang="nl-NL" sz="800">
+                          <a:effectLst/>
+                        </a:rPr>
+                        <a:t>Begin geldigheid</a:t>
+                      </a:r>
+                      <a:endParaRPr lang="nl-NL" sz="800">
+                        <a:effectLst/>
+                        <a:latin typeface="Verdana"/>
+                        <a:ea typeface="Times New Roman"/>
+                        <a:cs typeface="Times New Roman"/>
+                      </a:endParaRPr>
+                    </a:p>
+                  </a:txBody>
+                  <a:tcPr marL="68580" marR="68580" marT="0" marB="0"/>
+                </a:tc>
+                <a:tc>
+                  <a:txBody>
+                    <a:bodyPr/>
+                    <a:lstStyle/>
+                    <a:p>
+                      <a:pPr algn="just">
+                        <a:lnSpc>
+                          <a:spcPts val="1200"/>
+                        </a:lnSpc>
+                        <a:spcAft>
+                          <a:spcPts val="0"/>
+                        </a:spcAft>
+                      </a:pPr>
+                      <a:r>
+                        <a:rPr lang="nl-NL" sz="800">
+                          <a:effectLst/>
+                        </a:rPr>
+                        <a:t>15-11-2019</a:t>
+                      </a:r>
+                      <a:endParaRPr lang="nl-NL" sz="800">
+                        <a:effectLst/>
+                        <a:latin typeface="Verdana"/>
+                        <a:ea typeface="Times New Roman"/>
+                        <a:cs typeface="Times New Roman"/>
+                      </a:endParaRPr>
+                    </a:p>
+                  </a:txBody>
+                  <a:tcPr marL="68580" marR="68580" marT="0" marB="0"/>
+                </a:tc>
+              </a:tr>
+              <a:tr h="0">
+                <a:tc>
+                  <a:txBody>
+                    <a:bodyPr/>
+                    <a:lstStyle/>
+                    <a:p>
+                      <a:pPr algn="just">
+                        <a:lnSpc>
+                          <a:spcPts val="1200"/>
+                        </a:lnSpc>
+                        <a:spcAft>
+                          <a:spcPts val="0"/>
+                        </a:spcAft>
+                      </a:pPr>
+                      <a:r>
+                        <a:rPr lang="nl-NL" sz="800">
+                          <a:effectLst/>
+                        </a:rPr>
+                        <a:t>&lt;eind materieel aspect&gt;</a:t>
+                      </a:r>
+                      <a:endParaRPr lang="nl-NL" sz="800">
+                        <a:effectLst/>
+                        <a:latin typeface="Verdana"/>
+                        <a:ea typeface="Times New Roman"/>
+                        <a:cs typeface="Times New Roman"/>
+                      </a:endParaRPr>
+                    </a:p>
+                  </a:txBody>
+                  <a:tcPr marL="68580" marR="68580" marT="0" marB="0"/>
+                </a:tc>
+                <a:tc>
+                  <a:txBody>
+                    <a:bodyPr/>
+                    <a:lstStyle/>
+                    <a:p>
+                      <a:pPr algn="just">
+                        <a:lnSpc>
+                          <a:spcPts val="1200"/>
+                        </a:lnSpc>
+                        <a:spcAft>
+                          <a:spcPts val="0"/>
+                        </a:spcAft>
+                      </a:pPr>
+                      <a:r>
+                        <a:rPr lang="nl-NL" sz="800">
+                          <a:effectLst/>
+                        </a:rPr>
+                        <a:t>Eind geldigheid</a:t>
+                      </a:r>
+                      <a:endParaRPr lang="nl-NL" sz="800">
+                        <a:effectLst/>
+                        <a:latin typeface="Verdana"/>
+                        <a:ea typeface="Times New Roman"/>
+                        <a:cs typeface="Times New Roman"/>
+                      </a:endParaRPr>
+                    </a:p>
+                  </a:txBody>
+                  <a:tcPr marL="68580" marR="68580" marT="0" marB="0"/>
+                </a:tc>
+                <a:tc>
+                  <a:txBody>
+                    <a:bodyPr/>
+                    <a:lstStyle/>
+                    <a:p>
+                      <a:pPr algn="just">
+                        <a:lnSpc>
+                          <a:spcPts val="1200"/>
+                        </a:lnSpc>
+                        <a:spcAft>
+                          <a:spcPts val="0"/>
+                        </a:spcAft>
+                      </a:pPr>
+                      <a:r>
+                        <a:rPr lang="nl-NL" sz="800">
+                          <a:effectLst/>
+                        </a:rPr>
+                        <a:t>Null</a:t>
+                      </a:r>
+                      <a:endParaRPr lang="nl-NL" sz="800">
+                        <a:effectLst/>
+                        <a:latin typeface="Verdana"/>
+                        <a:ea typeface="Times New Roman"/>
+                        <a:cs typeface="Times New Roman"/>
+                      </a:endParaRPr>
+                    </a:p>
+                  </a:txBody>
+                  <a:tcPr marL="68580" marR="68580" marT="0" marB="0"/>
+                </a:tc>
+              </a:tr>
+              <a:tr h="0">
+                <a:tc>
+                  <a:txBody>
+                    <a:bodyPr/>
+                    <a:lstStyle/>
+                    <a:p>
+                      <a:pPr algn="just">
+                        <a:lnSpc>
+                          <a:spcPts val="1200"/>
+                        </a:lnSpc>
+                        <a:spcAft>
+                          <a:spcPts val="0"/>
+                        </a:spcAft>
+                      </a:pPr>
+                      <a:r>
+                        <a:rPr lang="nl-NL" sz="800">
+                          <a:effectLst/>
+                        </a:rPr>
+                        <a:t> </a:t>
+                      </a:r>
+                      <a:endParaRPr lang="nl-NL" sz="800">
+                        <a:effectLst/>
+                        <a:latin typeface="Verdana"/>
+                        <a:ea typeface="Times New Roman"/>
+                        <a:cs typeface="Times New Roman"/>
+                      </a:endParaRPr>
+                    </a:p>
+                  </a:txBody>
+                  <a:tcPr marL="68580" marR="68580" marT="0" marB="0"/>
+                </a:tc>
+                <a:tc>
+                  <a:txBody>
+                    <a:bodyPr/>
+                    <a:lstStyle/>
+                    <a:p>
+                      <a:pPr algn="just">
+                        <a:lnSpc>
+                          <a:spcPts val="1200"/>
+                        </a:lnSpc>
+                        <a:spcAft>
+                          <a:spcPts val="0"/>
+                        </a:spcAft>
+                      </a:pPr>
+                      <a:r>
+                        <a:rPr lang="nl-NL" sz="800">
+                          <a:effectLst/>
+                        </a:rPr>
+                        <a:t>Datum vaststelling</a:t>
+                      </a:r>
+                      <a:endParaRPr lang="nl-NL" sz="800">
+                        <a:effectLst/>
+                        <a:latin typeface="Verdana"/>
+                        <a:ea typeface="Times New Roman"/>
+                        <a:cs typeface="Times New Roman"/>
+                      </a:endParaRPr>
+                    </a:p>
+                  </a:txBody>
+                  <a:tcPr marL="68580" marR="68580" marT="0" marB="0"/>
+                </a:tc>
+                <a:tc>
+                  <a:txBody>
+                    <a:bodyPr/>
+                    <a:lstStyle/>
+                    <a:p>
+                      <a:pPr algn="just">
+                        <a:lnSpc>
+                          <a:spcPts val="1200"/>
+                        </a:lnSpc>
+                        <a:spcAft>
+                          <a:spcPts val="0"/>
+                        </a:spcAft>
+                      </a:pPr>
+                      <a:r>
+                        <a:rPr lang="nl-NL" sz="800">
+                          <a:effectLst/>
+                        </a:rPr>
+                        <a:t>2-10-2019</a:t>
+                      </a:r>
+                      <a:endParaRPr lang="nl-NL" sz="800">
+                        <a:effectLst/>
+                        <a:latin typeface="Verdana"/>
+                        <a:ea typeface="Times New Roman"/>
+                        <a:cs typeface="Times New Roman"/>
+                      </a:endParaRPr>
+                    </a:p>
+                  </a:txBody>
+                  <a:tcPr marL="68580" marR="68580" marT="0" marB="0"/>
+                </a:tc>
+              </a:tr>
+              <a:tr h="0">
+                <a:tc>
+                  <a:txBody>
+                    <a:bodyPr/>
+                    <a:lstStyle/>
+                    <a:p>
+                      <a:pPr algn="just">
+                        <a:lnSpc>
+                          <a:spcPts val="1200"/>
+                        </a:lnSpc>
+                        <a:spcAft>
+                          <a:spcPts val="0"/>
+                        </a:spcAft>
+                      </a:pPr>
+                      <a:r>
+                        <a:rPr lang="nl-NL" sz="800">
+                          <a:effectLst/>
+                        </a:rPr>
+                        <a:t> </a:t>
+                      </a:r>
+                      <a:endParaRPr lang="nl-NL" sz="800">
+                        <a:effectLst/>
+                        <a:latin typeface="Verdana"/>
+                        <a:ea typeface="Times New Roman"/>
+                        <a:cs typeface="Times New Roman"/>
+                      </a:endParaRPr>
+                    </a:p>
+                  </a:txBody>
+                  <a:tcPr marL="68580" marR="68580" marT="0" marB="0"/>
+                </a:tc>
+                <a:tc>
+                  <a:txBody>
+                    <a:bodyPr/>
+                    <a:lstStyle/>
+                    <a:p>
+                      <a:pPr algn="just">
+                        <a:lnSpc>
+                          <a:spcPts val="1200"/>
+                        </a:lnSpc>
+                        <a:spcAft>
+                          <a:spcPts val="0"/>
+                        </a:spcAft>
+                      </a:pPr>
+                      <a:r>
+                        <a:rPr lang="nl-NL" sz="800">
+                          <a:effectLst/>
+                        </a:rPr>
+                        <a:t>Datum bekendmaking</a:t>
+                      </a:r>
+                      <a:endParaRPr lang="nl-NL" sz="800">
+                        <a:effectLst/>
+                        <a:latin typeface="Verdana"/>
+                        <a:ea typeface="Times New Roman"/>
+                        <a:cs typeface="Times New Roman"/>
+                      </a:endParaRPr>
+                    </a:p>
+                  </a:txBody>
+                  <a:tcPr marL="68580" marR="68580" marT="0" marB="0"/>
+                </a:tc>
+                <a:tc>
+                  <a:txBody>
+                    <a:bodyPr/>
+                    <a:lstStyle/>
+                    <a:p>
+                      <a:pPr algn="just">
+                        <a:lnSpc>
+                          <a:spcPts val="1200"/>
+                        </a:lnSpc>
+                        <a:spcAft>
+                          <a:spcPts val="0"/>
+                        </a:spcAft>
+                      </a:pPr>
+                      <a:r>
+                        <a:rPr lang="nl-NL" sz="800">
+                          <a:effectLst/>
+                        </a:rPr>
+                        <a:t>3-10-2019</a:t>
+                      </a:r>
+                      <a:endParaRPr lang="nl-NL" sz="800">
+                        <a:effectLst/>
+                        <a:latin typeface="Verdana"/>
+                        <a:ea typeface="Times New Roman"/>
+                        <a:cs typeface="Times New Roman"/>
+                      </a:endParaRPr>
+                    </a:p>
+                  </a:txBody>
+                  <a:tcPr marL="68580" marR="68580" marT="0" marB="0"/>
+                </a:tc>
+              </a:tr>
+              <a:tr h="0">
+                <a:tc>
+                  <a:txBody>
+                    <a:bodyPr/>
+                    <a:lstStyle/>
+                    <a:p>
+                      <a:pPr algn="just">
+                        <a:lnSpc>
+                          <a:spcPts val="1200"/>
+                        </a:lnSpc>
+                        <a:spcAft>
+                          <a:spcPts val="0"/>
+                        </a:spcAft>
+                      </a:pPr>
+                      <a:r>
+                        <a:rPr lang="nl-NL" sz="800">
+                          <a:effectLst/>
+                        </a:rPr>
+                        <a:t> </a:t>
+                      </a:r>
+                      <a:endParaRPr lang="nl-NL" sz="800">
+                        <a:effectLst/>
+                        <a:latin typeface="Verdana"/>
+                        <a:ea typeface="Times New Roman"/>
+                        <a:cs typeface="Times New Roman"/>
+                      </a:endParaRPr>
+                    </a:p>
+                  </a:txBody>
+                  <a:tcPr marL="68580" marR="68580" marT="0" marB="0"/>
+                </a:tc>
+                <a:tc>
+                  <a:txBody>
+                    <a:bodyPr/>
+                    <a:lstStyle/>
+                    <a:p>
+                      <a:pPr algn="just">
+                        <a:lnSpc>
+                          <a:spcPts val="1200"/>
+                        </a:lnSpc>
+                        <a:spcAft>
+                          <a:spcPts val="0"/>
+                        </a:spcAft>
+                      </a:pPr>
+                      <a:r>
+                        <a:rPr lang="nl-NL" sz="800">
+                          <a:effectLst/>
+                        </a:rPr>
+                        <a:t>Tijdstip registratie ROD</a:t>
+                      </a:r>
+                      <a:endParaRPr lang="nl-NL" sz="800">
+                        <a:effectLst/>
+                        <a:latin typeface="Verdana"/>
+                        <a:ea typeface="Times New Roman"/>
+                        <a:cs typeface="Times New Roman"/>
+                      </a:endParaRPr>
+                    </a:p>
+                  </a:txBody>
+                  <a:tcPr marL="68580" marR="68580" marT="0" marB="0"/>
+                </a:tc>
+                <a:tc>
+                  <a:txBody>
+                    <a:bodyPr/>
+                    <a:lstStyle/>
+                    <a:p>
+                      <a:pPr algn="just">
+                        <a:lnSpc>
+                          <a:spcPts val="1200"/>
+                        </a:lnSpc>
+                        <a:spcAft>
+                          <a:spcPts val="0"/>
+                        </a:spcAft>
+                      </a:pPr>
+                      <a:r>
+                        <a:rPr lang="nl-NL" sz="800">
+                          <a:effectLst/>
+                        </a:rPr>
+                        <a:t>4-10-2019</a:t>
+                      </a:r>
+                      <a:endParaRPr lang="nl-NL" sz="800">
+                        <a:effectLst/>
+                        <a:latin typeface="Verdana"/>
+                        <a:ea typeface="Times New Roman"/>
+                        <a:cs typeface="Times New Roman"/>
+                      </a:endParaRPr>
+                    </a:p>
+                  </a:txBody>
+                  <a:tcPr marL="68580" marR="68580" marT="0" marB="0"/>
+                </a:tc>
+              </a:tr>
+              <a:tr h="0">
+                <a:tc>
+                  <a:txBody>
+                    <a:bodyPr/>
+                    <a:lstStyle/>
+                    <a:p>
+                      <a:pPr algn="just">
+                        <a:lnSpc>
+                          <a:spcPts val="1200"/>
+                        </a:lnSpc>
+                        <a:spcAft>
+                          <a:spcPts val="0"/>
+                        </a:spcAft>
+                      </a:pPr>
+                      <a:r>
+                        <a:rPr lang="nl-NL" sz="800">
+                          <a:effectLst/>
+                        </a:rPr>
+                        <a:t> </a:t>
+                      </a:r>
+                      <a:endParaRPr lang="nl-NL" sz="800">
+                        <a:effectLst/>
+                        <a:latin typeface="Verdana"/>
+                        <a:ea typeface="Times New Roman"/>
+                        <a:cs typeface="Times New Roman"/>
+                      </a:endParaRPr>
+                    </a:p>
+                  </a:txBody>
+                  <a:tcPr marL="68580" marR="68580" marT="0" marB="0"/>
+                </a:tc>
+                <a:tc>
+                  <a:txBody>
+                    <a:bodyPr/>
+                    <a:lstStyle/>
+                    <a:p>
+                      <a:pPr algn="just">
+                        <a:lnSpc>
+                          <a:spcPts val="1200"/>
+                        </a:lnSpc>
+                        <a:spcAft>
+                          <a:spcPts val="0"/>
+                        </a:spcAft>
+                      </a:pPr>
+                      <a:r>
+                        <a:rPr lang="nl-NL" sz="800">
+                          <a:effectLst/>
+                        </a:rPr>
+                        <a:t>Eind registratie ROD</a:t>
+                      </a:r>
+                      <a:endParaRPr lang="nl-NL" sz="800">
+                        <a:effectLst/>
+                        <a:latin typeface="Verdana"/>
+                        <a:ea typeface="Times New Roman"/>
+                        <a:cs typeface="Times New Roman"/>
+                      </a:endParaRPr>
+                    </a:p>
+                  </a:txBody>
+                  <a:tcPr marL="68580" marR="68580" marT="0" marB="0"/>
+                </a:tc>
+                <a:tc>
+                  <a:txBody>
+                    <a:bodyPr/>
+                    <a:lstStyle/>
+                    <a:p>
+                      <a:pPr algn="just">
+                        <a:lnSpc>
+                          <a:spcPts val="1200"/>
+                        </a:lnSpc>
+                        <a:spcAft>
+                          <a:spcPts val="0"/>
+                        </a:spcAft>
+                      </a:pPr>
+                      <a:r>
+                        <a:rPr lang="nl-NL" sz="800" dirty="0">
+                          <a:effectLst/>
+                        </a:rPr>
+                        <a:t>null</a:t>
+                      </a:r>
+                      <a:endParaRPr lang="nl-NL" sz="800" dirty="0">
+                        <a:effectLst/>
+                        <a:latin typeface="Verdana"/>
+                        <a:ea typeface="Times New Roman"/>
+                        <a:cs typeface="Times New Roman"/>
+                      </a:endParaRPr>
+                    </a:p>
+                  </a:txBody>
+                  <a:tcPr marL="68580" marR="68580" marT="0" marB="0"/>
+                </a:tc>
+              </a:tr>
+            </a:tbl>
+          </a:graphicData>
+        </a:graphic>
+      </p:graphicFrame>
+      <p:sp>
+        <p:nvSpPr>
+          <p:cNvPr id="3" name="Rectangle 2"/>
+          <p:cNvSpPr/>
+          <p:nvPr/>
+        </p:nvSpPr>
+        <p:spPr>
+          <a:xfrm>
+            <a:off x="35496" y="2420888"/>
+            <a:ext cx="4572000" cy="1200329"/>
+          </a:xfrm>
+          <a:prstGeom prst="rect">
+            <a:avLst/>
+          </a:prstGeom>
+        </p:spPr>
+        <p:txBody>
+          <a:bodyPr>
+            <a:spAutoFit/>
+          </a:bodyPr>
+          <a:lstStyle/>
+          <a:p>
+            <a:r>
+              <a:rPr lang="nl-NL" dirty="0"/>
+              <a:t>Op een tijdstip t3 (2-10-2019 uit onderstaand scenario) stelt een bevoegd gezag een omgevingsdocument vast en biedt dit (op 4-10-2019) aan de registratie aan.</a:t>
+            </a:r>
+          </a:p>
+        </p:txBody>
+      </p:sp>
+    </p:spTree>
+    <p:extLst>
+      <p:ext uri="{BB962C8B-B14F-4D97-AF65-F5344CB8AC3E}">
+        <p14:creationId xmlns:p14="http://schemas.microsoft.com/office/powerpoint/2010/main" xmlns="" val="2504983219"/>
+      </p:ext>
+    </p:extLst>
+  </p:cSld>
+  <p:clrMapOvr>
+    <a:masterClrMapping/>
+  </p:clrMapOvr>
+</p:sld>
+</file>
+
+<file path=ppt/slides/slide17.xml><?xml version="1.0" encoding="utf-8"?>
+<p:sld xmlns:a="http://schemas.openxmlformats.org/drawingml/2006/main" xmlns:r="http://schemas.openxmlformats.org/officeDocument/2006/relationships" xmlns:p="http://schemas.openxmlformats.org/presentationml/2006/main">
+  <p:cSld>
+    <p:spTree>
+      <p:nvGrpSpPr>
+        <p:cNvPr id="1" name=""/>
+        <p:cNvGrpSpPr/>
+        <p:nvPr/>
+      </p:nvGrpSpPr>
+      <p:grpSpPr>
+        <a:xfrm>
+          <a:off x="0" y="0"/>
+          <a:ext cx="0" cy="0"/>
+          <a:chOff x="0" y="0"/>
+          <a:chExt cx="0" cy="0"/>
+        </a:xfrm>
+      </p:grpSpPr>
+      <p:sp>
+        <p:nvSpPr>
+          <p:cNvPr id="2" name="Title 1"/>
+          <p:cNvSpPr>
+            <a:spLocks noGrp="1"/>
+          </p:cNvSpPr>
+          <p:nvPr>
+            <p:ph type="title"/>
+          </p:nvPr>
+        </p:nvSpPr>
+        <p:spPr/>
+        <p:txBody>
+          <a:bodyPr>
+            <a:noAutofit/>
+          </a:bodyPr>
+          <a:lstStyle/>
+          <a:p>
+            <a:r>
+              <a:rPr lang="nl-NL" sz="2400" b="1" dirty="0"/>
+              <a:t>Stap 4: Het publiceren van een wijziging met terugwerkende kracht van een omgevingsdocument</a:t>
+            </a:r>
+            <a:r>
+              <a:rPr lang="nl-NL" sz="2400" dirty="0"/>
+              <a:t/>
+            </a:r>
+            <a:br>
+              <a:rPr lang="nl-NL" sz="2400" dirty="0"/>
+            </a:br>
+            <a:endParaRPr lang="nl-NL" sz="2400" dirty="0"/>
+          </a:p>
+        </p:txBody>
+      </p:sp>
+      <p:pic>
+        <p:nvPicPr>
+          <p:cNvPr id="4" name="Picture 3"/>
+          <p:cNvPicPr/>
+          <p:nvPr/>
+        </p:nvPicPr>
+        <p:blipFill>
+          <a:blip r:embed="rId2" cstate="print">
+            <a:extLst>
+              <a:ext uri="{28A0092B-C50C-407E-A947-70E740481C1C}">
+                <a14:useLocalDpi xmlns:a14="http://schemas.microsoft.com/office/drawing/2010/main" xmlns="" val="0"/>
+              </a:ext>
+            </a:extLst>
+          </a:blip>
+          <a:stretch>
+            <a:fillRect/>
+          </a:stretch>
+        </p:blipFill>
+        <p:spPr>
+          <a:xfrm>
+            <a:off x="3347864" y="1047008"/>
+            <a:ext cx="5684520" cy="4648200"/>
+          </a:xfrm>
+          <a:prstGeom prst="rect">
+            <a:avLst/>
+          </a:prstGeom>
+        </p:spPr>
+      </p:pic>
+      <p:graphicFrame>
+        <p:nvGraphicFramePr>
+          <p:cNvPr id="5" name="Table 4"/>
+          <p:cNvGraphicFramePr>
+            <a:graphicFrameLocks noGrp="1"/>
+          </p:cNvGraphicFramePr>
+          <p:nvPr>
+            <p:extLst>
+              <p:ext uri="{D42A27DB-BD31-4B8C-83A1-F6EECF244321}">
+                <p14:modId xmlns:p14="http://schemas.microsoft.com/office/powerpoint/2010/main" xmlns="" val="2430418230"/>
+              </p:ext>
+            </p:extLst>
+          </p:nvPr>
+        </p:nvGraphicFramePr>
+        <p:xfrm>
+          <a:off x="1619672" y="5450944"/>
+          <a:ext cx="5637530" cy="1371600"/>
+        </p:xfrm>
+        <a:graphic>
+          <a:graphicData uri="http://schemas.openxmlformats.org/drawingml/2006/table">
+            <a:tbl>
+              <a:tblPr firstRow="1" firstCol="1" bandRow="1">
+                <a:tableStyleId>{5C22544A-7EE6-4342-B048-85BDC9FD1C3A}</a:tableStyleId>
+              </a:tblPr>
+              <a:tblGrid>
+                <a:gridCol w="1711325"/>
+                <a:gridCol w="2044700"/>
+                <a:gridCol w="1881505"/>
+              </a:tblGrid>
+              <a:tr h="0">
+                <a:tc>
+                  <a:txBody>
+                    <a:bodyPr/>
+                    <a:lstStyle/>
+                    <a:p>
+                      <a:pPr algn="just">
+                        <a:lnSpc>
+                          <a:spcPts val="1200"/>
+                        </a:lnSpc>
+                        <a:spcAft>
+                          <a:spcPts val="0"/>
+                        </a:spcAft>
+                      </a:pPr>
+                      <a:r>
+                        <a:rPr lang="nl-NL" sz="800">
+                          <a:effectLst/>
+                        </a:rPr>
+                        <a:t> </a:t>
+                      </a:r>
+                      <a:endParaRPr lang="nl-NL" sz="800">
+                        <a:effectLst/>
+                        <a:latin typeface="Verdana"/>
+                        <a:ea typeface="Times New Roman"/>
+                        <a:cs typeface="Times New Roman"/>
+                      </a:endParaRPr>
+                    </a:p>
+                  </a:txBody>
+                  <a:tcPr marL="68580" marR="68580" marT="0" marB="0"/>
+                </a:tc>
+                <a:tc>
+                  <a:txBody>
+                    <a:bodyPr/>
+                    <a:lstStyle/>
+                    <a:p>
+                      <a:pPr algn="just">
+                        <a:lnSpc>
+                          <a:spcPts val="1200"/>
+                        </a:lnSpc>
+                        <a:spcAft>
+                          <a:spcPts val="0"/>
+                        </a:spcAft>
+                      </a:pPr>
+                      <a:r>
+                        <a:rPr lang="nl-NL" sz="800">
+                          <a:effectLst/>
+                        </a:rPr>
+                        <a:t>Attribuut</a:t>
+                      </a:r>
+                      <a:endParaRPr lang="nl-NL" sz="800">
+                        <a:effectLst/>
+                        <a:latin typeface="Verdana"/>
+                        <a:ea typeface="Times New Roman"/>
+                        <a:cs typeface="Times New Roman"/>
+                      </a:endParaRPr>
+                    </a:p>
+                  </a:txBody>
+                  <a:tcPr marL="68580" marR="68580" marT="0" marB="0"/>
+                </a:tc>
+                <a:tc>
+                  <a:txBody>
+                    <a:bodyPr/>
+                    <a:lstStyle/>
+                    <a:p>
+                      <a:pPr algn="just">
+                        <a:lnSpc>
+                          <a:spcPts val="1200"/>
+                        </a:lnSpc>
+                        <a:spcAft>
+                          <a:spcPts val="0"/>
+                        </a:spcAft>
+                      </a:pPr>
+                      <a:r>
+                        <a:rPr lang="nl-NL" sz="800">
+                          <a:effectLst/>
+                        </a:rPr>
+                        <a:t>Waarde</a:t>
+                      </a:r>
+                      <a:endParaRPr lang="nl-NL" sz="800">
+                        <a:effectLst/>
+                        <a:latin typeface="Verdana"/>
+                        <a:ea typeface="Times New Roman"/>
+                        <a:cs typeface="Times New Roman"/>
+                      </a:endParaRPr>
+                    </a:p>
+                  </a:txBody>
+                  <a:tcPr marL="68580" marR="68580" marT="0" marB="0"/>
+                </a:tc>
+              </a:tr>
+              <a:tr h="0">
+                <a:tc>
+                  <a:txBody>
+                    <a:bodyPr/>
+                    <a:lstStyle/>
+                    <a:p>
+                      <a:pPr algn="just">
+                        <a:lnSpc>
+                          <a:spcPts val="1200"/>
+                        </a:lnSpc>
+                        <a:spcAft>
+                          <a:spcPts val="0"/>
+                        </a:spcAft>
+                      </a:pPr>
+                      <a:r>
+                        <a:rPr lang="nl-NL" sz="800">
+                          <a:effectLst/>
+                        </a:rPr>
+                        <a:t>&lt;start formeel aspect&gt;</a:t>
+                      </a:r>
+                      <a:endParaRPr lang="nl-NL" sz="800">
+                        <a:effectLst/>
+                        <a:latin typeface="Verdana"/>
+                        <a:ea typeface="Times New Roman"/>
+                        <a:cs typeface="Times New Roman"/>
+                      </a:endParaRPr>
+                    </a:p>
+                  </a:txBody>
+                  <a:tcPr marL="68580" marR="68580" marT="0" marB="0"/>
+                </a:tc>
+                <a:tc>
+                  <a:txBody>
+                    <a:bodyPr/>
+                    <a:lstStyle/>
+                    <a:p>
+                      <a:pPr algn="just">
+                        <a:lnSpc>
+                          <a:spcPts val="1200"/>
+                        </a:lnSpc>
+                        <a:spcAft>
+                          <a:spcPts val="0"/>
+                        </a:spcAft>
+                      </a:pPr>
+                      <a:r>
+                        <a:rPr lang="nl-NL" sz="800">
+                          <a:effectLst/>
+                        </a:rPr>
+                        <a:t>Tijdstip registratie</a:t>
+                      </a:r>
+                      <a:endParaRPr lang="nl-NL" sz="800">
+                        <a:effectLst/>
+                        <a:latin typeface="Verdana"/>
+                        <a:ea typeface="Times New Roman"/>
+                        <a:cs typeface="Times New Roman"/>
+                      </a:endParaRPr>
+                    </a:p>
+                  </a:txBody>
+                  <a:tcPr marL="68580" marR="68580" marT="0" marB="0"/>
+                </a:tc>
+                <a:tc>
+                  <a:txBody>
+                    <a:bodyPr/>
+                    <a:lstStyle/>
+                    <a:p>
+                      <a:pPr algn="just">
+                        <a:lnSpc>
+                          <a:spcPts val="1200"/>
+                        </a:lnSpc>
+                        <a:spcAft>
+                          <a:spcPts val="0"/>
+                        </a:spcAft>
+                      </a:pPr>
+                      <a:r>
+                        <a:rPr lang="nl-NL" sz="800">
+                          <a:effectLst/>
+                        </a:rPr>
+                        <a:t>1-12-2019</a:t>
+                      </a:r>
+                      <a:endParaRPr lang="nl-NL" sz="800">
+                        <a:effectLst/>
+                        <a:latin typeface="Verdana"/>
+                        <a:ea typeface="Times New Roman"/>
+                        <a:cs typeface="Times New Roman"/>
+                      </a:endParaRPr>
+                    </a:p>
+                  </a:txBody>
+                  <a:tcPr marL="68580" marR="68580" marT="0" marB="0"/>
+                </a:tc>
+              </a:tr>
+              <a:tr h="0">
+                <a:tc>
+                  <a:txBody>
+                    <a:bodyPr/>
+                    <a:lstStyle/>
+                    <a:p>
+                      <a:pPr algn="just">
+                        <a:lnSpc>
+                          <a:spcPts val="1200"/>
+                        </a:lnSpc>
+                        <a:spcAft>
+                          <a:spcPts val="0"/>
+                        </a:spcAft>
+                      </a:pPr>
+                      <a:r>
+                        <a:rPr lang="nl-NL" sz="800">
+                          <a:effectLst/>
+                        </a:rPr>
+                        <a:t>&lt;eind formeel aspect&gt;</a:t>
+                      </a:r>
+                      <a:endParaRPr lang="nl-NL" sz="800">
+                        <a:effectLst/>
+                        <a:latin typeface="Verdana"/>
+                        <a:ea typeface="Times New Roman"/>
+                        <a:cs typeface="Times New Roman"/>
+                      </a:endParaRPr>
+                    </a:p>
+                  </a:txBody>
+                  <a:tcPr marL="68580" marR="68580" marT="0" marB="0"/>
+                </a:tc>
+                <a:tc>
+                  <a:txBody>
+                    <a:bodyPr/>
+                    <a:lstStyle/>
+                    <a:p>
+                      <a:pPr algn="just">
+                        <a:lnSpc>
+                          <a:spcPts val="1200"/>
+                        </a:lnSpc>
+                        <a:spcAft>
+                          <a:spcPts val="0"/>
+                        </a:spcAft>
+                      </a:pPr>
+                      <a:r>
+                        <a:rPr lang="nl-NL" sz="800">
+                          <a:effectLst/>
+                        </a:rPr>
+                        <a:t>Eind registratie</a:t>
+                      </a:r>
+                      <a:endParaRPr lang="nl-NL" sz="800">
+                        <a:effectLst/>
+                        <a:latin typeface="Verdana"/>
+                        <a:ea typeface="Times New Roman"/>
+                        <a:cs typeface="Times New Roman"/>
+                      </a:endParaRPr>
+                    </a:p>
+                  </a:txBody>
+                  <a:tcPr marL="68580" marR="68580" marT="0" marB="0"/>
+                </a:tc>
+                <a:tc>
+                  <a:txBody>
+                    <a:bodyPr/>
+                    <a:lstStyle/>
+                    <a:p>
+                      <a:pPr algn="just">
+                        <a:lnSpc>
+                          <a:spcPts val="1200"/>
+                        </a:lnSpc>
+                        <a:spcAft>
+                          <a:spcPts val="0"/>
+                        </a:spcAft>
+                      </a:pPr>
+                      <a:r>
+                        <a:rPr lang="nl-NL" sz="800">
+                          <a:effectLst/>
+                        </a:rPr>
+                        <a:t>Null</a:t>
+                      </a:r>
+                      <a:endParaRPr lang="nl-NL" sz="800">
+                        <a:effectLst/>
+                        <a:latin typeface="Verdana"/>
+                        <a:ea typeface="Times New Roman"/>
+                        <a:cs typeface="Times New Roman"/>
+                      </a:endParaRPr>
+                    </a:p>
+                  </a:txBody>
+                  <a:tcPr marL="68580" marR="68580" marT="0" marB="0"/>
+                </a:tc>
+              </a:tr>
+              <a:tr h="0">
+                <a:tc>
+                  <a:txBody>
+                    <a:bodyPr/>
+                    <a:lstStyle/>
+                    <a:p>
+                      <a:pPr algn="just">
+                        <a:lnSpc>
+                          <a:spcPts val="1200"/>
+                        </a:lnSpc>
+                        <a:spcAft>
+                          <a:spcPts val="0"/>
+                        </a:spcAft>
+                      </a:pPr>
+                      <a:r>
+                        <a:rPr lang="nl-NL" sz="800">
+                          <a:effectLst/>
+                        </a:rPr>
+                        <a:t>&lt;start materieel aspect&gt;</a:t>
+                      </a:r>
+                      <a:endParaRPr lang="nl-NL" sz="800">
+                        <a:effectLst/>
+                        <a:latin typeface="Verdana"/>
+                        <a:ea typeface="Times New Roman"/>
+                        <a:cs typeface="Times New Roman"/>
+                      </a:endParaRPr>
+                    </a:p>
+                  </a:txBody>
+                  <a:tcPr marL="68580" marR="68580" marT="0" marB="0"/>
+                </a:tc>
+                <a:tc>
+                  <a:txBody>
+                    <a:bodyPr/>
+                    <a:lstStyle/>
+                    <a:p>
+                      <a:pPr algn="just">
+                        <a:lnSpc>
+                          <a:spcPts val="1200"/>
+                        </a:lnSpc>
+                        <a:spcAft>
+                          <a:spcPts val="0"/>
+                        </a:spcAft>
+                      </a:pPr>
+                      <a:r>
+                        <a:rPr lang="nl-NL" sz="800">
+                          <a:effectLst/>
+                        </a:rPr>
+                        <a:t>Begin geldigheid</a:t>
+                      </a:r>
+                      <a:endParaRPr lang="nl-NL" sz="800">
+                        <a:effectLst/>
+                        <a:latin typeface="Verdana"/>
+                        <a:ea typeface="Times New Roman"/>
+                        <a:cs typeface="Times New Roman"/>
+                      </a:endParaRPr>
+                    </a:p>
+                  </a:txBody>
+                  <a:tcPr marL="68580" marR="68580" marT="0" marB="0"/>
+                </a:tc>
+                <a:tc>
+                  <a:txBody>
+                    <a:bodyPr/>
+                    <a:lstStyle/>
+                    <a:p>
+                      <a:pPr algn="just">
+                        <a:lnSpc>
+                          <a:spcPts val="1200"/>
+                        </a:lnSpc>
+                        <a:spcAft>
+                          <a:spcPts val="0"/>
+                        </a:spcAft>
+                      </a:pPr>
+                      <a:r>
+                        <a:rPr lang="nl-NL" sz="800">
+                          <a:effectLst/>
+                        </a:rPr>
+                        <a:t>30-10-2019</a:t>
+                      </a:r>
+                      <a:endParaRPr lang="nl-NL" sz="800">
+                        <a:effectLst/>
+                        <a:latin typeface="Verdana"/>
+                        <a:ea typeface="Times New Roman"/>
+                        <a:cs typeface="Times New Roman"/>
+                      </a:endParaRPr>
+                    </a:p>
+                  </a:txBody>
+                  <a:tcPr marL="68580" marR="68580" marT="0" marB="0"/>
+                </a:tc>
+              </a:tr>
+              <a:tr h="0">
+                <a:tc>
+                  <a:txBody>
+                    <a:bodyPr/>
+                    <a:lstStyle/>
+                    <a:p>
+                      <a:pPr algn="just">
+                        <a:lnSpc>
+                          <a:spcPts val="1200"/>
+                        </a:lnSpc>
+                        <a:spcAft>
+                          <a:spcPts val="0"/>
+                        </a:spcAft>
+                      </a:pPr>
+                      <a:r>
+                        <a:rPr lang="nl-NL" sz="800">
+                          <a:effectLst/>
+                        </a:rPr>
+                        <a:t>&lt;eind materieel aspect&gt;</a:t>
+                      </a:r>
+                      <a:endParaRPr lang="nl-NL" sz="800">
+                        <a:effectLst/>
+                        <a:latin typeface="Verdana"/>
+                        <a:ea typeface="Times New Roman"/>
+                        <a:cs typeface="Times New Roman"/>
+                      </a:endParaRPr>
+                    </a:p>
+                  </a:txBody>
+                  <a:tcPr marL="68580" marR="68580" marT="0" marB="0"/>
+                </a:tc>
+                <a:tc>
+                  <a:txBody>
+                    <a:bodyPr/>
+                    <a:lstStyle/>
+                    <a:p>
+                      <a:pPr algn="just">
+                        <a:lnSpc>
+                          <a:spcPts val="1200"/>
+                        </a:lnSpc>
+                        <a:spcAft>
+                          <a:spcPts val="0"/>
+                        </a:spcAft>
+                      </a:pPr>
+                      <a:r>
+                        <a:rPr lang="nl-NL" sz="800">
+                          <a:effectLst/>
+                        </a:rPr>
+                        <a:t>Eind geldigheid</a:t>
+                      </a:r>
+                      <a:endParaRPr lang="nl-NL" sz="800">
+                        <a:effectLst/>
+                        <a:latin typeface="Verdana"/>
+                        <a:ea typeface="Times New Roman"/>
+                        <a:cs typeface="Times New Roman"/>
+                      </a:endParaRPr>
+                    </a:p>
+                  </a:txBody>
+                  <a:tcPr marL="68580" marR="68580" marT="0" marB="0"/>
+                </a:tc>
+                <a:tc>
+                  <a:txBody>
+                    <a:bodyPr/>
+                    <a:lstStyle/>
+                    <a:p>
+                      <a:pPr algn="just">
+                        <a:lnSpc>
+                          <a:spcPts val="1200"/>
+                        </a:lnSpc>
+                        <a:spcAft>
+                          <a:spcPts val="0"/>
+                        </a:spcAft>
+                      </a:pPr>
+                      <a:r>
+                        <a:rPr lang="nl-NL" sz="800">
+                          <a:effectLst/>
+                        </a:rPr>
+                        <a:t>Null</a:t>
+                      </a:r>
+                      <a:endParaRPr lang="nl-NL" sz="800">
+                        <a:effectLst/>
+                        <a:latin typeface="Verdana"/>
+                        <a:ea typeface="Times New Roman"/>
+                        <a:cs typeface="Times New Roman"/>
+                      </a:endParaRPr>
+                    </a:p>
+                  </a:txBody>
+                  <a:tcPr marL="68580" marR="68580" marT="0" marB="0"/>
+                </a:tc>
+              </a:tr>
+              <a:tr h="0">
+                <a:tc>
+                  <a:txBody>
+                    <a:bodyPr/>
+                    <a:lstStyle/>
+                    <a:p>
+                      <a:pPr algn="just">
+                        <a:lnSpc>
+                          <a:spcPts val="1200"/>
+                        </a:lnSpc>
+                        <a:spcAft>
+                          <a:spcPts val="0"/>
+                        </a:spcAft>
+                      </a:pPr>
+                      <a:r>
+                        <a:rPr lang="nl-NL" sz="800">
+                          <a:effectLst/>
+                        </a:rPr>
+                        <a:t> </a:t>
+                      </a:r>
+                      <a:endParaRPr lang="nl-NL" sz="800">
+                        <a:effectLst/>
+                        <a:latin typeface="Verdana"/>
+                        <a:ea typeface="Times New Roman"/>
+                        <a:cs typeface="Times New Roman"/>
+                      </a:endParaRPr>
+                    </a:p>
+                  </a:txBody>
+                  <a:tcPr marL="68580" marR="68580" marT="0" marB="0"/>
+                </a:tc>
+                <a:tc>
+                  <a:txBody>
+                    <a:bodyPr/>
+                    <a:lstStyle/>
+                    <a:p>
+                      <a:pPr algn="just">
+                        <a:lnSpc>
+                          <a:spcPts val="1200"/>
+                        </a:lnSpc>
+                        <a:spcAft>
+                          <a:spcPts val="0"/>
+                        </a:spcAft>
+                      </a:pPr>
+                      <a:r>
+                        <a:rPr lang="nl-NL" sz="800">
+                          <a:effectLst/>
+                        </a:rPr>
+                        <a:t>Datum vaststelling</a:t>
+                      </a:r>
+                      <a:endParaRPr lang="nl-NL" sz="800">
+                        <a:effectLst/>
+                        <a:latin typeface="Verdana"/>
+                        <a:ea typeface="Times New Roman"/>
+                        <a:cs typeface="Times New Roman"/>
+                      </a:endParaRPr>
+                    </a:p>
+                  </a:txBody>
+                  <a:tcPr marL="68580" marR="68580" marT="0" marB="0"/>
+                </a:tc>
+                <a:tc>
+                  <a:txBody>
+                    <a:bodyPr/>
+                    <a:lstStyle/>
+                    <a:p>
+                      <a:pPr algn="just">
+                        <a:lnSpc>
+                          <a:spcPts val="1200"/>
+                        </a:lnSpc>
+                        <a:spcAft>
+                          <a:spcPts val="0"/>
+                        </a:spcAft>
+                      </a:pPr>
+                      <a:r>
+                        <a:rPr lang="nl-NL" sz="800">
+                          <a:effectLst/>
+                        </a:rPr>
+                        <a:t>3-12-2019</a:t>
+                      </a:r>
+                      <a:endParaRPr lang="nl-NL" sz="800">
+                        <a:effectLst/>
+                        <a:latin typeface="Verdana"/>
+                        <a:ea typeface="Times New Roman"/>
+                        <a:cs typeface="Times New Roman"/>
+                      </a:endParaRPr>
+                    </a:p>
+                  </a:txBody>
+                  <a:tcPr marL="68580" marR="68580" marT="0" marB="0"/>
+                </a:tc>
+              </a:tr>
+              <a:tr h="0">
+                <a:tc>
+                  <a:txBody>
+                    <a:bodyPr/>
+                    <a:lstStyle/>
+                    <a:p>
+                      <a:pPr algn="just">
+                        <a:lnSpc>
+                          <a:spcPts val="1200"/>
+                        </a:lnSpc>
+                        <a:spcAft>
+                          <a:spcPts val="0"/>
+                        </a:spcAft>
+                      </a:pPr>
+                      <a:r>
+                        <a:rPr lang="nl-NL" sz="800">
+                          <a:effectLst/>
+                        </a:rPr>
+                        <a:t> </a:t>
+                      </a:r>
+                      <a:endParaRPr lang="nl-NL" sz="800">
+                        <a:effectLst/>
+                        <a:latin typeface="Verdana"/>
+                        <a:ea typeface="Times New Roman"/>
+                        <a:cs typeface="Times New Roman"/>
+                      </a:endParaRPr>
+                    </a:p>
+                  </a:txBody>
+                  <a:tcPr marL="68580" marR="68580" marT="0" marB="0"/>
+                </a:tc>
+                <a:tc>
+                  <a:txBody>
+                    <a:bodyPr/>
+                    <a:lstStyle/>
+                    <a:p>
+                      <a:pPr algn="just">
+                        <a:lnSpc>
+                          <a:spcPts val="1200"/>
+                        </a:lnSpc>
+                        <a:spcAft>
+                          <a:spcPts val="0"/>
+                        </a:spcAft>
+                      </a:pPr>
+                      <a:r>
+                        <a:rPr lang="nl-NL" sz="800">
+                          <a:effectLst/>
+                        </a:rPr>
+                        <a:t>Datum bekendmaking</a:t>
+                      </a:r>
+                      <a:endParaRPr lang="nl-NL" sz="800">
+                        <a:effectLst/>
+                        <a:latin typeface="Verdana"/>
+                        <a:ea typeface="Times New Roman"/>
+                        <a:cs typeface="Times New Roman"/>
+                      </a:endParaRPr>
+                    </a:p>
+                  </a:txBody>
+                  <a:tcPr marL="68580" marR="68580" marT="0" marB="0"/>
+                </a:tc>
+                <a:tc>
+                  <a:txBody>
+                    <a:bodyPr/>
+                    <a:lstStyle/>
+                    <a:p>
+                      <a:pPr algn="just">
+                        <a:lnSpc>
+                          <a:spcPts val="1200"/>
+                        </a:lnSpc>
+                        <a:spcAft>
+                          <a:spcPts val="0"/>
+                        </a:spcAft>
+                      </a:pPr>
+                      <a:r>
+                        <a:rPr lang="nl-NL" sz="800">
+                          <a:effectLst/>
+                        </a:rPr>
+                        <a:t>5-12-2019</a:t>
+                      </a:r>
+                      <a:endParaRPr lang="nl-NL" sz="800">
+                        <a:effectLst/>
+                        <a:latin typeface="Verdana"/>
+                        <a:ea typeface="Times New Roman"/>
+                        <a:cs typeface="Times New Roman"/>
+                      </a:endParaRPr>
+                    </a:p>
+                  </a:txBody>
+                  <a:tcPr marL="68580" marR="68580" marT="0" marB="0"/>
+                </a:tc>
+              </a:tr>
+              <a:tr h="0">
+                <a:tc>
+                  <a:txBody>
+                    <a:bodyPr/>
+                    <a:lstStyle/>
+                    <a:p>
+                      <a:pPr algn="just">
+                        <a:lnSpc>
+                          <a:spcPts val="1200"/>
+                        </a:lnSpc>
+                        <a:spcAft>
+                          <a:spcPts val="0"/>
+                        </a:spcAft>
+                      </a:pPr>
+                      <a:r>
+                        <a:rPr lang="nl-NL" sz="800">
+                          <a:effectLst/>
+                        </a:rPr>
+                        <a:t> </a:t>
+                      </a:r>
+                      <a:endParaRPr lang="nl-NL" sz="800">
+                        <a:effectLst/>
+                        <a:latin typeface="Verdana"/>
+                        <a:ea typeface="Times New Roman"/>
+                        <a:cs typeface="Times New Roman"/>
+                      </a:endParaRPr>
+                    </a:p>
+                  </a:txBody>
+                  <a:tcPr marL="68580" marR="68580" marT="0" marB="0"/>
+                </a:tc>
+                <a:tc>
+                  <a:txBody>
+                    <a:bodyPr/>
+                    <a:lstStyle/>
+                    <a:p>
+                      <a:pPr algn="just">
+                        <a:lnSpc>
+                          <a:spcPts val="1200"/>
+                        </a:lnSpc>
+                        <a:spcAft>
+                          <a:spcPts val="0"/>
+                        </a:spcAft>
+                      </a:pPr>
+                      <a:r>
+                        <a:rPr lang="nl-NL" sz="800">
+                          <a:effectLst/>
+                        </a:rPr>
+                        <a:t>Tijdstip registratie ROD</a:t>
+                      </a:r>
+                      <a:endParaRPr lang="nl-NL" sz="800">
+                        <a:effectLst/>
+                        <a:latin typeface="Verdana"/>
+                        <a:ea typeface="Times New Roman"/>
+                        <a:cs typeface="Times New Roman"/>
+                      </a:endParaRPr>
+                    </a:p>
+                  </a:txBody>
+                  <a:tcPr marL="68580" marR="68580" marT="0" marB="0"/>
+                </a:tc>
+                <a:tc>
+                  <a:txBody>
+                    <a:bodyPr/>
+                    <a:lstStyle/>
+                    <a:p>
+                      <a:pPr algn="just">
+                        <a:lnSpc>
+                          <a:spcPts val="1200"/>
+                        </a:lnSpc>
+                        <a:spcAft>
+                          <a:spcPts val="0"/>
+                        </a:spcAft>
+                      </a:pPr>
+                      <a:r>
+                        <a:rPr lang="nl-NL" sz="800">
+                          <a:effectLst/>
+                        </a:rPr>
+                        <a:t>7-12-2019</a:t>
+                      </a:r>
+                      <a:endParaRPr lang="nl-NL" sz="800">
+                        <a:effectLst/>
+                        <a:latin typeface="Verdana"/>
+                        <a:ea typeface="Times New Roman"/>
+                        <a:cs typeface="Times New Roman"/>
+                      </a:endParaRPr>
+                    </a:p>
+                  </a:txBody>
+                  <a:tcPr marL="68580" marR="68580" marT="0" marB="0"/>
+                </a:tc>
+              </a:tr>
+              <a:tr h="0">
+                <a:tc>
+                  <a:txBody>
+                    <a:bodyPr/>
+                    <a:lstStyle/>
+                    <a:p>
+                      <a:pPr algn="just">
+                        <a:lnSpc>
+                          <a:spcPts val="1200"/>
+                        </a:lnSpc>
+                        <a:spcAft>
+                          <a:spcPts val="0"/>
+                        </a:spcAft>
+                      </a:pPr>
+                      <a:r>
+                        <a:rPr lang="nl-NL" sz="800">
+                          <a:effectLst/>
+                        </a:rPr>
+                        <a:t> </a:t>
+                      </a:r>
+                      <a:endParaRPr lang="nl-NL" sz="800">
+                        <a:effectLst/>
+                        <a:latin typeface="Verdana"/>
+                        <a:ea typeface="Times New Roman"/>
+                        <a:cs typeface="Times New Roman"/>
+                      </a:endParaRPr>
+                    </a:p>
+                  </a:txBody>
+                  <a:tcPr marL="68580" marR="68580" marT="0" marB="0"/>
+                </a:tc>
+                <a:tc>
+                  <a:txBody>
+                    <a:bodyPr/>
+                    <a:lstStyle/>
+                    <a:p>
+                      <a:pPr algn="just">
+                        <a:lnSpc>
+                          <a:spcPts val="1200"/>
+                        </a:lnSpc>
+                        <a:spcAft>
+                          <a:spcPts val="0"/>
+                        </a:spcAft>
+                      </a:pPr>
+                      <a:r>
+                        <a:rPr lang="nl-NL" sz="800">
+                          <a:effectLst/>
+                        </a:rPr>
+                        <a:t>Eind registratie ROD</a:t>
+                      </a:r>
+                      <a:endParaRPr lang="nl-NL" sz="800">
+                        <a:effectLst/>
+                        <a:latin typeface="Verdana"/>
+                        <a:ea typeface="Times New Roman"/>
+                        <a:cs typeface="Times New Roman"/>
+                      </a:endParaRPr>
+                    </a:p>
+                  </a:txBody>
+                  <a:tcPr marL="68580" marR="68580" marT="0" marB="0"/>
+                </a:tc>
+                <a:tc>
+                  <a:txBody>
+                    <a:bodyPr/>
+                    <a:lstStyle/>
+                    <a:p>
+                      <a:pPr algn="just">
+                        <a:lnSpc>
+                          <a:spcPts val="1200"/>
+                        </a:lnSpc>
+                        <a:spcAft>
+                          <a:spcPts val="0"/>
+                        </a:spcAft>
+                      </a:pPr>
+                      <a:r>
+                        <a:rPr lang="nl-NL" sz="800" dirty="0">
+                          <a:effectLst/>
+                        </a:rPr>
+                        <a:t>Null</a:t>
+                      </a:r>
+                      <a:endParaRPr lang="nl-NL" sz="800" dirty="0">
+                        <a:effectLst/>
+                        <a:latin typeface="Verdana"/>
+                        <a:ea typeface="Times New Roman"/>
+                        <a:cs typeface="Times New Roman"/>
+                      </a:endParaRPr>
+                    </a:p>
+                  </a:txBody>
+                  <a:tcPr marL="68580" marR="68580" marT="0" marB="0"/>
+                </a:tc>
+              </a:tr>
+            </a:tbl>
+          </a:graphicData>
+        </a:graphic>
+      </p:graphicFrame>
+      <p:sp>
+        <p:nvSpPr>
+          <p:cNvPr id="3" name="Rectangle 2"/>
+          <p:cNvSpPr/>
+          <p:nvPr/>
+        </p:nvSpPr>
+        <p:spPr>
+          <a:xfrm>
+            <a:off x="0" y="2852936"/>
+            <a:ext cx="4572000" cy="1200329"/>
+          </a:xfrm>
+          <a:prstGeom prst="rect">
+            <a:avLst/>
+          </a:prstGeom>
+        </p:spPr>
+        <p:txBody>
+          <a:bodyPr>
+            <a:spAutoFit/>
+          </a:bodyPr>
+          <a:lstStyle/>
+          <a:p>
+            <a:r>
+              <a:rPr lang="nl-NL" dirty="0"/>
+              <a:t>Op een tijdstip t4 (3-12-2019 uit onderstaand scenario) stelt een bevoegd gezag een omgevingsdocument vast en biedt dit (op 7-12-2019) aan de registratie aan.</a:t>
+            </a:r>
+          </a:p>
+        </p:txBody>
+      </p:sp>
+    </p:spTree>
+    <p:extLst>
+      <p:ext uri="{BB962C8B-B14F-4D97-AF65-F5344CB8AC3E}">
+        <p14:creationId xmlns:p14="http://schemas.microsoft.com/office/powerpoint/2010/main" xmlns="" val="1050796703"/>
+      </p:ext>
+    </p:extLst>
+  </p:cSld>
+  <p:clrMapOvr>
+    <a:masterClrMapping/>
+  </p:clrMapOvr>
 </p:sld>
 </file>
 

--- a/Modeldocument/IMOD versie05.pptx
+++ b/Modeldocument/IMOD versie05.pptx
@@ -212,7 +212,7 @@
             <a:fld id="{8F0A3BA6-D212-4021-9C58-E1A860230F97}" type="datetimeFigureOut">
               <a:rPr lang="nl-NL" smtClean="0"/>
               <a:pPr/>
-              <a:t>30-3-2016</a:t>
+              <a:t>6-4-2016</a:t>
             </a:fld>
             <a:endParaRPr lang="nl-NL"/>
           </a:p>
@@ -380,7 +380,7 @@
             <a:fld id="{9DDF62C1-85BA-45F7-BA8A-ECE90345B80D}" type="datetimeFigureOut">
               <a:rPr lang="nl-NL" smtClean="0"/>
               <a:pPr/>
-              <a:t>30-3-2016</a:t>
+              <a:t>6-4-2016</a:t>
             </a:fld>
             <a:endParaRPr lang="nl-NL"/>
           </a:p>
@@ -3364,6 +3364,13 @@
   <p:clrMapOvr>
     <a:masterClrMapping/>
   </p:clrMapOvr>
+  <p:timing>
+    <p:tnLst>
+      <p:par>
+        <p:cTn id="1" dur="indefinite" restart="never" nodeType="tmRoot"/>
+      </p:par>
+    </p:tnLst>
+  </p:timing>
 </p:sld>
 </file>
 
@@ -3394,7 +3401,12 @@
             <p:ph type="title"/>
           </p:nvPr>
         </p:nvSpPr>
-        <p:spPr/>
+        <p:spPr>
+          <a:xfrm>
+            <a:off x="-252536" y="0"/>
+            <a:ext cx="8229600" cy="1143000"/>
+          </a:xfrm>
+        </p:spPr>
         <p:txBody>
           <a:bodyPr>
             <a:normAutofit/>
@@ -4279,7 +4291,7 @@
         </p:nvSpPr>
         <p:spPr>
           <a:xfrm>
-            <a:off x="1763688" y="1124744"/>
+            <a:off x="3707904" y="1196752"/>
             <a:ext cx="4572000" cy="1477328"/>
           </a:xfrm>
           <a:prstGeom prst="rect">
@@ -4309,6 +4321,13 @@
   <p:clrMapOvr>
     <a:masterClrMapping/>
   </p:clrMapOvr>
+  <p:timing>
+    <p:tnLst>
+      <p:par>
+        <p:cTn id="1" dur="indefinite" restart="never" nodeType="tmRoot"/>
+      </p:par>
+    </p:tnLst>
+  </p:timing>
 </p:sld>
 </file>
 
@@ -4339,7 +4358,12 @@
             <p:ph type="title"/>
           </p:nvPr>
         </p:nvSpPr>
-        <p:spPr/>
+        <p:spPr>
+          <a:xfrm>
+            <a:off x="0" y="332656"/>
+            <a:ext cx="8229600" cy="1143000"/>
+          </a:xfrm>
+        </p:spPr>
         <p:txBody>
           <a:bodyPr>
             <a:noAutofit/>
@@ -5261,6 +5285,13 @@
   <p:clrMapOvr>
     <a:masterClrMapping/>
   </p:clrMapOvr>
+  <p:timing>
+    <p:tnLst>
+      <p:par>
+        <p:cTn id="1" dur="indefinite" restart="never" nodeType="tmRoot"/>
+      </p:par>
+    </p:tnLst>
+  </p:timing>
 </p:sld>
 </file>
 
@@ -5291,7 +5322,12 @@
             <p:ph type="title"/>
           </p:nvPr>
         </p:nvSpPr>
-        <p:spPr/>
+        <p:spPr>
+          <a:xfrm>
+            <a:off x="0" y="332656"/>
+            <a:ext cx="8229600" cy="1143000"/>
+          </a:xfrm>
+        </p:spPr>
         <p:txBody>
           <a:bodyPr>
             <a:noAutofit/>
@@ -6213,6 +6249,13 @@
   <p:clrMapOvr>
     <a:masterClrMapping/>
   </p:clrMapOvr>
+  <p:timing>
+    <p:tnLst>
+      <p:par>
+        <p:cTn id="1" dur="indefinite" restart="never" nodeType="tmRoot"/>
+      </p:par>
+    </p:tnLst>
+  </p:timing>
 </p:sld>
 </file>
 
@@ -6243,7 +6286,12 @@
             <p:ph type="title"/>
           </p:nvPr>
         </p:nvSpPr>
-        <p:spPr/>
+        <p:spPr>
+          <a:xfrm>
+            <a:off x="0" y="260648"/>
+            <a:ext cx="8229600" cy="1143000"/>
+          </a:xfrm>
+        </p:spPr>
         <p:txBody>
           <a:bodyPr>
             <a:noAutofit/>
@@ -7165,6 +7213,13 @@
   <p:clrMapOvr>
     <a:masterClrMapping/>
   </p:clrMapOvr>
+  <p:timing>
+    <p:tnLst>
+      <p:par>
+        <p:cTn id="1" dur="indefinite" restart="never" nodeType="tmRoot"/>
+      </p:par>
+    </p:tnLst>
+  </p:timing>
 </p:sld>
 </file>
 

--- a/Modeldocument/IMOD versie05.pptx
+++ b/Modeldocument/IMOD versie05.pptx
@@ -5,29 +5,31 @@
     <p:sldMasterId id="2147483648" r:id="rId1"/>
   </p:sldMasterIdLst>
   <p:notesMasterIdLst>
-    <p:notesMasterId r:id="rId19"/>
+    <p:notesMasterId r:id="rId21"/>
   </p:notesMasterIdLst>
   <p:handoutMasterIdLst>
-    <p:handoutMasterId r:id="rId20"/>
+    <p:handoutMasterId r:id="rId22"/>
   </p:handoutMasterIdLst>
   <p:sldIdLst>
     <p:sldId id="256" r:id="rId2"/>
-    <p:sldId id="282" r:id="rId3"/>
-    <p:sldId id="283" r:id="rId4"/>
-    <p:sldId id="284" r:id="rId5"/>
-    <p:sldId id="281" r:id="rId6"/>
-    <p:sldId id="292" r:id="rId7"/>
-    <p:sldId id="286" r:id="rId8"/>
-    <p:sldId id="285" r:id="rId9"/>
-    <p:sldId id="287" r:id="rId10"/>
-    <p:sldId id="293" r:id="rId11"/>
-    <p:sldId id="290" r:id="rId12"/>
-    <p:sldId id="288" r:id="rId13"/>
-    <p:sldId id="294" r:id="rId14"/>
-    <p:sldId id="295" r:id="rId15"/>
-    <p:sldId id="296" r:id="rId16"/>
-    <p:sldId id="297" r:id="rId17"/>
-    <p:sldId id="298" r:id="rId18"/>
+    <p:sldId id="300" r:id="rId3"/>
+    <p:sldId id="282" r:id="rId4"/>
+    <p:sldId id="283" r:id="rId5"/>
+    <p:sldId id="284" r:id="rId6"/>
+    <p:sldId id="299" r:id="rId7"/>
+    <p:sldId id="281" r:id="rId8"/>
+    <p:sldId id="292" r:id="rId9"/>
+    <p:sldId id="286" r:id="rId10"/>
+    <p:sldId id="285" r:id="rId11"/>
+    <p:sldId id="287" r:id="rId12"/>
+    <p:sldId id="293" r:id="rId13"/>
+    <p:sldId id="290" r:id="rId14"/>
+    <p:sldId id="288" r:id="rId15"/>
+    <p:sldId id="294" r:id="rId16"/>
+    <p:sldId id="295" r:id="rId17"/>
+    <p:sldId id="296" r:id="rId18"/>
+    <p:sldId id="297" r:id="rId19"/>
+    <p:sldId id="298" r:id="rId20"/>
   </p:sldIdLst>
   <p:sldSz cx="9144000" cy="6858000" type="screen4x3"/>
   <p:notesSz cx="6858000" cy="9144000"/>
@@ -212,7 +214,7 @@
             <a:fld id="{8F0A3BA6-D212-4021-9C58-E1A860230F97}" type="datetimeFigureOut">
               <a:rPr lang="nl-NL" smtClean="0"/>
               <a:pPr/>
-              <a:t>6-4-2016</a:t>
+              <a:t>19-4-2016</a:t>
             </a:fld>
             <a:endParaRPr lang="nl-NL"/>
           </a:p>
@@ -288,7 +290,7 @@
     </p:spTree>
     <p:extLst>
       <p:ext uri="{BB962C8B-B14F-4D97-AF65-F5344CB8AC3E}">
-        <p14:creationId xmlns="" xmlns:p14="http://schemas.microsoft.com/office/powerpoint/2010/main" val="2270529149"/>
+        <p14:creationId xmlns:p14="http://schemas.microsoft.com/office/powerpoint/2010/main" xmlns="" val="2270529149"/>
       </p:ext>
     </p:extLst>
   </p:cSld>
@@ -380,7 +382,7 @@
             <a:fld id="{9DDF62C1-85BA-45F7-BA8A-ECE90345B80D}" type="datetimeFigureOut">
               <a:rPr lang="nl-NL" smtClean="0"/>
               <a:pPr/>
-              <a:t>6-4-2016</a:t>
+              <a:t>19-4-2016</a:t>
             </a:fld>
             <a:endParaRPr lang="nl-NL"/>
           </a:p>
@@ -549,7 +551,7 @@
     </p:spTree>
     <p:extLst>
       <p:ext uri="{BB962C8B-B14F-4D97-AF65-F5344CB8AC3E}">
-        <p14:creationId xmlns="" xmlns:p14="http://schemas.microsoft.com/office/powerpoint/2010/main" val="3636464660"/>
+        <p14:creationId xmlns:p14="http://schemas.microsoft.com/office/powerpoint/2010/main" xmlns="" val="3636464660"/>
       </p:ext>
     </p:extLst>
   </p:cSld>
@@ -841,7 +843,7 @@
           <a:blip r:embed="rId2" cstate="print">
             <a:extLst>
               <a:ext uri="{28A0092B-C50C-407E-A947-70E740481C1C}">
-                <a14:useLocalDpi xmlns="" xmlns:a14="http://schemas.microsoft.com/office/drawing/2010/main" val="0"/>
+                <a14:useLocalDpi xmlns:a14="http://schemas.microsoft.com/office/drawing/2010/main" xmlns="" val="0"/>
               </a:ext>
             </a:extLst>
           </a:blip>
@@ -910,7 +912,7 @@
     </p:spTree>
     <p:extLst>
       <p:ext uri="{BB962C8B-B14F-4D97-AF65-F5344CB8AC3E}">
-        <p14:creationId xmlns="" xmlns:p14="http://schemas.microsoft.com/office/powerpoint/2010/main" val="3678984283"/>
+        <p14:creationId xmlns:p14="http://schemas.microsoft.com/office/powerpoint/2010/main" xmlns="" val="3678984283"/>
       </p:ext>
     </p:extLst>
   </p:cSld>
@@ -1056,7 +1058,7 @@
           <a:blip r:embed="rId2" cstate="print">
             <a:extLst>
               <a:ext uri="{28A0092B-C50C-407E-A947-70E740481C1C}">
-                <a14:useLocalDpi xmlns="" xmlns:a14="http://schemas.microsoft.com/office/drawing/2010/main" val="0"/>
+                <a14:useLocalDpi xmlns:a14="http://schemas.microsoft.com/office/drawing/2010/main" xmlns="" val="0"/>
               </a:ext>
             </a:extLst>
           </a:blip>
@@ -1125,7 +1127,7 @@
     </p:spTree>
     <p:extLst>
       <p:ext uri="{BB962C8B-B14F-4D97-AF65-F5344CB8AC3E}">
-        <p14:creationId xmlns="" xmlns:p14="http://schemas.microsoft.com/office/powerpoint/2010/main" val="223194721"/>
+        <p14:creationId xmlns:p14="http://schemas.microsoft.com/office/powerpoint/2010/main" xmlns="" val="223194721"/>
       </p:ext>
     </p:extLst>
   </p:cSld>
@@ -1337,7 +1339,7 @@
           <a:blip r:embed="rId2" cstate="print">
             <a:extLst>
               <a:ext uri="{28A0092B-C50C-407E-A947-70E740481C1C}">
-                <a14:useLocalDpi xmlns="" xmlns:a14="http://schemas.microsoft.com/office/drawing/2010/main" val="0"/>
+                <a14:useLocalDpi xmlns:a14="http://schemas.microsoft.com/office/drawing/2010/main" xmlns="" val="0"/>
               </a:ext>
             </a:extLst>
           </a:blip>
@@ -1406,7 +1408,7 @@
     </p:spTree>
     <p:extLst>
       <p:ext uri="{BB962C8B-B14F-4D97-AF65-F5344CB8AC3E}">
-        <p14:creationId xmlns="" xmlns:p14="http://schemas.microsoft.com/office/powerpoint/2010/main" val="3627630185"/>
+        <p14:creationId xmlns:p14="http://schemas.microsoft.com/office/powerpoint/2010/main" xmlns="" val="3627630185"/>
       </p:ext>
     </p:extLst>
   </p:cSld>
@@ -1474,7 +1476,7 @@
           <a:blip r:embed="rId2" cstate="print">
             <a:extLst>
               <a:ext uri="{28A0092B-C50C-407E-A947-70E740481C1C}">
-                <a14:useLocalDpi xmlns="" xmlns:a14="http://schemas.microsoft.com/office/drawing/2010/main" val="0"/>
+                <a14:useLocalDpi xmlns:a14="http://schemas.microsoft.com/office/drawing/2010/main" xmlns="" val="0"/>
               </a:ext>
             </a:extLst>
           </a:blip>
@@ -1543,7 +1545,7 @@
     </p:spTree>
     <p:extLst>
       <p:ext uri="{BB962C8B-B14F-4D97-AF65-F5344CB8AC3E}">
-        <p14:creationId xmlns="" xmlns:p14="http://schemas.microsoft.com/office/powerpoint/2010/main" val="247022888"/>
+        <p14:creationId xmlns:p14="http://schemas.microsoft.com/office/powerpoint/2010/main" xmlns="" val="247022888"/>
       </p:ext>
     </p:extLst>
   </p:cSld>
@@ -1714,7 +1716,7 @@
           <a:blip r:embed="rId2" cstate="print">
             <a:extLst>
               <a:ext uri="{28A0092B-C50C-407E-A947-70E740481C1C}">
-                <a14:useLocalDpi xmlns="" xmlns:a14="http://schemas.microsoft.com/office/drawing/2010/main" val="0"/>
+                <a14:useLocalDpi xmlns:a14="http://schemas.microsoft.com/office/drawing/2010/main" xmlns="" val="0"/>
               </a:ext>
             </a:extLst>
           </a:blip>
@@ -1783,7 +1785,7 @@
     </p:spTree>
     <p:extLst>
       <p:ext uri="{BB962C8B-B14F-4D97-AF65-F5344CB8AC3E}">
-        <p14:creationId xmlns="" xmlns:p14="http://schemas.microsoft.com/office/powerpoint/2010/main" val="636275373"/>
+        <p14:creationId xmlns:p14="http://schemas.microsoft.com/office/powerpoint/2010/main" xmlns="" val="636275373"/>
       </p:ext>
     </p:extLst>
   </p:cSld>
@@ -2052,7 +2054,7 @@
     </p:spTree>
     <p:extLst>
       <p:ext uri="{BB962C8B-B14F-4D97-AF65-F5344CB8AC3E}">
-        <p14:creationId xmlns="" xmlns:p14="http://schemas.microsoft.com/office/powerpoint/2010/main" val="910269114"/>
+        <p14:creationId xmlns:p14="http://schemas.microsoft.com/office/powerpoint/2010/main" xmlns="" val="910269114"/>
       </p:ext>
     </p:extLst>
   </p:cSld>
@@ -2098,7 +2100,7 @@
           <a:blip r:embed="rId2" cstate="print">
             <a:extLst>
               <a:ext uri="{28A0092B-C50C-407E-A947-70E740481C1C}">
-                <a14:useLocalDpi xmlns="" xmlns:a14="http://schemas.microsoft.com/office/drawing/2010/main" val="0"/>
+                <a14:useLocalDpi xmlns:a14="http://schemas.microsoft.com/office/drawing/2010/main" xmlns="" val="0"/>
               </a:ext>
             </a:extLst>
           </a:blip>
@@ -2349,7 +2351,7 @@
     </p:spTree>
     <p:extLst>
       <p:ext uri="{BB962C8B-B14F-4D97-AF65-F5344CB8AC3E}">
-        <p14:creationId xmlns="" xmlns:p14="http://schemas.microsoft.com/office/powerpoint/2010/main" val="2675497945"/>
+        <p14:creationId xmlns:p14="http://schemas.microsoft.com/office/powerpoint/2010/main" xmlns="" val="2675497945"/>
       </p:ext>
     </p:extLst>
   </p:cSld>
@@ -2473,7 +2475,7 @@
           <a:blip r:embed="rId9" cstate="print">
             <a:extLst>
               <a:ext uri="{28A0092B-C50C-407E-A947-70E740481C1C}">
-                <a14:useLocalDpi xmlns="" xmlns:a14="http://schemas.microsoft.com/office/drawing/2010/main" val="0"/>
+                <a14:useLocalDpi xmlns:a14="http://schemas.microsoft.com/office/drawing/2010/main" xmlns="" val="0"/>
               </a:ext>
             </a:extLst>
           </a:blip>
@@ -2542,7 +2544,7 @@
     </p:spTree>
     <p:extLst>
       <p:ext uri="{BB962C8B-B14F-4D97-AF65-F5344CB8AC3E}">
-        <p14:creationId xmlns="" xmlns:p14="http://schemas.microsoft.com/office/powerpoint/2010/main" val="1235826258"/>
+        <p14:creationId xmlns:p14="http://schemas.microsoft.com/office/powerpoint/2010/main" xmlns="" val="1235826258"/>
       </p:ext>
     </p:extLst>
   </p:cSld>
@@ -2886,7 +2888,7 @@
     </p:spTree>
     <p:extLst>
       <p:ext uri="{BB962C8B-B14F-4D97-AF65-F5344CB8AC3E}">
-        <p14:creationId xmlns="" xmlns:p14="http://schemas.microsoft.com/office/powerpoint/2010/main" val="2757318496"/>
+        <p14:creationId xmlns:p14="http://schemas.microsoft.com/office/powerpoint/2010/main" xmlns="" val="2757318496"/>
       </p:ext>
     </p:extLst>
   </p:cSld>
@@ -2904,6 +2906,316 @@
 </file>
 
 <file path=ppt/slides/slide10.xml><?xml version="1.0" encoding="utf-8"?>
+<p:sld xmlns:a="http://schemas.openxmlformats.org/drawingml/2006/main" xmlns:r="http://schemas.openxmlformats.org/officeDocument/2006/relationships" xmlns:p="http://schemas.openxmlformats.org/presentationml/2006/main">
+  <p:cSld>
+    <p:spTree>
+      <p:nvGrpSpPr>
+        <p:cNvPr id="1" name=""/>
+        <p:cNvGrpSpPr/>
+        <p:nvPr/>
+      </p:nvGrpSpPr>
+      <p:grpSpPr>
+        <a:xfrm>
+          <a:off x="0" y="0"/>
+          <a:ext cx="0" cy="0"/>
+          <a:chOff x="0" y="0"/>
+          <a:chExt cx="0" cy="0"/>
+        </a:xfrm>
+      </p:grpSpPr>
+      <p:pic>
+        <p:nvPicPr>
+          <p:cNvPr id="4" name="Afbeelding 3" descr="IMORmodel.wmf"/>
+          <p:cNvPicPr>
+            <a:picLocks noChangeAspect="1"/>
+          </p:cNvPicPr>
+          <p:nvPr/>
+        </p:nvPicPr>
+        <p:blipFill>
+          <a:blip r:embed="rId2" cstate="print"/>
+          <a:stretch>
+            <a:fillRect/>
+          </a:stretch>
+        </p:blipFill>
+        <p:spPr>
+          <a:xfrm>
+            <a:off x="-6805264" y="0"/>
+            <a:ext cx="16462633" cy="10966493"/>
+          </a:xfrm>
+          <a:prstGeom prst="rect">
+            <a:avLst/>
+          </a:prstGeom>
+        </p:spPr>
+      </p:pic>
+      <p:sp>
+        <p:nvSpPr>
+          <p:cNvPr id="5" name="Afgeronde rechthoek 4"/>
+          <p:cNvSpPr/>
+          <p:nvPr/>
+        </p:nvSpPr>
+        <p:spPr>
+          <a:xfrm>
+            <a:off x="5940152" y="0"/>
+            <a:ext cx="3203848" cy="1196752"/>
+          </a:xfrm>
+          <a:prstGeom prst="roundRect">
+            <a:avLst/>
+          </a:prstGeom>
+        </p:spPr>
+        <p:style>
+          <a:lnRef idx="2">
+            <a:schemeClr val="accent1">
+              <a:shade val="50000"/>
+            </a:schemeClr>
+          </a:lnRef>
+          <a:fillRef idx="1">
+            <a:schemeClr val="accent1"/>
+          </a:fillRef>
+          <a:effectRef idx="0">
+            <a:schemeClr val="accent1"/>
+          </a:effectRef>
+          <a:fontRef idx="minor">
+            <a:schemeClr val="lt1"/>
+          </a:fontRef>
+        </p:style>
+        <p:txBody>
+          <a:bodyPr rtlCol="0" anchor="ctr"/>
+          <a:lstStyle/>
+          <a:p>
+            <a:pPr algn="ctr"/>
+            <a:endParaRPr lang="nl-NL"/>
+          </a:p>
+        </p:txBody>
+      </p:sp>
+      <p:sp>
+        <p:nvSpPr>
+          <p:cNvPr id="6" name="Tekstvak 5"/>
+          <p:cNvSpPr txBox="1"/>
+          <p:nvPr/>
+        </p:nvSpPr>
+        <p:spPr>
+          <a:xfrm>
+            <a:off x="5940152" y="144016"/>
+            <a:ext cx="3563888" cy="1323439"/>
+          </a:xfrm>
+          <a:prstGeom prst="rect">
+            <a:avLst/>
+          </a:prstGeom>
+          <a:noFill/>
+        </p:spPr>
+        <p:txBody>
+          <a:bodyPr wrap="square" rtlCol="0">
+            <a:spAutoFit/>
+          </a:bodyPr>
+          <a:lstStyle/>
+          <a:p>
+            <a:r>
+              <a:rPr lang="nl-NL" sz="2000" b="1" dirty="0" smtClean="0">
+                <a:solidFill>
+                  <a:schemeClr val="bg1"/>
+                </a:solidFill>
+                <a:latin typeface="Verdana" pitchFamily="34" charset="0"/>
+                <a:ea typeface="Verdana" pitchFamily="34" charset="0"/>
+                <a:cs typeface="Verdana" pitchFamily="34" charset="0"/>
+              </a:rPr>
+              <a:t>Waarde geeft inhoud aan eigenschappen</a:t>
+            </a:r>
+          </a:p>
+          <a:p>
+            <a:endParaRPr lang="nl-NL" sz="2000" b="1" dirty="0" smtClean="0">
+              <a:solidFill>
+                <a:schemeClr val="bg1"/>
+              </a:solidFill>
+              <a:latin typeface="Verdana" pitchFamily="34" charset="0"/>
+              <a:ea typeface="Verdana" pitchFamily="34" charset="0"/>
+              <a:cs typeface="Verdana" pitchFamily="34" charset="0"/>
+            </a:endParaRPr>
+          </a:p>
+          <a:p>
+            <a:endParaRPr lang="nl-NL" sz="2000" b="1" dirty="0">
+              <a:solidFill>
+                <a:schemeClr val="bg1"/>
+              </a:solidFill>
+              <a:latin typeface="Verdana" pitchFamily="34" charset="0"/>
+              <a:ea typeface="Verdana" pitchFamily="34" charset="0"/>
+              <a:cs typeface="Verdana" pitchFamily="34" charset="0"/>
+            </a:endParaRPr>
+          </a:p>
+        </p:txBody>
+      </p:sp>
+    </p:spTree>
+  </p:cSld>
+  <p:clrMapOvr>
+    <a:masterClrMapping/>
+  </p:clrMapOvr>
+  <p:timing>
+    <p:tnLst>
+      <p:par>
+        <p:cTn id="1" dur="indefinite" restart="never" nodeType="tmRoot"/>
+      </p:par>
+    </p:tnLst>
+  </p:timing>
+</p:sld>
+</file>
+
+<file path=ppt/slides/slide11.xml><?xml version="1.0" encoding="utf-8"?>
+<p:sld xmlns:a="http://schemas.openxmlformats.org/drawingml/2006/main" xmlns:r="http://schemas.openxmlformats.org/officeDocument/2006/relationships" xmlns:p="http://schemas.openxmlformats.org/presentationml/2006/main">
+  <p:cSld>
+    <p:spTree>
+      <p:nvGrpSpPr>
+        <p:cNvPr id="1" name=""/>
+        <p:cNvGrpSpPr/>
+        <p:nvPr/>
+      </p:nvGrpSpPr>
+      <p:grpSpPr>
+        <a:xfrm>
+          <a:off x="0" y="0"/>
+          <a:ext cx="0" cy="0"/>
+          <a:chOff x="0" y="0"/>
+          <a:chExt cx="0" cy="0"/>
+        </a:xfrm>
+      </p:grpSpPr>
+      <p:pic>
+        <p:nvPicPr>
+          <p:cNvPr id="4" name="Afbeelding 3"/>
+          <p:cNvPicPr/>
+          <p:nvPr/>
+        </p:nvPicPr>
+        <p:blipFill>
+          <a:blip r:embed="rId2" cstate="print"/>
+          <a:srcRect/>
+          <a:stretch>
+            <a:fillRect/>
+          </a:stretch>
+        </p:blipFill>
+        <p:spPr bwMode="auto">
+          <a:xfrm>
+            <a:off x="323528" y="1579728"/>
+            <a:ext cx="7128792" cy="5278272"/>
+          </a:xfrm>
+          <a:prstGeom prst="rect">
+            <a:avLst/>
+          </a:prstGeom>
+          <a:noFill/>
+          <a:ln w="9525">
+            <a:noFill/>
+            <a:miter lim="800000"/>
+            <a:headEnd/>
+            <a:tailEnd/>
+          </a:ln>
+        </p:spPr>
+      </p:pic>
+      <p:sp>
+        <p:nvSpPr>
+          <p:cNvPr id="5" name="Afgeronde rechthoek 4"/>
+          <p:cNvSpPr/>
+          <p:nvPr/>
+        </p:nvSpPr>
+        <p:spPr>
+          <a:xfrm>
+            <a:off x="5940152" y="0"/>
+            <a:ext cx="3203848" cy="1196752"/>
+          </a:xfrm>
+          <a:prstGeom prst="roundRect">
+            <a:avLst/>
+          </a:prstGeom>
+        </p:spPr>
+        <p:style>
+          <a:lnRef idx="2">
+            <a:schemeClr val="accent1">
+              <a:shade val="50000"/>
+            </a:schemeClr>
+          </a:lnRef>
+          <a:fillRef idx="1">
+            <a:schemeClr val="accent1"/>
+          </a:fillRef>
+          <a:effectRef idx="0">
+            <a:schemeClr val="accent1"/>
+          </a:effectRef>
+          <a:fontRef idx="minor">
+            <a:schemeClr val="lt1"/>
+          </a:fontRef>
+        </p:style>
+        <p:txBody>
+          <a:bodyPr rtlCol="0" anchor="ctr"/>
+          <a:lstStyle/>
+          <a:p>
+            <a:pPr algn="ctr"/>
+            <a:endParaRPr lang="nl-NL"/>
+          </a:p>
+        </p:txBody>
+      </p:sp>
+      <p:sp>
+        <p:nvSpPr>
+          <p:cNvPr id="6" name="Tekstvak 5"/>
+          <p:cNvSpPr txBox="1"/>
+          <p:nvPr/>
+        </p:nvSpPr>
+        <p:spPr>
+          <a:xfrm>
+            <a:off x="5940152" y="144016"/>
+            <a:ext cx="3563888" cy="1631216"/>
+          </a:xfrm>
+          <a:prstGeom prst="rect">
+            <a:avLst/>
+          </a:prstGeom>
+          <a:noFill/>
+        </p:spPr>
+        <p:txBody>
+          <a:bodyPr wrap="square" rtlCol="0">
+            <a:spAutoFit/>
+          </a:bodyPr>
+          <a:lstStyle/>
+          <a:p>
+            <a:r>
+              <a:rPr lang="nl-NL" sz="2000" b="1" dirty="0" smtClean="0">
+                <a:solidFill>
+                  <a:schemeClr val="bg1"/>
+                </a:solidFill>
+                <a:latin typeface="Verdana" pitchFamily="34" charset="0"/>
+                <a:ea typeface="Verdana" pitchFamily="34" charset="0"/>
+                <a:cs typeface="Verdana" pitchFamily="34" charset="0"/>
+              </a:rPr>
+              <a:t>Waarde koppelen aan type omgevingsdocument</a:t>
+            </a:r>
+          </a:p>
+          <a:p>
+            <a:endParaRPr lang="nl-NL" sz="2000" b="1" dirty="0" smtClean="0">
+              <a:solidFill>
+                <a:schemeClr val="bg1"/>
+              </a:solidFill>
+              <a:latin typeface="Verdana" pitchFamily="34" charset="0"/>
+              <a:ea typeface="Verdana" pitchFamily="34" charset="0"/>
+              <a:cs typeface="Verdana" pitchFamily="34" charset="0"/>
+            </a:endParaRPr>
+          </a:p>
+          <a:p>
+            <a:endParaRPr lang="nl-NL" sz="2000" b="1" dirty="0">
+              <a:solidFill>
+                <a:schemeClr val="bg1"/>
+              </a:solidFill>
+              <a:latin typeface="Verdana" pitchFamily="34" charset="0"/>
+              <a:ea typeface="Verdana" pitchFamily="34" charset="0"/>
+              <a:cs typeface="Verdana" pitchFamily="34" charset="0"/>
+            </a:endParaRPr>
+          </a:p>
+        </p:txBody>
+      </p:sp>
+    </p:spTree>
+  </p:cSld>
+  <p:clrMapOvr>
+    <a:masterClrMapping/>
+  </p:clrMapOvr>
+  <p:timing>
+    <p:tnLst>
+      <p:par>
+        <p:cTn id="1" dur="indefinite" restart="never" nodeType="tmRoot"/>
+      </p:par>
+    </p:tnLst>
+  </p:timing>
+</p:sld>
+</file>
+
+<file path=ppt/slides/slide12.xml><?xml version="1.0" encoding="utf-8"?>
 <p:sld xmlns:a="http://schemas.openxmlformats.org/drawingml/2006/main" xmlns:r="http://schemas.openxmlformats.org/officeDocument/2006/relationships" xmlns:p="http://schemas.openxmlformats.org/presentationml/2006/main">
   <p:cSld>
     <p:spTree>
@@ -3086,7 +3398,7 @@
 </p:sld>
 </file>
 
-<file path=ppt/slides/slide11.xml><?xml version="1.0" encoding="utf-8"?>
+<file path=ppt/slides/slide13.xml><?xml version="1.0" encoding="utf-8"?>
 <p:sld xmlns:a="http://schemas.openxmlformats.org/drawingml/2006/main" xmlns:r="http://schemas.openxmlformats.org/officeDocument/2006/relationships" xmlns:p="http://schemas.openxmlformats.org/presentationml/2006/main">
   <p:cSld>
     <p:spTree>
@@ -3142,7 +3454,7 @@
 </p:sld>
 </file>
 
-<file path=ppt/slides/slide12.xml><?xml version="1.0" encoding="utf-8"?>
+<file path=ppt/slides/slide14.xml><?xml version="1.0" encoding="utf-8"?>
 <p:sld xmlns:a="http://schemas.openxmlformats.org/drawingml/2006/main" xmlns:r="http://schemas.openxmlformats.org/officeDocument/2006/relationships" xmlns:p="http://schemas.openxmlformats.org/presentationml/2006/main">
   <p:cSld>
     <p:spTree>
@@ -3292,7 +3604,7 @@
 </p:sld>
 </file>
 
-<file path=ppt/slides/slide13.xml><?xml version="1.0" encoding="utf-8"?>
+<file path=ppt/slides/slide15.xml><?xml version="1.0" encoding="utf-8"?>
 <p:sld xmlns:a="http://schemas.openxmlformats.org/drawingml/2006/main" xmlns:r="http://schemas.openxmlformats.org/officeDocument/2006/relationships" xmlns:p="http://schemas.openxmlformats.org/presentationml/2006/main">
   <p:cSld>
     <p:spTree>
@@ -3357,1928 +3669,7 @@
     </p:spTree>
     <p:extLst>
       <p:ext uri="{BB962C8B-B14F-4D97-AF65-F5344CB8AC3E}">
-        <p14:creationId xmlns:p14="http://schemas.microsoft.com/office/powerpoint/2010/main" xmlns="" val="274015372"/>
-      </p:ext>
-    </p:extLst>
-  </p:cSld>
-  <p:clrMapOvr>
-    <a:masterClrMapping/>
-  </p:clrMapOvr>
-  <p:timing>
-    <p:tnLst>
-      <p:par>
-        <p:cTn id="1" dur="indefinite" restart="never" nodeType="tmRoot"/>
-      </p:par>
-    </p:tnLst>
-  </p:timing>
-</p:sld>
-</file>
-
-<file path=ppt/slides/slide14.xml><?xml version="1.0" encoding="utf-8"?>
-<p:sld xmlns:a="http://schemas.openxmlformats.org/drawingml/2006/main" xmlns:r="http://schemas.openxmlformats.org/officeDocument/2006/relationships" xmlns:p="http://schemas.openxmlformats.org/presentationml/2006/main">
-  <p:cSld>
-    <p:spTree>
-      <p:nvGrpSpPr>
-        <p:cNvPr id="1" name=""/>
-        <p:cNvGrpSpPr/>
-        <p:nvPr/>
-      </p:nvGrpSpPr>
-      <p:grpSpPr>
-        <a:xfrm>
-          <a:off x="0" y="0"/>
-          <a:ext cx="0" cy="0"/>
-          <a:chOff x="0" y="0"/>
-          <a:chExt cx="0" cy="0"/>
-        </a:xfrm>
-      </p:grpSpPr>
-      <p:sp>
-        <p:nvSpPr>
-          <p:cNvPr id="2" name="Title 1"/>
-          <p:cNvSpPr>
-            <a:spLocks noGrp="1"/>
-          </p:cNvSpPr>
-          <p:nvPr>
-            <p:ph type="title"/>
-          </p:nvPr>
-        </p:nvSpPr>
-        <p:spPr>
-          <a:xfrm>
-            <a:off x="-252536" y="0"/>
-            <a:ext cx="8229600" cy="1143000"/>
-          </a:xfrm>
-        </p:spPr>
-        <p:txBody>
-          <a:bodyPr>
-            <a:normAutofit/>
-          </a:bodyPr>
-          <a:lstStyle/>
-          <a:p>
-            <a:r>
-              <a:rPr lang="nl-NL" sz="2400" b="1" dirty="0"/>
-              <a:t>Stap 1: Het publiceren van een nieuw omgevingsdocument</a:t>
-            </a:r>
-            <a:endParaRPr lang="nl-NL" sz="2400" dirty="0"/>
-          </a:p>
-        </p:txBody>
-      </p:sp>
-      <p:pic>
-        <p:nvPicPr>
-          <p:cNvPr id="4" name="Picture 3"/>
-          <p:cNvPicPr/>
-          <p:nvPr/>
-        </p:nvPicPr>
-        <p:blipFill>
-          <a:blip r:embed="rId2" cstate="print">
-            <a:extLst>
-              <a:ext uri="{28A0092B-C50C-407E-A947-70E740481C1C}">
-                <a14:useLocalDpi xmlns:a14="http://schemas.microsoft.com/office/drawing/2010/main" xmlns="" val="0"/>
-              </a:ext>
-            </a:extLst>
-          </a:blip>
-          <a:stretch>
-            <a:fillRect/>
-          </a:stretch>
-        </p:blipFill>
-        <p:spPr>
-          <a:xfrm>
-            <a:off x="1547664" y="2708920"/>
-            <a:ext cx="5760720" cy="1657350"/>
-          </a:xfrm>
-          <a:prstGeom prst="rect">
-            <a:avLst/>
-          </a:prstGeom>
-        </p:spPr>
-      </p:pic>
-      <p:graphicFrame>
-        <p:nvGraphicFramePr>
-          <p:cNvPr id="5" name="Table 4"/>
-          <p:cNvGraphicFramePr>
-            <a:graphicFrameLocks noGrp="1"/>
-          </p:cNvGraphicFramePr>
-          <p:nvPr>
-            <p:extLst>
-              <p:ext uri="{D42A27DB-BD31-4B8C-83A1-F6EECF244321}">
-                <p14:modId xmlns:p14="http://schemas.microsoft.com/office/powerpoint/2010/main" xmlns="" val="2908614482"/>
-              </p:ext>
-            </p:extLst>
-          </p:nvPr>
-        </p:nvGraphicFramePr>
-        <p:xfrm>
-          <a:off x="1653734" y="4653136"/>
-          <a:ext cx="5637530" cy="1371600"/>
-        </p:xfrm>
-        <a:graphic>
-          <a:graphicData uri="http://schemas.openxmlformats.org/drawingml/2006/table">
-            <a:tbl>
-              <a:tblPr firstRow="1" firstCol="1" bandRow="1">
-                <a:tableStyleId>{5C22544A-7EE6-4342-B048-85BDC9FD1C3A}</a:tableStyleId>
-              </a:tblPr>
-              <a:tblGrid>
-                <a:gridCol w="1711325"/>
-                <a:gridCol w="2044700"/>
-                <a:gridCol w="1881505"/>
-              </a:tblGrid>
-              <a:tr h="32351">
-                <a:tc>
-                  <a:txBody>
-                    <a:bodyPr/>
-                    <a:lstStyle/>
-                    <a:p>
-                      <a:pPr algn="just">
-                        <a:lnSpc>
-                          <a:spcPts val="1200"/>
-                        </a:lnSpc>
-                        <a:spcAft>
-                          <a:spcPts val="0"/>
-                        </a:spcAft>
-                      </a:pPr>
-                      <a:r>
-                        <a:rPr lang="nl-NL" sz="800" dirty="0">
-                          <a:effectLst/>
-                        </a:rPr>
-                        <a:t>Eerste versie</a:t>
-                      </a:r>
-                      <a:endParaRPr lang="nl-NL" sz="800" dirty="0">
-                        <a:effectLst/>
-                        <a:latin typeface="Verdana"/>
-                        <a:ea typeface="Times New Roman"/>
-                        <a:cs typeface="Times New Roman"/>
-                      </a:endParaRPr>
-                    </a:p>
-                  </a:txBody>
-                  <a:tcPr marL="68580" marR="68580" marT="0" marB="0"/>
-                </a:tc>
-                <a:tc>
-                  <a:txBody>
-                    <a:bodyPr/>
-                    <a:lstStyle/>
-                    <a:p>
-                      <a:pPr algn="just">
-                        <a:lnSpc>
-                          <a:spcPts val="1200"/>
-                        </a:lnSpc>
-                        <a:spcAft>
-                          <a:spcPts val="0"/>
-                        </a:spcAft>
-                      </a:pPr>
-                      <a:r>
-                        <a:rPr lang="nl-NL" sz="800">
-                          <a:effectLst/>
-                        </a:rPr>
-                        <a:t>Attribuut</a:t>
-                      </a:r>
-                      <a:endParaRPr lang="nl-NL" sz="800">
-                        <a:effectLst/>
-                        <a:latin typeface="Verdana"/>
-                        <a:ea typeface="Times New Roman"/>
-                        <a:cs typeface="Times New Roman"/>
-                      </a:endParaRPr>
-                    </a:p>
-                  </a:txBody>
-                  <a:tcPr marL="68580" marR="68580" marT="0" marB="0"/>
-                </a:tc>
-                <a:tc>
-                  <a:txBody>
-                    <a:bodyPr/>
-                    <a:lstStyle/>
-                    <a:p>
-                      <a:pPr algn="just">
-                        <a:lnSpc>
-                          <a:spcPts val="1200"/>
-                        </a:lnSpc>
-                        <a:spcAft>
-                          <a:spcPts val="0"/>
-                        </a:spcAft>
-                      </a:pPr>
-                      <a:r>
-                        <a:rPr lang="nl-NL" sz="800">
-                          <a:effectLst/>
-                        </a:rPr>
-                        <a:t>Waarde</a:t>
-                      </a:r>
-                      <a:endParaRPr lang="nl-NL" sz="800">
-                        <a:effectLst/>
-                        <a:latin typeface="Verdana"/>
-                        <a:ea typeface="Times New Roman"/>
-                        <a:cs typeface="Times New Roman"/>
-                      </a:endParaRPr>
-                    </a:p>
-                  </a:txBody>
-                  <a:tcPr marL="68580" marR="68580" marT="0" marB="0"/>
-                </a:tc>
-              </a:tr>
-              <a:tr h="0">
-                <a:tc>
-                  <a:txBody>
-                    <a:bodyPr/>
-                    <a:lstStyle/>
-                    <a:p>
-                      <a:pPr algn="just">
-                        <a:lnSpc>
-                          <a:spcPts val="1200"/>
-                        </a:lnSpc>
-                        <a:spcAft>
-                          <a:spcPts val="0"/>
-                        </a:spcAft>
-                      </a:pPr>
-                      <a:r>
-                        <a:rPr lang="nl-NL" sz="800">
-                          <a:effectLst/>
-                        </a:rPr>
-                        <a:t>&lt;start formeel aspect&gt;</a:t>
-                      </a:r>
-                      <a:endParaRPr lang="nl-NL" sz="800">
-                        <a:effectLst/>
-                        <a:latin typeface="Verdana"/>
-                        <a:ea typeface="Times New Roman"/>
-                        <a:cs typeface="Times New Roman"/>
-                      </a:endParaRPr>
-                    </a:p>
-                  </a:txBody>
-                  <a:tcPr marL="68580" marR="68580" marT="0" marB="0"/>
-                </a:tc>
-                <a:tc>
-                  <a:txBody>
-                    <a:bodyPr/>
-                    <a:lstStyle/>
-                    <a:p>
-                      <a:pPr algn="just">
-                        <a:lnSpc>
-                          <a:spcPts val="1200"/>
-                        </a:lnSpc>
-                        <a:spcAft>
-                          <a:spcPts val="0"/>
-                        </a:spcAft>
-                      </a:pPr>
-                      <a:r>
-                        <a:rPr lang="nl-NL" sz="800">
-                          <a:effectLst/>
-                        </a:rPr>
-                        <a:t>Tijdstip registratie</a:t>
-                      </a:r>
-                      <a:endParaRPr lang="nl-NL" sz="800">
-                        <a:effectLst/>
-                        <a:latin typeface="Verdana"/>
-                        <a:ea typeface="Times New Roman"/>
-                        <a:cs typeface="Times New Roman"/>
-                      </a:endParaRPr>
-                    </a:p>
-                  </a:txBody>
-                  <a:tcPr marL="68580" marR="68580" marT="0" marB="0"/>
-                </a:tc>
-                <a:tc>
-                  <a:txBody>
-                    <a:bodyPr/>
-                    <a:lstStyle/>
-                    <a:p>
-                      <a:pPr algn="just">
-                        <a:lnSpc>
-                          <a:spcPts val="1200"/>
-                        </a:lnSpc>
-                        <a:spcAft>
-                          <a:spcPts val="0"/>
-                        </a:spcAft>
-                      </a:pPr>
-                      <a:r>
-                        <a:rPr lang="nl-NL" sz="800">
-                          <a:effectLst/>
-                        </a:rPr>
-                        <a:t>1-6-2019</a:t>
-                      </a:r>
-                      <a:endParaRPr lang="nl-NL" sz="800">
-                        <a:effectLst/>
-                        <a:latin typeface="Verdana"/>
-                        <a:ea typeface="Times New Roman"/>
-                        <a:cs typeface="Times New Roman"/>
-                      </a:endParaRPr>
-                    </a:p>
-                  </a:txBody>
-                  <a:tcPr marL="68580" marR="68580" marT="0" marB="0"/>
-                </a:tc>
-              </a:tr>
-              <a:tr h="0">
-                <a:tc>
-                  <a:txBody>
-                    <a:bodyPr/>
-                    <a:lstStyle/>
-                    <a:p>
-                      <a:pPr algn="just">
-                        <a:lnSpc>
-                          <a:spcPts val="1200"/>
-                        </a:lnSpc>
-                        <a:spcAft>
-                          <a:spcPts val="0"/>
-                        </a:spcAft>
-                      </a:pPr>
-                      <a:r>
-                        <a:rPr lang="nl-NL" sz="800">
-                          <a:effectLst/>
-                        </a:rPr>
-                        <a:t>&lt;eind formeel aspect&gt;</a:t>
-                      </a:r>
-                      <a:endParaRPr lang="nl-NL" sz="800">
-                        <a:effectLst/>
-                        <a:latin typeface="Verdana"/>
-                        <a:ea typeface="Times New Roman"/>
-                        <a:cs typeface="Times New Roman"/>
-                      </a:endParaRPr>
-                    </a:p>
-                  </a:txBody>
-                  <a:tcPr marL="68580" marR="68580" marT="0" marB="0"/>
-                </a:tc>
-                <a:tc>
-                  <a:txBody>
-                    <a:bodyPr/>
-                    <a:lstStyle/>
-                    <a:p>
-                      <a:pPr algn="just">
-                        <a:lnSpc>
-                          <a:spcPts val="1200"/>
-                        </a:lnSpc>
-                        <a:spcAft>
-                          <a:spcPts val="0"/>
-                        </a:spcAft>
-                      </a:pPr>
-                      <a:r>
-                        <a:rPr lang="nl-NL" sz="800">
-                          <a:effectLst/>
-                        </a:rPr>
-                        <a:t>Eind registratie</a:t>
-                      </a:r>
-                      <a:endParaRPr lang="nl-NL" sz="800">
-                        <a:effectLst/>
-                        <a:latin typeface="Verdana"/>
-                        <a:ea typeface="Times New Roman"/>
-                        <a:cs typeface="Times New Roman"/>
-                      </a:endParaRPr>
-                    </a:p>
-                  </a:txBody>
-                  <a:tcPr marL="68580" marR="68580" marT="0" marB="0"/>
-                </a:tc>
-                <a:tc>
-                  <a:txBody>
-                    <a:bodyPr/>
-                    <a:lstStyle/>
-                    <a:p>
-                      <a:pPr algn="just">
-                        <a:lnSpc>
-                          <a:spcPts val="1200"/>
-                        </a:lnSpc>
-                        <a:spcAft>
-                          <a:spcPts val="0"/>
-                        </a:spcAft>
-                      </a:pPr>
-                      <a:r>
-                        <a:rPr lang="nl-NL" sz="800">
-                          <a:effectLst/>
-                        </a:rPr>
-                        <a:t>null</a:t>
-                      </a:r>
-                      <a:endParaRPr lang="nl-NL" sz="800">
-                        <a:effectLst/>
-                        <a:latin typeface="Verdana"/>
-                        <a:ea typeface="Times New Roman"/>
-                        <a:cs typeface="Times New Roman"/>
-                      </a:endParaRPr>
-                    </a:p>
-                  </a:txBody>
-                  <a:tcPr marL="68580" marR="68580" marT="0" marB="0"/>
-                </a:tc>
-              </a:tr>
-              <a:tr h="0">
-                <a:tc>
-                  <a:txBody>
-                    <a:bodyPr/>
-                    <a:lstStyle/>
-                    <a:p>
-                      <a:pPr algn="just">
-                        <a:lnSpc>
-                          <a:spcPts val="1200"/>
-                        </a:lnSpc>
-                        <a:spcAft>
-                          <a:spcPts val="0"/>
-                        </a:spcAft>
-                      </a:pPr>
-                      <a:r>
-                        <a:rPr lang="nl-NL" sz="800">
-                          <a:effectLst/>
-                        </a:rPr>
-                        <a:t>&lt;start materieel aspect&gt;</a:t>
-                      </a:r>
-                      <a:endParaRPr lang="nl-NL" sz="800">
-                        <a:effectLst/>
-                        <a:latin typeface="Verdana"/>
-                        <a:ea typeface="Times New Roman"/>
-                        <a:cs typeface="Times New Roman"/>
-                      </a:endParaRPr>
-                    </a:p>
-                  </a:txBody>
-                  <a:tcPr marL="68580" marR="68580" marT="0" marB="0"/>
-                </a:tc>
-                <a:tc>
-                  <a:txBody>
-                    <a:bodyPr/>
-                    <a:lstStyle/>
-                    <a:p>
-                      <a:pPr algn="just">
-                        <a:lnSpc>
-                          <a:spcPts val="1200"/>
-                        </a:lnSpc>
-                        <a:spcAft>
-                          <a:spcPts val="0"/>
-                        </a:spcAft>
-                      </a:pPr>
-                      <a:r>
-                        <a:rPr lang="nl-NL" sz="800">
-                          <a:effectLst/>
-                        </a:rPr>
-                        <a:t>Begin geldigheid</a:t>
-                      </a:r>
-                      <a:endParaRPr lang="nl-NL" sz="800">
-                        <a:effectLst/>
-                        <a:latin typeface="Verdana"/>
-                        <a:ea typeface="Times New Roman"/>
-                        <a:cs typeface="Times New Roman"/>
-                      </a:endParaRPr>
-                    </a:p>
-                  </a:txBody>
-                  <a:tcPr marL="68580" marR="68580" marT="0" marB="0"/>
-                </a:tc>
-                <a:tc>
-                  <a:txBody>
-                    <a:bodyPr/>
-                    <a:lstStyle/>
-                    <a:p>
-                      <a:pPr algn="just">
-                        <a:lnSpc>
-                          <a:spcPts val="1200"/>
-                        </a:lnSpc>
-                        <a:spcAft>
-                          <a:spcPts val="0"/>
-                        </a:spcAft>
-                      </a:pPr>
-                      <a:r>
-                        <a:rPr lang="nl-NL" sz="800">
-                          <a:effectLst/>
-                        </a:rPr>
-                        <a:t>15-8-2019</a:t>
-                      </a:r>
-                      <a:endParaRPr lang="nl-NL" sz="800">
-                        <a:effectLst/>
-                        <a:latin typeface="Verdana"/>
-                        <a:ea typeface="Times New Roman"/>
-                        <a:cs typeface="Times New Roman"/>
-                      </a:endParaRPr>
-                    </a:p>
-                  </a:txBody>
-                  <a:tcPr marL="68580" marR="68580" marT="0" marB="0"/>
-                </a:tc>
-              </a:tr>
-              <a:tr h="0">
-                <a:tc>
-                  <a:txBody>
-                    <a:bodyPr/>
-                    <a:lstStyle/>
-                    <a:p>
-                      <a:pPr algn="just">
-                        <a:lnSpc>
-                          <a:spcPts val="1200"/>
-                        </a:lnSpc>
-                        <a:spcAft>
-                          <a:spcPts val="0"/>
-                        </a:spcAft>
-                      </a:pPr>
-                      <a:r>
-                        <a:rPr lang="nl-NL" sz="800">
-                          <a:effectLst/>
-                        </a:rPr>
-                        <a:t>&lt;eind materieel aspect&gt;</a:t>
-                      </a:r>
-                      <a:endParaRPr lang="nl-NL" sz="800">
-                        <a:effectLst/>
-                        <a:latin typeface="Verdana"/>
-                        <a:ea typeface="Times New Roman"/>
-                        <a:cs typeface="Times New Roman"/>
-                      </a:endParaRPr>
-                    </a:p>
-                  </a:txBody>
-                  <a:tcPr marL="68580" marR="68580" marT="0" marB="0"/>
-                </a:tc>
-                <a:tc>
-                  <a:txBody>
-                    <a:bodyPr/>
-                    <a:lstStyle/>
-                    <a:p>
-                      <a:pPr algn="just">
-                        <a:lnSpc>
-                          <a:spcPts val="1200"/>
-                        </a:lnSpc>
-                        <a:spcAft>
-                          <a:spcPts val="0"/>
-                        </a:spcAft>
-                      </a:pPr>
-                      <a:r>
-                        <a:rPr lang="nl-NL" sz="800">
-                          <a:effectLst/>
-                        </a:rPr>
-                        <a:t>Eind geldigheid</a:t>
-                      </a:r>
-                      <a:endParaRPr lang="nl-NL" sz="800">
-                        <a:effectLst/>
-                        <a:latin typeface="Verdana"/>
-                        <a:ea typeface="Times New Roman"/>
-                        <a:cs typeface="Times New Roman"/>
-                      </a:endParaRPr>
-                    </a:p>
-                  </a:txBody>
-                  <a:tcPr marL="68580" marR="68580" marT="0" marB="0"/>
-                </a:tc>
-                <a:tc>
-                  <a:txBody>
-                    <a:bodyPr/>
-                    <a:lstStyle/>
-                    <a:p>
-                      <a:pPr algn="just">
-                        <a:lnSpc>
-                          <a:spcPts val="1200"/>
-                        </a:lnSpc>
-                        <a:spcAft>
-                          <a:spcPts val="0"/>
-                        </a:spcAft>
-                      </a:pPr>
-                      <a:r>
-                        <a:rPr lang="nl-NL" sz="800">
-                          <a:effectLst/>
-                        </a:rPr>
-                        <a:t>null</a:t>
-                      </a:r>
-                      <a:endParaRPr lang="nl-NL" sz="800">
-                        <a:effectLst/>
-                        <a:latin typeface="Verdana"/>
-                        <a:ea typeface="Times New Roman"/>
-                        <a:cs typeface="Times New Roman"/>
-                      </a:endParaRPr>
-                    </a:p>
-                  </a:txBody>
-                  <a:tcPr marL="68580" marR="68580" marT="0" marB="0"/>
-                </a:tc>
-              </a:tr>
-              <a:tr h="0">
-                <a:tc>
-                  <a:txBody>
-                    <a:bodyPr/>
-                    <a:lstStyle/>
-                    <a:p>
-                      <a:pPr algn="just">
-                        <a:lnSpc>
-                          <a:spcPts val="1200"/>
-                        </a:lnSpc>
-                        <a:spcAft>
-                          <a:spcPts val="0"/>
-                        </a:spcAft>
-                      </a:pPr>
-                      <a:r>
-                        <a:rPr lang="nl-NL" sz="800">
-                          <a:effectLst/>
-                        </a:rPr>
-                        <a:t> </a:t>
-                      </a:r>
-                      <a:endParaRPr lang="nl-NL" sz="800">
-                        <a:effectLst/>
-                        <a:latin typeface="Verdana"/>
-                        <a:ea typeface="Times New Roman"/>
-                        <a:cs typeface="Times New Roman"/>
-                      </a:endParaRPr>
-                    </a:p>
-                  </a:txBody>
-                  <a:tcPr marL="68580" marR="68580" marT="0" marB="0"/>
-                </a:tc>
-                <a:tc>
-                  <a:txBody>
-                    <a:bodyPr/>
-                    <a:lstStyle/>
-                    <a:p>
-                      <a:pPr algn="just">
-                        <a:lnSpc>
-                          <a:spcPts val="1200"/>
-                        </a:lnSpc>
-                        <a:spcAft>
-                          <a:spcPts val="0"/>
-                        </a:spcAft>
-                      </a:pPr>
-                      <a:r>
-                        <a:rPr lang="nl-NL" sz="800">
-                          <a:effectLst/>
-                        </a:rPr>
-                        <a:t>Datum vaststelling</a:t>
-                      </a:r>
-                      <a:endParaRPr lang="nl-NL" sz="800">
-                        <a:effectLst/>
-                        <a:latin typeface="Verdana"/>
-                        <a:ea typeface="Times New Roman"/>
-                        <a:cs typeface="Times New Roman"/>
-                      </a:endParaRPr>
-                    </a:p>
-                  </a:txBody>
-                  <a:tcPr marL="68580" marR="68580" marT="0" marB="0"/>
-                </a:tc>
-                <a:tc>
-                  <a:txBody>
-                    <a:bodyPr/>
-                    <a:lstStyle/>
-                    <a:p>
-                      <a:pPr algn="just">
-                        <a:lnSpc>
-                          <a:spcPts val="1200"/>
-                        </a:lnSpc>
-                        <a:spcAft>
-                          <a:spcPts val="0"/>
-                        </a:spcAft>
-                      </a:pPr>
-                      <a:r>
-                        <a:rPr lang="nl-NL" sz="800">
-                          <a:effectLst/>
-                        </a:rPr>
-                        <a:t>1-7-2019</a:t>
-                      </a:r>
-                      <a:endParaRPr lang="nl-NL" sz="800">
-                        <a:effectLst/>
-                        <a:latin typeface="Verdana"/>
-                        <a:ea typeface="Times New Roman"/>
-                        <a:cs typeface="Times New Roman"/>
-                      </a:endParaRPr>
-                    </a:p>
-                  </a:txBody>
-                  <a:tcPr marL="68580" marR="68580" marT="0" marB="0"/>
-                </a:tc>
-              </a:tr>
-              <a:tr h="0">
-                <a:tc>
-                  <a:txBody>
-                    <a:bodyPr/>
-                    <a:lstStyle/>
-                    <a:p>
-                      <a:pPr algn="just">
-                        <a:lnSpc>
-                          <a:spcPts val="1200"/>
-                        </a:lnSpc>
-                        <a:spcAft>
-                          <a:spcPts val="0"/>
-                        </a:spcAft>
-                      </a:pPr>
-                      <a:r>
-                        <a:rPr lang="nl-NL" sz="800">
-                          <a:effectLst/>
-                        </a:rPr>
-                        <a:t> </a:t>
-                      </a:r>
-                      <a:endParaRPr lang="nl-NL" sz="800">
-                        <a:effectLst/>
-                        <a:latin typeface="Verdana"/>
-                        <a:ea typeface="Times New Roman"/>
-                        <a:cs typeface="Times New Roman"/>
-                      </a:endParaRPr>
-                    </a:p>
-                  </a:txBody>
-                  <a:tcPr marL="68580" marR="68580" marT="0" marB="0"/>
-                </a:tc>
-                <a:tc>
-                  <a:txBody>
-                    <a:bodyPr/>
-                    <a:lstStyle/>
-                    <a:p>
-                      <a:pPr algn="just">
-                        <a:lnSpc>
-                          <a:spcPts val="1200"/>
-                        </a:lnSpc>
-                        <a:spcAft>
-                          <a:spcPts val="0"/>
-                        </a:spcAft>
-                      </a:pPr>
-                      <a:r>
-                        <a:rPr lang="nl-NL" sz="800">
-                          <a:effectLst/>
-                        </a:rPr>
-                        <a:t>Datum bekendmaking</a:t>
-                      </a:r>
-                      <a:endParaRPr lang="nl-NL" sz="800">
-                        <a:effectLst/>
-                        <a:latin typeface="Verdana"/>
-                        <a:ea typeface="Times New Roman"/>
-                        <a:cs typeface="Times New Roman"/>
-                      </a:endParaRPr>
-                    </a:p>
-                  </a:txBody>
-                  <a:tcPr marL="68580" marR="68580" marT="0" marB="0"/>
-                </a:tc>
-                <a:tc>
-                  <a:txBody>
-                    <a:bodyPr/>
-                    <a:lstStyle/>
-                    <a:p>
-                      <a:pPr algn="just">
-                        <a:lnSpc>
-                          <a:spcPts val="1200"/>
-                        </a:lnSpc>
-                        <a:spcAft>
-                          <a:spcPts val="0"/>
-                        </a:spcAft>
-                      </a:pPr>
-                      <a:r>
-                        <a:rPr lang="nl-NL" sz="800">
-                          <a:effectLst/>
-                        </a:rPr>
-                        <a:t>3-7-2019</a:t>
-                      </a:r>
-                      <a:endParaRPr lang="nl-NL" sz="800">
-                        <a:effectLst/>
-                        <a:latin typeface="Verdana"/>
-                        <a:ea typeface="Times New Roman"/>
-                        <a:cs typeface="Times New Roman"/>
-                      </a:endParaRPr>
-                    </a:p>
-                  </a:txBody>
-                  <a:tcPr marL="68580" marR="68580" marT="0" marB="0"/>
-                </a:tc>
-              </a:tr>
-              <a:tr h="0">
-                <a:tc>
-                  <a:txBody>
-                    <a:bodyPr/>
-                    <a:lstStyle/>
-                    <a:p>
-                      <a:pPr algn="just">
-                        <a:lnSpc>
-                          <a:spcPts val="1200"/>
-                        </a:lnSpc>
-                        <a:spcAft>
-                          <a:spcPts val="0"/>
-                        </a:spcAft>
-                      </a:pPr>
-                      <a:r>
-                        <a:rPr lang="nl-NL" sz="800">
-                          <a:effectLst/>
-                        </a:rPr>
-                        <a:t> </a:t>
-                      </a:r>
-                      <a:endParaRPr lang="nl-NL" sz="800">
-                        <a:effectLst/>
-                        <a:latin typeface="Verdana"/>
-                        <a:ea typeface="Times New Roman"/>
-                        <a:cs typeface="Times New Roman"/>
-                      </a:endParaRPr>
-                    </a:p>
-                  </a:txBody>
-                  <a:tcPr marL="68580" marR="68580" marT="0" marB="0"/>
-                </a:tc>
-                <a:tc>
-                  <a:txBody>
-                    <a:bodyPr/>
-                    <a:lstStyle/>
-                    <a:p>
-                      <a:pPr algn="just">
-                        <a:lnSpc>
-                          <a:spcPts val="1200"/>
-                        </a:lnSpc>
-                        <a:spcAft>
-                          <a:spcPts val="0"/>
-                        </a:spcAft>
-                      </a:pPr>
-                      <a:r>
-                        <a:rPr lang="nl-NL" sz="800">
-                          <a:effectLst/>
-                        </a:rPr>
-                        <a:t>Tijdstip registratie ROD</a:t>
-                      </a:r>
-                      <a:endParaRPr lang="nl-NL" sz="800">
-                        <a:effectLst/>
-                        <a:latin typeface="Verdana"/>
-                        <a:ea typeface="Times New Roman"/>
-                        <a:cs typeface="Times New Roman"/>
-                      </a:endParaRPr>
-                    </a:p>
-                  </a:txBody>
-                  <a:tcPr marL="68580" marR="68580" marT="0" marB="0"/>
-                </a:tc>
-                <a:tc>
-                  <a:txBody>
-                    <a:bodyPr/>
-                    <a:lstStyle/>
-                    <a:p>
-                      <a:pPr algn="just">
-                        <a:lnSpc>
-                          <a:spcPts val="1200"/>
-                        </a:lnSpc>
-                        <a:spcAft>
-                          <a:spcPts val="0"/>
-                        </a:spcAft>
-                      </a:pPr>
-                      <a:r>
-                        <a:rPr lang="nl-NL" sz="800">
-                          <a:effectLst/>
-                        </a:rPr>
-                        <a:t>4-7-2019</a:t>
-                      </a:r>
-                      <a:endParaRPr lang="nl-NL" sz="800">
-                        <a:effectLst/>
-                        <a:latin typeface="Verdana"/>
-                        <a:ea typeface="Times New Roman"/>
-                        <a:cs typeface="Times New Roman"/>
-                      </a:endParaRPr>
-                    </a:p>
-                  </a:txBody>
-                  <a:tcPr marL="68580" marR="68580" marT="0" marB="0"/>
-                </a:tc>
-              </a:tr>
-              <a:tr h="0">
-                <a:tc>
-                  <a:txBody>
-                    <a:bodyPr/>
-                    <a:lstStyle/>
-                    <a:p>
-                      <a:pPr algn="just">
-                        <a:lnSpc>
-                          <a:spcPts val="1200"/>
-                        </a:lnSpc>
-                        <a:spcAft>
-                          <a:spcPts val="0"/>
-                        </a:spcAft>
-                      </a:pPr>
-                      <a:r>
-                        <a:rPr lang="nl-NL" sz="800">
-                          <a:effectLst/>
-                        </a:rPr>
-                        <a:t> </a:t>
-                      </a:r>
-                      <a:endParaRPr lang="nl-NL" sz="800">
-                        <a:effectLst/>
-                        <a:latin typeface="Verdana"/>
-                        <a:ea typeface="Times New Roman"/>
-                        <a:cs typeface="Times New Roman"/>
-                      </a:endParaRPr>
-                    </a:p>
-                  </a:txBody>
-                  <a:tcPr marL="68580" marR="68580" marT="0" marB="0"/>
-                </a:tc>
-                <a:tc>
-                  <a:txBody>
-                    <a:bodyPr/>
-                    <a:lstStyle/>
-                    <a:p>
-                      <a:pPr algn="just">
-                        <a:lnSpc>
-                          <a:spcPts val="1200"/>
-                        </a:lnSpc>
-                        <a:spcAft>
-                          <a:spcPts val="0"/>
-                        </a:spcAft>
-                      </a:pPr>
-                      <a:r>
-                        <a:rPr lang="nl-NL" sz="800">
-                          <a:effectLst/>
-                        </a:rPr>
-                        <a:t>Eind registratie ROD</a:t>
-                      </a:r>
-                      <a:endParaRPr lang="nl-NL" sz="800">
-                        <a:effectLst/>
-                        <a:latin typeface="Verdana"/>
-                        <a:ea typeface="Times New Roman"/>
-                        <a:cs typeface="Times New Roman"/>
-                      </a:endParaRPr>
-                    </a:p>
-                  </a:txBody>
-                  <a:tcPr marL="68580" marR="68580" marT="0" marB="0"/>
-                </a:tc>
-                <a:tc>
-                  <a:txBody>
-                    <a:bodyPr/>
-                    <a:lstStyle/>
-                    <a:p>
-                      <a:pPr algn="just">
-                        <a:lnSpc>
-                          <a:spcPts val="1200"/>
-                        </a:lnSpc>
-                        <a:spcAft>
-                          <a:spcPts val="0"/>
-                        </a:spcAft>
-                      </a:pPr>
-                      <a:r>
-                        <a:rPr lang="nl-NL" sz="800" dirty="0">
-                          <a:effectLst/>
-                        </a:rPr>
-                        <a:t>null</a:t>
-                      </a:r>
-                      <a:endParaRPr lang="nl-NL" sz="800" dirty="0">
-                        <a:effectLst/>
-                        <a:latin typeface="Verdana"/>
-                        <a:ea typeface="Times New Roman"/>
-                        <a:cs typeface="Times New Roman"/>
-                      </a:endParaRPr>
-                    </a:p>
-                  </a:txBody>
-                  <a:tcPr marL="68580" marR="68580" marT="0" marB="0"/>
-                </a:tc>
-              </a:tr>
-            </a:tbl>
-          </a:graphicData>
-        </a:graphic>
-      </p:graphicFrame>
-      <p:sp>
-        <p:nvSpPr>
-          <p:cNvPr id="6" name="Rectangle 5"/>
-          <p:cNvSpPr/>
-          <p:nvPr/>
-        </p:nvSpPr>
-        <p:spPr>
-          <a:xfrm>
-            <a:off x="3707904" y="1196752"/>
-            <a:ext cx="4572000" cy="1477328"/>
-          </a:xfrm>
-          <a:prstGeom prst="rect">
-            <a:avLst/>
-          </a:prstGeom>
-        </p:spPr>
-        <p:txBody>
-          <a:bodyPr>
-            <a:spAutoFit/>
-          </a:bodyPr>
-          <a:lstStyle/>
-          <a:p>
-            <a:r>
-              <a:rPr lang="nl-NL" dirty="0"/>
-              <a:t>Op een tijdstip t1 (1-7-2019 uit onderstaand scenario) stelt een bevoegd gezag een omgevingsdocument vast en biedt dit vervolgens (op 4-7-2019) aan de registratie aan.</a:t>
-            </a:r>
-          </a:p>
-        </p:txBody>
-      </p:sp>
-    </p:spTree>
-    <p:extLst>
-      <p:ext uri="{BB962C8B-B14F-4D97-AF65-F5344CB8AC3E}">
-        <p14:creationId xmlns:p14="http://schemas.microsoft.com/office/powerpoint/2010/main" xmlns="" val="992229514"/>
-      </p:ext>
-    </p:extLst>
-  </p:cSld>
-  <p:clrMapOvr>
-    <a:masterClrMapping/>
-  </p:clrMapOvr>
-  <p:timing>
-    <p:tnLst>
-      <p:par>
-        <p:cTn id="1" dur="indefinite" restart="never" nodeType="tmRoot"/>
-      </p:par>
-    </p:tnLst>
-  </p:timing>
-</p:sld>
-</file>
-
-<file path=ppt/slides/slide15.xml><?xml version="1.0" encoding="utf-8"?>
-<p:sld xmlns:a="http://schemas.openxmlformats.org/drawingml/2006/main" xmlns:r="http://schemas.openxmlformats.org/officeDocument/2006/relationships" xmlns:p="http://schemas.openxmlformats.org/presentationml/2006/main">
-  <p:cSld>
-    <p:spTree>
-      <p:nvGrpSpPr>
-        <p:cNvPr id="1" name=""/>
-        <p:cNvGrpSpPr/>
-        <p:nvPr/>
-      </p:nvGrpSpPr>
-      <p:grpSpPr>
-        <a:xfrm>
-          <a:off x="0" y="0"/>
-          <a:ext cx="0" cy="0"/>
-          <a:chOff x="0" y="0"/>
-          <a:chExt cx="0" cy="0"/>
-        </a:xfrm>
-      </p:grpSpPr>
-      <p:sp>
-        <p:nvSpPr>
-          <p:cNvPr id="2" name="Title 1"/>
-          <p:cNvSpPr>
-            <a:spLocks noGrp="1"/>
-          </p:cNvSpPr>
-          <p:nvPr>
-            <p:ph type="title"/>
-          </p:nvPr>
-        </p:nvSpPr>
-        <p:spPr>
-          <a:xfrm>
-            <a:off x="0" y="332656"/>
-            <a:ext cx="8229600" cy="1143000"/>
-          </a:xfrm>
-        </p:spPr>
-        <p:txBody>
-          <a:bodyPr>
-            <a:noAutofit/>
-          </a:bodyPr>
-          <a:lstStyle/>
-          <a:p>
-            <a:r>
-              <a:rPr lang="nl-NL" sz="2400" b="1" dirty="0"/>
-              <a:t>Stap 2: Het publiceren van een wijziging van een omgevingsdocument (invoegen nieuw artikel)</a:t>
-            </a:r>
-            <a:r>
-              <a:rPr lang="nl-NL" sz="2400" dirty="0"/>
-              <a:t/>
-            </a:r>
-            <a:br>
-              <a:rPr lang="nl-NL" sz="2400" dirty="0"/>
-            </a:br>
-            <a:endParaRPr lang="nl-NL" sz="2400" dirty="0"/>
-          </a:p>
-        </p:txBody>
-      </p:sp>
-      <p:pic>
-        <p:nvPicPr>
-          <p:cNvPr id="4" name="Picture 3"/>
-          <p:cNvPicPr/>
-          <p:nvPr/>
-        </p:nvPicPr>
-        <p:blipFill>
-          <a:blip r:embed="rId2" cstate="print">
-            <a:extLst>
-              <a:ext uri="{28A0092B-C50C-407E-A947-70E740481C1C}">
-                <a14:useLocalDpi xmlns:a14="http://schemas.microsoft.com/office/drawing/2010/main" xmlns="" val="0"/>
-              </a:ext>
-            </a:extLst>
-          </a:blip>
-          <a:stretch>
-            <a:fillRect/>
-          </a:stretch>
-        </p:blipFill>
-        <p:spPr>
-          <a:xfrm>
-            <a:off x="2051720" y="2780928"/>
-            <a:ext cx="5052060" cy="2430780"/>
-          </a:xfrm>
-          <a:prstGeom prst="rect">
-            <a:avLst/>
-          </a:prstGeom>
-        </p:spPr>
-      </p:pic>
-      <p:graphicFrame>
-        <p:nvGraphicFramePr>
-          <p:cNvPr id="5" name="Table 4"/>
-          <p:cNvGraphicFramePr>
-            <a:graphicFrameLocks noGrp="1"/>
-          </p:cNvGraphicFramePr>
-          <p:nvPr>
-            <p:extLst>
-              <p:ext uri="{D42A27DB-BD31-4B8C-83A1-F6EECF244321}">
-                <p14:modId xmlns:p14="http://schemas.microsoft.com/office/powerpoint/2010/main" xmlns="" val="212297512"/>
-              </p:ext>
-            </p:extLst>
-          </p:nvPr>
-        </p:nvGraphicFramePr>
-        <p:xfrm>
-          <a:off x="1835696" y="5301208"/>
-          <a:ext cx="5637530" cy="1371600"/>
-        </p:xfrm>
-        <a:graphic>
-          <a:graphicData uri="http://schemas.openxmlformats.org/drawingml/2006/table">
-            <a:tbl>
-              <a:tblPr firstRow="1" firstCol="1" bandRow="1">
-                <a:tableStyleId>{5C22544A-7EE6-4342-B048-85BDC9FD1C3A}</a:tableStyleId>
-              </a:tblPr>
-              <a:tblGrid>
-                <a:gridCol w="1711325"/>
-                <a:gridCol w="2044700"/>
-                <a:gridCol w="1881505"/>
-              </a:tblGrid>
-              <a:tr h="0">
-                <a:tc>
-                  <a:txBody>
-                    <a:bodyPr/>
-                    <a:lstStyle/>
-                    <a:p>
-                      <a:pPr algn="just">
-                        <a:lnSpc>
-                          <a:spcPts val="1200"/>
-                        </a:lnSpc>
-                        <a:spcAft>
-                          <a:spcPts val="0"/>
-                        </a:spcAft>
-                      </a:pPr>
-                      <a:r>
-                        <a:rPr lang="nl-NL" sz="800" dirty="0">
-                          <a:effectLst/>
-                        </a:rPr>
-                        <a:t>Tweede versie</a:t>
-                      </a:r>
-                      <a:endParaRPr lang="nl-NL" sz="800" dirty="0">
-                        <a:effectLst/>
-                        <a:latin typeface="Verdana"/>
-                        <a:ea typeface="Times New Roman"/>
-                        <a:cs typeface="Times New Roman"/>
-                      </a:endParaRPr>
-                    </a:p>
-                  </a:txBody>
-                  <a:tcPr marL="68580" marR="68580" marT="0" marB="0"/>
-                </a:tc>
-                <a:tc>
-                  <a:txBody>
-                    <a:bodyPr/>
-                    <a:lstStyle/>
-                    <a:p>
-                      <a:pPr algn="just">
-                        <a:lnSpc>
-                          <a:spcPts val="1200"/>
-                        </a:lnSpc>
-                        <a:spcAft>
-                          <a:spcPts val="0"/>
-                        </a:spcAft>
-                      </a:pPr>
-                      <a:r>
-                        <a:rPr lang="nl-NL" sz="800" dirty="0">
-                          <a:effectLst/>
-                        </a:rPr>
-                        <a:t>Attribuut</a:t>
-                      </a:r>
-                      <a:endParaRPr lang="nl-NL" sz="800" dirty="0">
-                        <a:effectLst/>
-                        <a:latin typeface="Verdana"/>
-                        <a:ea typeface="Times New Roman"/>
-                        <a:cs typeface="Times New Roman"/>
-                      </a:endParaRPr>
-                    </a:p>
-                  </a:txBody>
-                  <a:tcPr marL="68580" marR="68580" marT="0" marB="0"/>
-                </a:tc>
-                <a:tc>
-                  <a:txBody>
-                    <a:bodyPr/>
-                    <a:lstStyle/>
-                    <a:p>
-                      <a:pPr algn="just">
-                        <a:lnSpc>
-                          <a:spcPts val="1200"/>
-                        </a:lnSpc>
-                        <a:spcAft>
-                          <a:spcPts val="0"/>
-                        </a:spcAft>
-                      </a:pPr>
-                      <a:r>
-                        <a:rPr lang="nl-NL" sz="800">
-                          <a:effectLst/>
-                        </a:rPr>
-                        <a:t>Waarde</a:t>
-                      </a:r>
-                      <a:endParaRPr lang="nl-NL" sz="800">
-                        <a:effectLst/>
-                        <a:latin typeface="Verdana"/>
-                        <a:ea typeface="Times New Roman"/>
-                        <a:cs typeface="Times New Roman"/>
-                      </a:endParaRPr>
-                    </a:p>
-                  </a:txBody>
-                  <a:tcPr marL="68580" marR="68580" marT="0" marB="0"/>
-                </a:tc>
-              </a:tr>
-              <a:tr h="0">
-                <a:tc>
-                  <a:txBody>
-                    <a:bodyPr/>
-                    <a:lstStyle/>
-                    <a:p>
-                      <a:pPr algn="just">
-                        <a:lnSpc>
-                          <a:spcPts val="1200"/>
-                        </a:lnSpc>
-                        <a:spcAft>
-                          <a:spcPts val="0"/>
-                        </a:spcAft>
-                      </a:pPr>
-                      <a:r>
-                        <a:rPr lang="nl-NL" sz="800">
-                          <a:effectLst/>
-                        </a:rPr>
-                        <a:t>&lt;start formeel aspect&gt;</a:t>
-                      </a:r>
-                      <a:endParaRPr lang="nl-NL" sz="800">
-                        <a:effectLst/>
-                        <a:latin typeface="Verdana"/>
-                        <a:ea typeface="Times New Roman"/>
-                        <a:cs typeface="Times New Roman"/>
-                      </a:endParaRPr>
-                    </a:p>
-                  </a:txBody>
-                  <a:tcPr marL="68580" marR="68580" marT="0" marB="0"/>
-                </a:tc>
-                <a:tc>
-                  <a:txBody>
-                    <a:bodyPr/>
-                    <a:lstStyle/>
-                    <a:p>
-                      <a:pPr algn="just">
-                        <a:lnSpc>
-                          <a:spcPts val="1200"/>
-                        </a:lnSpc>
-                        <a:spcAft>
-                          <a:spcPts val="0"/>
-                        </a:spcAft>
-                      </a:pPr>
-                      <a:r>
-                        <a:rPr lang="nl-NL" sz="800">
-                          <a:effectLst/>
-                        </a:rPr>
-                        <a:t>Tijdstip registratie</a:t>
-                      </a:r>
-                      <a:endParaRPr lang="nl-NL" sz="800">
-                        <a:effectLst/>
-                        <a:latin typeface="Verdana"/>
-                        <a:ea typeface="Times New Roman"/>
-                        <a:cs typeface="Times New Roman"/>
-                      </a:endParaRPr>
-                    </a:p>
-                  </a:txBody>
-                  <a:tcPr marL="68580" marR="68580" marT="0" marB="0"/>
-                </a:tc>
-                <a:tc>
-                  <a:txBody>
-                    <a:bodyPr/>
-                    <a:lstStyle/>
-                    <a:p>
-                      <a:pPr algn="just">
-                        <a:lnSpc>
-                          <a:spcPts val="1200"/>
-                        </a:lnSpc>
-                        <a:spcAft>
-                          <a:spcPts val="0"/>
-                        </a:spcAft>
-                      </a:pPr>
-                      <a:r>
-                        <a:rPr lang="nl-NL" sz="800">
-                          <a:effectLst/>
-                        </a:rPr>
-                        <a:t>1-9-2019</a:t>
-                      </a:r>
-                      <a:endParaRPr lang="nl-NL" sz="800">
-                        <a:effectLst/>
-                        <a:latin typeface="Verdana"/>
-                        <a:ea typeface="Times New Roman"/>
-                        <a:cs typeface="Times New Roman"/>
-                      </a:endParaRPr>
-                    </a:p>
-                  </a:txBody>
-                  <a:tcPr marL="68580" marR="68580" marT="0" marB="0"/>
-                </a:tc>
-              </a:tr>
-              <a:tr h="0">
-                <a:tc>
-                  <a:txBody>
-                    <a:bodyPr/>
-                    <a:lstStyle/>
-                    <a:p>
-                      <a:pPr algn="just">
-                        <a:lnSpc>
-                          <a:spcPts val="1200"/>
-                        </a:lnSpc>
-                        <a:spcAft>
-                          <a:spcPts val="0"/>
-                        </a:spcAft>
-                      </a:pPr>
-                      <a:r>
-                        <a:rPr lang="nl-NL" sz="800">
-                          <a:effectLst/>
-                        </a:rPr>
-                        <a:t>&lt;eind formeel aspect&gt;</a:t>
-                      </a:r>
-                      <a:endParaRPr lang="nl-NL" sz="800">
-                        <a:effectLst/>
-                        <a:latin typeface="Verdana"/>
-                        <a:ea typeface="Times New Roman"/>
-                        <a:cs typeface="Times New Roman"/>
-                      </a:endParaRPr>
-                    </a:p>
-                  </a:txBody>
-                  <a:tcPr marL="68580" marR="68580" marT="0" marB="0"/>
-                </a:tc>
-                <a:tc>
-                  <a:txBody>
-                    <a:bodyPr/>
-                    <a:lstStyle/>
-                    <a:p>
-                      <a:pPr algn="just">
-                        <a:lnSpc>
-                          <a:spcPts val="1200"/>
-                        </a:lnSpc>
-                        <a:spcAft>
-                          <a:spcPts val="0"/>
-                        </a:spcAft>
-                      </a:pPr>
-                      <a:r>
-                        <a:rPr lang="nl-NL" sz="800">
-                          <a:effectLst/>
-                        </a:rPr>
-                        <a:t>Eind registratie</a:t>
-                      </a:r>
-                      <a:endParaRPr lang="nl-NL" sz="800">
-                        <a:effectLst/>
-                        <a:latin typeface="Verdana"/>
-                        <a:ea typeface="Times New Roman"/>
-                        <a:cs typeface="Times New Roman"/>
-                      </a:endParaRPr>
-                    </a:p>
-                  </a:txBody>
-                  <a:tcPr marL="68580" marR="68580" marT="0" marB="0"/>
-                </a:tc>
-                <a:tc>
-                  <a:txBody>
-                    <a:bodyPr/>
-                    <a:lstStyle/>
-                    <a:p>
-                      <a:pPr algn="just">
-                        <a:lnSpc>
-                          <a:spcPts val="1200"/>
-                        </a:lnSpc>
-                        <a:spcAft>
-                          <a:spcPts val="0"/>
-                        </a:spcAft>
-                      </a:pPr>
-                      <a:r>
-                        <a:rPr lang="nl-NL" sz="800">
-                          <a:effectLst/>
-                        </a:rPr>
-                        <a:t>Null</a:t>
-                      </a:r>
-                      <a:endParaRPr lang="nl-NL" sz="800">
-                        <a:effectLst/>
-                        <a:latin typeface="Verdana"/>
-                        <a:ea typeface="Times New Roman"/>
-                        <a:cs typeface="Times New Roman"/>
-                      </a:endParaRPr>
-                    </a:p>
-                  </a:txBody>
-                  <a:tcPr marL="68580" marR="68580" marT="0" marB="0"/>
-                </a:tc>
-              </a:tr>
-              <a:tr h="0">
-                <a:tc>
-                  <a:txBody>
-                    <a:bodyPr/>
-                    <a:lstStyle/>
-                    <a:p>
-                      <a:pPr algn="just">
-                        <a:lnSpc>
-                          <a:spcPts val="1200"/>
-                        </a:lnSpc>
-                        <a:spcAft>
-                          <a:spcPts val="0"/>
-                        </a:spcAft>
-                      </a:pPr>
-                      <a:r>
-                        <a:rPr lang="nl-NL" sz="800">
-                          <a:effectLst/>
-                        </a:rPr>
-                        <a:t>&lt;start materieel aspect&gt;</a:t>
-                      </a:r>
-                      <a:endParaRPr lang="nl-NL" sz="800">
-                        <a:effectLst/>
-                        <a:latin typeface="Verdana"/>
-                        <a:ea typeface="Times New Roman"/>
-                        <a:cs typeface="Times New Roman"/>
-                      </a:endParaRPr>
-                    </a:p>
-                  </a:txBody>
-                  <a:tcPr marL="68580" marR="68580" marT="0" marB="0"/>
-                </a:tc>
-                <a:tc>
-                  <a:txBody>
-                    <a:bodyPr/>
-                    <a:lstStyle/>
-                    <a:p>
-                      <a:pPr algn="just">
-                        <a:lnSpc>
-                          <a:spcPts val="1200"/>
-                        </a:lnSpc>
-                        <a:spcAft>
-                          <a:spcPts val="0"/>
-                        </a:spcAft>
-                      </a:pPr>
-                      <a:r>
-                        <a:rPr lang="nl-NL" sz="800">
-                          <a:effectLst/>
-                        </a:rPr>
-                        <a:t>Begin geldigheid</a:t>
-                      </a:r>
-                      <a:endParaRPr lang="nl-NL" sz="800">
-                        <a:effectLst/>
-                        <a:latin typeface="Verdana"/>
-                        <a:ea typeface="Times New Roman"/>
-                        <a:cs typeface="Times New Roman"/>
-                      </a:endParaRPr>
-                    </a:p>
-                  </a:txBody>
-                  <a:tcPr marL="68580" marR="68580" marT="0" marB="0"/>
-                </a:tc>
-                <a:tc>
-                  <a:txBody>
-                    <a:bodyPr/>
-                    <a:lstStyle/>
-                    <a:p>
-                      <a:pPr algn="just">
-                        <a:lnSpc>
-                          <a:spcPts val="1200"/>
-                        </a:lnSpc>
-                        <a:spcAft>
-                          <a:spcPts val="0"/>
-                        </a:spcAft>
-                      </a:pPr>
-                      <a:r>
-                        <a:rPr lang="nl-NL" sz="800">
-                          <a:effectLst/>
-                        </a:rPr>
-                        <a:t>16-10-2019</a:t>
-                      </a:r>
-                      <a:endParaRPr lang="nl-NL" sz="800">
-                        <a:effectLst/>
-                        <a:latin typeface="Verdana"/>
-                        <a:ea typeface="Times New Roman"/>
-                        <a:cs typeface="Times New Roman"/>
-                      </a:endParaRPr>
-                    </a:p>
-                  </a:txBody>
-                  <a:tcPr marL="68580" marR="68580" marT="0" marB="0"/>
-                </a:tc>
-              </a:tr>
-              <a:tr h="0">
-                <a:tc>
-                  <a:txBody>
-                    <a:bodyPr/>
-                    <a:lstStyle/>
-                    <a:p>
-                      <a:pPr algn="just">
-                        <a:lnSpc>
-                          <a:spcPts val="1200"/>
-                        </a:lnSpc>
-                        <a:spcAft>
-                          <a:spcPts val="0"/>
-                        </a:spcAft>
-                      </a:pPr>
-                      <a:r>
-                        <a:rPr lang="nl-NL" sz="800">
-                          <a:effectLst/>
-                        </a:rPr>
-                        <a:t>&lt;eind materieel aspect&gt;</a:t>
-                      </a:r>
-                      <a:endParaRPr lang="nl-NL" sz="800">
-                        <a:effectLst/>
-                        <a:latin typeface="Verdana"/>
-                        <a:ea typeface="Times New Roman"/>
-                        <a:cs typeface="Times New Roman"/>
-                      </a:endParaRPr>
-                    </a:p>
-                  </a:txBody>
-                  <a:tcPr marL="68580" marR="68580" marT="0" marB="0"/>
-                </a:tc>
-                <a:tc>
-                  <a:txBody>
-                    <a:bodyPr/>
-                    <a:lstStyle/>
-                    <a:p>
-                      <a:pPr algn="just">
-                        <a:lnSpc>
-                          <a:spcPts val="1200"/>
-                        </a:lnSpc>
-                        <a:spcAft>
-                          <a:spcPts val="0"/>
-                        </a:spcAft>
-                      </a:pPr>
-                      <a:r>
-                        <a:rPr lang="nl-NL" sz="800">
-                          <a:effectLst/>
-                        </a:rPr>
-                        <a:t>Eind geldigheid</a:t>
-                      </a:r>
-                      <a:endParaRPr lang="nl-NL" sz="800">
-                        <a:effectLst/>
-                        <a:latin typeface="Verdana"/>
-                        <a:ea typeface="Times New Roman"/>
-                        <a:cs typeface="Times New Roman"/>
-                      </a:endParaRPr>
-                    </a:p>
-                  </a:txBody>
-                  <a:tcPr marL="68580" marR="68580" marT="0" marB="0"/>
-                </a:tc>
-                <a:tc>
-                  <a:txBody>
-                    <a:bodyPr/>
-                    <a:lstStyle/>
-                    <a:p>
-                      <a:pPr algn="just">
-                        <a:lnSpc>
-                          <a:spcPts val="1200"/>
-                        </a:lnSpc>
-                        <a:spcAft>
-                          <a:spcPts val="0"/>
-                        </a:spcAft>
-                      </a:pPr>
-                      <a:r>
-                        <a:rPr lang="nl-NL" sz="800">
-                          <a:effectLst/>
-                        </a:rPr>
-                        <a:t>Null</a:t>
-                      </a:r>
-                      <a:endParaRPr lang="nl-NL" sz="800">
-                        <a:effectLst/>
-                        <a:latin typeface="Verdana"/>
-                        <a:ea typeface="Times New Roman"/>
-                        <a:cs typeface="Times New Roman"/>
-                      </a:endParaRPr>
-                    </a:p>
-                  </a:txBody>
-                  <a:tcPr marL="68580" marR="68580" marT="0" marB="0"/>
-                </a:tc>
-              </a:tr>
-              <a:tr h="0">
-                <a:tc>
-                  <a:txBody>
-                    <a:bodyPr/>
-                    <a:lstStyle/>
-                    <a:p>
-                      <a:pPr algn="just">
-                        <a:lnSpc>
-                          <a:spcPts val="1200"/>
-                        </a:lnSpc>
-                        <a:spcAft>
-                          <a:spcPts val="0"/>
-                        </a:spcAft>
-                      </a:pPr>
-                      <a:r>
-                        <a:rPr lang="nl-NL" sz="800">
-                          <a:effectLst/>
-                        </a:rPr>
-                        <a:t> </a:t>
-                      </a:r>
-                      <a:endParaRPr lang="nl-NL" sz="800">
-                        <a:effectLst/>
-                        <a:latin typeface="Verdana"/>
-                        <a:ea typeface="Times New Roman"/>
-                        <a:cs typeface="Times New Roman"/>
-                      </a:endParaRPr>
-                    </a:p>
-                  </a:txBody>
-                  <a:tcPr marL="68580" marR="68580" marT="0" marB="0"/>
-                </a:tc>
-                <a:tc>
-                  <a:txBody>
-                    <a:bodyPr/>
-                    <a:lstStyle/>
-                    <a:p>
-                      <a:pPr algn="just">
-                        <a:lnSpc>
-                          <a:spcPts val="1200"/>
-                        </a:lnSpc>
-                        <a:spcAft>
-                          <a:spcPts val="0"/>
-                        </a:spcAft>
-                      </a:pPr>
-                      <a:r>
-                        <a:rPr lang="nl-NL" sz="800">
-                          <a:effectLst/>
-                        </a:rPr>
-                        <a:t>Datum vaststelling</a:t>
-                      </a:r>
-                      <a:endParaRPr lang="nl-NL" sz="800">
-                        <a:effectLst/>
-                        <a:latin typeface="Verdana"/>
-                        <a:ea typeface="Times New Roman"/>
-                        <a:cs typeface="Times New Roman"/>
-                      </a:endParaRPr>
-                    </a:p>
-                  </a:txBody>
-                  <a:tcPr marL="68580" marR="68580" marT="0" marB="0"/>
-                </a:tc>
-                <a:tc>
-                  <a:txBody>
-                    <a:bodyPr/>
-                    <a:lstStyle/>
-                    <a:p>
-                      <a:pPr algn="just">
-                        <a:lnSpc>
-                          <a:spcPts val="1200"/>
-                        </a:lnSpc>
-                        <a:spcAft>
-                          <a:spcPts val="0"/>
-                        </a:spcAft>
-                      </a:pPr>
-                      <a:r>
-                        <a:rPr lang="nl-NL" sz="800">
-                          <a:effectLst/>
-                        </a:rPr>
-                        <a:t>2-9-2019</a:t>
-                      </a:r>
-                      <a:endParaRPr lang="nl-NL" sz="800">
-                        <a:effectLst/>
-                        <a:latin typeface="Verdana"/>
-                        <a:ea typeface="Times New Roman"/>
-                        <a:cs typeface="Times New Roman"/>
-                      </a:endParaRPr>
-                    </a:p>
-                  </a:txBody>
-                  <a:tcPr marL="68580" marR="68580" marT="0" marB="0"/>
-                </a:tc>
-              </a:tr>
-              <a:tr h="0">
-                <a:tc>
-                  <a:txBody>
-                    <a:bodyPr/>
-                    <a:lstStyle/>
-                    <a:p>
-                      <a:pPr algn="just">
-                        <a:lnSpc>
-                          <a:spcPts val="1200"/>
-                        </a:lnSpc>
-                        <a:spcAft>
-                          <a:spcPts val="0"/>
-                        </a:spcAft>
-                      </a:pPr>
-                      <a:r>
-                        <a:rPr lang="nl-NL" sz="800">
-                          <a:effectLst/>
-                        </a:rPr>
-                        <a:t> </a:t>
-                      </a:r>
-                      <a:endParaRPr lang="nl-NL" sz="800">
-                        <a:effectLst/>
-                        <a:latin typeface="Verdana"/>
-                        <a:ea typeface="Times New Roman"/>
-                        <a:cs typeface="Times New Roman"/>
-                      </a:endParaRPr>
-                    </a:p>
-                  </a:txBody>
-                  <a:tcPr marL="68580" marR="68580" marT="0" marB="0"/>
-                </a:tc>
-                <a:tc>
-                  <a:txBody>
-                    <a:bodyPr/>
-                    <a:lstStyle/>
-                    <a:p>
-                      <a:pPr algn="just">
-                        <a:lnSpc>
-                          <a:spcPts val="1200"/>
-                        </a:lnSpc>
-                        <a:spcAft>
-                          <a:spcPts val="0"/>
-                        </a:spcAft>
-                      </a:pPr>
-                      <a:r>
-                        <a:rPr lang="nl-NL" sz="800">
-                          <a:effectLst/>
-                        </a:rPr>
-                        <a:t>Datum bekendmaking</a:t>
-                      </a:r>
-                      <a:endParaRPr lang="nl-NL" sz="800">
-                        <a:effectLst/>
-                        <a:latin typeface="Verdana"/>
-                        <a:ea typeface="Times New Roman"/>
-                        <a:cs typeface="Times New Roman"/>
-                      </a:endParaRPr>
-                    </a:p>
-                  </a:txBody>
-                  <a:tcPr marL="68580" marR="68580" marT="0" marB="0"/>
-                </a:tc>
-                <a:tc>
-                  <a:txBody>
-                    <a:bodyPr/>
-                    <a:lstStyle/>
-                    <a:p>
-                      <a:pPr algn="just">
-                        <a:lnSpc>
-                          <a:spcPts val="1200"/>
-                        </a:lnSpc>
-                        <a:spcAft>
-                          <a:spcPts val="0"/>
-                        </a:spcAft>
-                      </a:pPr>
-                      <a:r>
-                        <a:rPr lang="nl-NL" sz="800">
-                          <a:effectLst/>
-                        </a:rPr>
-                        <a:t>3-9-2019</a:t>
-                      </a:r>
-                      <a:endParaRPr lang="nl-NL" sz="800">
-                        <a:effectLst/>
-                        <a:latin typeface="Verdana"/>
-                        <a:ea typeface="Times New Roman"/>
-                        <a:cs typeface="Times New Roman"/>
-                      </a:endParaRPr>
-                    </a:p>
-                  </a:txBody>
-                  <a:tcPr marL="68580" marR="68580" marT="0" marB="0"/>
-                </a:tc>
-              </a:tr>
-              <a:tr h="0">
-                <a:tc>
-                  <a:txBody>
-                    <a:bodyPr/>
-                    <a:lstStyle/>
-                    <a:p>
-                      <a:pPr algn="just">
-                        <a:lnSpc>
-                          <a:spcPts val="1200"/>
-                        </a:lnSpc>
-                        <a:spcAft>
-                          <a:spcPts val="0"/>
-                        </a:spcAft>
-                      </a:pPr>
-                      <a:r>
-                        <a:rPr lang="nl-NL" sz="800">
-                          <a:effectLst/>
-                        </a:rPr>
-                        <a:t> </a:t>
-                      </a:r>
-                      <a:endParaRPr lang="nl-NL" sz="800">
-                        <a:effectLst/>
-                        <a:latin typeface="Verdana"/>
-                        <a:ea typeface="Times New Roman"/>
-                        <a:cs typeface="Times New Roman"/>
-                      </a:endParaRPr>
-                    </a:p>
-                  </a:txBody>
-                  <a:tcPr marL="68580" marR="68580" marT="0" marB="0"/>
-                </a:tc>
-                <a:tc>
-                  <a:txBody>
-                    <a:bodyPr/>
-                    <a:lstStyle/>
-                    <a:p>
-                      <a:pPr algn="just">
-                        <a:lnSpc>
-                          <a:spcPts val="1200"/>
-                        </a:lnSpc>
-                        <a:spcAft>
-                          <a:spcPts val="0"/>
-                        </a:spcAft>
-                      </a:pPr>
-                      <a:r>
-                        <a:rPr lang="nl-NL" sz="800">
-                          <a:effectLst/>
-                        </a:rPr>
-                        <a:t>Tijdstip registratie ROD</a:t>
-                      </a:r>
-                      <a:endParaRPr lang="nl-NL" sz="800">
-                        <a:effectLst/>
-                        <a:latin typeface="Verdana"/>
-                        <a:ea typeface="Times New Roman"/>
-                        <a:cs typeface="Times New Roman"/>
-                      </a:endParaRPr>
-                    </a:p>
-                  </a:txBody>
-                  <a:tcPr marL="68580" marR="68580" marT="0" marB="0"/>
-                </a:tc>
-                <a:tc>
-                  <a:txBody>
-                    <a:bodyPr/>
-                    <a:lstStyle/>
-                    <a:p>
-                      <a:pPr algn="just">
-                        <a:lnSpc>
-                          <a:spcPts val="1200"/>
-                        </a:lnSpc>
-                        <a:spcAft>
-                          <a:spcPts val="0"/>
-                        </a:spcAft>
-                      </a:pPr>
-                      <a:r>
-                        <a:rPr lang="nl-NL" sz="800">
-                          <a:effectLst/>
-                        </a:rPr>
-                        <a:t>4-9-2019</a:t>
-                      </a:r>
-                      <a:endParaRPr lang="nl-NL" sz="800">
-                        <a:effectLst/>
-                        <a:latin typeface="Verdana"/>
-                        <a:ea typeface="Times New Roman"/>
-                        <a:cs typeface="Times New Roman"/>
-                      </a:endParaRPr>
-                    </a:p>
-                  </a:txBody>
-                  <a:tcPr marL="68580" marR="68580" marT="0" marB="0"/>
-                </a:tc>
-              </a:tr>
-              <a:tr h="0">
-                <a:tc>
-                  <a:txBody>
-                    <a:bodyPr/>
-                    <a:lstStyle/>
-                    <a:p>
-                      <a:pPr algn="just">
-                        <a:lnSpc>
-                          <a:spcPts val="1200"/>
-                        </a:lnSpc>
-                        <a:spcAft>
-                          <a:spcPts val="0"/>
-                        </a:spcAft>
-                      </a:pPr>
-                      <a:r>
-                        <a:rPr lang="nl-NL" sz="800">
-                          <a:effectLst/>
-                        </a:rPr>
-                        <a:t> </a:t>
-                      </a:r>
-                      <a:endParaRPr lang="nl-NL" sz="800">
-                        <a:effectLst/>
-                        <a:latin typeface="Verdana"/>
-                        <a:ea typeface="Times New Roman"/>
-                        <a:cs typeface="Times New Roman"/>
-                      </a:endParaRPr>
-                    </a:p>
-                  </a:txBody>
-                  <a:tcPr marL="68580" marR="68580" marT="0" marB="0"/>
-                </a:tc>
-                <a:tc>
-                  <a:txBody>
-                    <a:bodyPr/>
-                    <a:lstStyle/>
-                    <a:p>
-                      <a:pPr algn="just">
-                        <a:lnSpc>
-                          <a:spcPts val="1200"/>
-                        </a:lnSpc>
-                        <a:spcAft>
-                          <a:spcPts val="0"/>
-                        </a:spcAft>
-                      </a:pPr>
-                      <a:r>
-                        <a:rPr lang="nl-NL" sz="800">
-                          <a:effectLst/>
-                        </a:rPr>
-                        <a:t>Eind registratie ROD</a:t>
-                      </a:r>
-                      <a:endParaRPr lang="nl-NL" sz="800">
-                        <a:effectLst/>
-                        <a:latin typeface="Verdana"/>
-                        <a:ea typeface="Times New Roman"/>
-                        <a:cs typeface="Times New Roman"/>
-                      </a:endParaRPr>
-                    </a:p>
-                  </a:txBody>
-                  <a:tcPr marL="68580" marR="68580" marT="0" marB="0"/>
-                </a:tc>
-                <a:tc>
-                  <a:txBody>
-                    <a:bodyPr/>
-                    <a:lstStyle/>
-                    <a:p>
-                      <a:pPr algn="just">
-                        <a:lnSpc>
-                          <a:spcPts val="1200"/>
-                        </a:lnSpc>
-                        <a:spcAft>
-                          <a:spcPts val="0"/>
-                        </a:spcAft>
-                      </a:pPr>
-                      <a:r>
-                        <a:rPr lang="nl-NL" sz="800" dirty="0">
-                          <a:effectLst/>
-                        </a:rPr>
-                        <a:t>null</a:t>
-                      </a:r>
-                      <a:endParaRPr lang="nl-NL" sz="800" dirty="0">
-                        <a:effectLst/>
-                        <a:latin typeface="Verdana"/>
-                        <a:ea typeface="Times New Roman"/>
-                        <a:cs typeface="Times New Roman"/>
-                      </a:endParaRPr>
-                    </a:p>
-                  </a:txBody>
-                  <a:tcPr marL="68580" marR="68580" marT="0" marB="0"/>
-                </a:tc>
-              </a:tr>
-            </a:tbl>
-          </a:graphicData>
-        </a:graphic>
-      </p:graphicFrame>
-      <p:sp>
-        <p:nvSpPr>
-          <p:cNvPr id="3" name="Rectangle 2"/>
-          <p:cNvSpPr/>
-          <p:nvPr/>
-        </p:nvSpPr>
-        <p:spPr>
-          <a:xfrm>
-            <a:off x="2195736" y="1340768"/>
-            <a:ext cx="4572000" cy="1200329"/>
-          </a:xfrm>
-          <a:prstGeom prst="rect">
-            <a:avLst/>
-          </a:prstGeom>
-        </p:spPr>
-        <p:txBody>
-          <a:bodyPr>
-            <a:spAutoFit/>
-          </a:bodyPr>
-          <a:lstStyle/>
-          <a:p>
-            <a:r>
-              <a:rPr lang="nl-NL" dirty="0"/>
-              <a:t>Op een tijdstip t2 (2-9-2019 uit onderstaand scenario) stelt een bevoegd gezag een gewijzigd omgevingsdocument vast en biedt dit (op 4-9-2019) aan de registratie aan.</a:t>
-            </a:r>
-          </a:p>
-        </p:txBody>
-      </p:sp>
-    </p:spTree>
-    <p:extLst>
-      <p:ext uri="{BB962C8B-B14F-4D97-AF65-F5344CB8AC3E}">
-        <p14:creationId xmlns:p14="http://schemas.microsoft.com/office/powerpoint/2010/main" xmlns="" val="2636474624"/>
+        <p14:creationId xmlns="" xmlns:p14="http://schemas.microsoft.com/office/powerpoint/2010/main" val="274015372"/>
       </p:ext>
     </p:extLst>
   </p:cSld>
@@ -5324,27 +3715,20 @@
         </p:nvSpPr>
         <p:spPr>
           <a:xfrm>
-            <a:off x="0" y="332656"/>
+            <a:off x="-252536" y="0"/>
             <a:ext cx="8229600" cy="1143000"/>
           </a:xfrm>
         </p:spPr>
         <p:txBody>
           <a:bodyPr>
-            <a:noAutofit/>
+            <a:normAutofit/>
           </a:bodyPr>
           <a:lstStyle/>
           <a:p>
             <a:r>
-              <a:rPr lang="nl-NL" sz="2400" b="1" dirty="0" smtClean="0"/>
-              <a:t>Stap 3: Het publiceren van een wijziging van een omgevingsdocument (artikel voor wonen splitsen in wonen en wonen 2)</a:t>
+              <a:rPr lang="nl-NL" sz="2400" b="1" dirty="0"/>
+              <a:t>Stap 1: Het publiceren van een nieuw omgevingsdocument</a:t>
             </a:r>
-            <a:r>
-              <a:rPr lang="nl-NL" sz="2400" dirty="0" smtClean="0"/>
-              <a:t/>
-            </a:r>
-            <a:br>
-              <a:rPr lang="nl-NL" sz="2400" dirty="0" smtClean="0"/>
-            </a:br>
             <a:endParaRPr lang="nl-NL" sz="2400" dirty="0"/>
           </a:p>
         </p:txBody>
@@ -5359,7 +3743,7 @@
           <a:blip r:embed="rId2" cstate="print">
             <a:extLst>
               <a:ext uri="{28A0092B-C50C-407E-A947-70E740481C1C}">
-                <a14:useLocalDpi xmlns:a14="http://schemas.microsoft.com/office/drawing/2010/main" xmlns="" val="0"/>
+                <a14:useLocalDpi xmlns="" xmlns:a14="http://schemas.microsoft.com/office/drawing/2010/main" val="0"/>
               </a:ext>
             </a:extLst>
           </a:blip>
@@ -5369,8 +3753,8 @@
         </p:blipFill>
         <p:spPr>
           <a:xfrm>
-            <a:off x="4080504" y="1484784"/>
-            <a:ext cx="4732020" cy="3649980"/>
+            <a:off x="1547664" y="2708920"/>
+            <a:ext cx="5760720" cy="1657350"/>
           </a:xfrm>
           <a:prstGeom prst="rect">
             <a:avLst/>
@@ -5386,14 +3770,14 @@
           <p:nvPr>
             <p:extLst>
               <p:ext uri="{D42A27DB-BD31-4B8C-83A1-F6EECF244321}">
-                <p14:modId xmlns:p14="http://schemas.microsoft.com/office/powerpoint/2010/main" xmlns="" val="3057687638"/>
+                <p14:modId xmlns="" xmlns:p14="http://schemas.microsoft.com/office/powerpoint/2010/main" val="2908614482"/>
               </p:ext>
             </p:extLst>
           </p:nvPr>
         </p:nvGraphicFramePr>
         <p:xfrm>
-          <a:off x="1619672" y="5301208"/>
-          <a:ext cx="5637530" cy="1371600"/>
+          <a:off x="1653734" y="4653136"/>
+          <a:ext cx="5637530" cy="1259586"/>
         </p:xfrm>
         <a:graphic>
           <a:graphicData uri="http://schemas.openxmlformats.org/drawingml/2006/table">
@@ -5406,7 +3790,7 @@
                 <a:gridCol w="2044700"/>
                 <a:gridCol w="1881505"/>
               </a:tblGrid>
-              <a:tr h="0">
+              <a:tr h="32351">
                 <a:tc>
                   <a:txBody>
                     <a:bodyPr/>
@@ -5424,7 +3808,7 @@
                         <a:rPr lang="nl-NL" sz="800" dirty="0">
                           <a:effectLst/>
                         </a:rPr>
-                        <a:t>Derde versie</a:t>
+                        <a:t>Eerste versie</a:t>
                       </a:r>
                       <a:endParaRPr lang="nl-NL" sz="800" dirty="0">
                         <a:effectLst/>
@@ -5450,12 +3834,12 @@
                         </a:spcAft>
                       </a:pPr>
                       <a:r>
-                        <a:rPr lang="nl-NL" sz="800" dirty="0">
+                        <a:rPr lang="nl-NL" sz="800">
                           <a:effectLst/>
                         </a:rPr>
                         <a:t>Attribuut</a:t>
                       </a:r>
-                      <a:endParaRPr lang="nl-NL" sz="800" dirty="0">
+                      <a:endParaRPr lang="nl-NL" sz="800">
                         <a:effectLst/>
                         <a:latin typeface="Verdana"/>
                         <a:ea typeface="Times New Roman"/>
@@ -5571,7 +3955,7 @@
                         <a:rPr lang="nl-NL" sz="800">
                           <a:effectLst/>
                         </a:rPr>
-                        <a:t>1-10-2019</a:t>
+                        <a:t>1-6-2019</a:t>
                       </a:r>
                       <a:endParaRPr lang="nl-NL" sz="800">
                         <a:effectLst/>
@@ -5660,7 +4044,7 @@
                         <a:rPr lang="nl-NL" sz="800">
                           <a:effectLst/>
                         </a:rPr>
-                        <a:t>Null</a:t>
+                        <a:t>null</a:t>
                       </a:r>
                       <a:endParaRPr lang="nl-NL" sz="800">
                         <a:effectLst/>
@@ -5749,7 +4133,7 @@
                         <a:rPr lang="nl-NL" sz="800">
                           <a:effectLst/>
                         </a:rPr>
-                        <a:t>15-11-2019</a:t>
+                        <a:t>15-8-2019</a:t>
                       </a:r>
                       <a:endParaRPr lang="nl-NL" sz="800">
                         <a:effectLst/>
@@ -5838,7 +4222,7 @@
                         <a:rPr lang="nl-NL" sz="800">
                           <a:effectLst/>
                         </a:rPr>
-                        <a:t>Null</a:t>
+                        <a:t>null</a:t>
                       </a:r>
                       <a:endParaRPr lang="nl-NL" sz="800">
                         <a:effectLst/>
@@ -5927,7 +4311,7 @@
                         <a:rPr lang="nl-NL" sz="800">
                           <a:effectLst/>
                         </a:rPr>
-                        <a:t>2-10-2019</a:t>
+                        <a:t>1-7-2019</a:t>
                       </a:r>
                       <a:endParaRPr lang="nl-NL" sz="800">
                         <a:effectLst/>
@@ -6016,7 +4400,7 @@
                         <a:rPr lang="nl-NL" sz="800">
                           <a:effectLst/>
                         </a:rPr>
-                        <a:t>3-10-2019</a:t>
+                        <a:t>3-7-2019</a:t>
                       </a:r>
                       <a:endParaRPr lang="nl-NL" sz="800">
                         <a:effectLst/>
@@ -6105,7 +4489,7 @@
                         <a:rPr lang="nl-NL" sz="800">
                           <a:effectLst/>
                         </a:rPr>
-                        <a:t>4-10-2019</a:t>
+                        <a:t>4-7-2019</a:t>
                       </a:r>
                       <a:endParaRPr lang="nl-NL" sz="800">
                         <a:effectLst/>
@@ -6213,14 +4597,14 @@
       </p:graphicFrame>
       <p:sp>
         <p:nvSpPr>
-          <p:cNvPr id="3" name="Rectangle 2"/>
+          <p:cNvPr id="6" name="Rectangle 5"/>
           <p:cNvSpPr/>
           <p:nvPr/>
         </p:nvSpPr>
         <p:spPr>
           <a:xfrm>
-            <a:off x="35496" y="2420888"/>
-            <a:ext cx="4572000" cy="1200329"/>
+            <a:off x="3707904" y="1196752"/>
+            <a:ext cx="4572000" cy="1477328"/>
           </a:xfrm>
           <a:prstGeom prst="rect">
             <a:avLst/>
@@ -6234,7 +4618,7 @@
           <a:p>
             <a:r>
               <a:rPr lang="nl-NL" dirty="0"/>
-              <a:t>Op een tijdstip t3 (2-10-2019 uit onderstaand scenario) stelt een bevoegd gezag een omgevingsdocument vast en biedt dit (op 4-10-2019) aan de registratie aan.</a:t>
+              <a:t>Op een tijdstip t1 (1-7-2019 uit onderstaand scenario) stelt een bevoegd gezag een omgevingsdocument vast en biedt dit vervolgens (op 4-7-2019) aan de registratie aan.</a:t>
             </a:r>
           </a:p>
         </p:txBody>
@@ -6242,7 +4626,7 @@
     </p:spTree>
     <p:extLst>
       <p:ext uri="{BB962C8B-B14F-4D97-AF65-F5344CB8AC3E}">
-        <p14:creationId xmlns:p14="http://schemas.microsoft.com/office/powerpoint/2010/main" xmlns="" val="2504983219"/>
+        <p14:creationId xmlns="" xmlns:p14="http://schemas.microsoft.com/office/powerpoint/2010/main" val="992229514"/>
       </p:ext>
     </p:extLst>
   </p:cSld>
@@ -6288,6 +4672,1934 @@
         </p:nvSpPr>
         <p:spPr>
           <a:xfrm>
+            <a:off x="0" y="332656"/>
+            <a:ext cx="8229600" cy="1143000"/>
+          </a:xfrm>
+        </p:spPr>
+        <p:txBody>
+          <a:bodyPr>
+            <a:noAutofit/>
+          </a:bodyPr>
+          <a:lstStyle/>
+          <a:p>
+            <a:r>
+              <a:rPr lang="nl-NL" sz="2400" b="1" dirty="0"/>
+              <a:t>Stap 2: Het publiceren van een wijziging van een omgevingsdocument (invoegen nieuw artikel)</a:t>
+            </a:r>
+            <a:r>
+              <a:rPr lang="nl-NL" sz="2400" dirty="0"/>
+              <a:t/>
+            </a:r>
+            <a:br>
+              <a:rPr lang="nl-NL" sz="2400" dirty="0"/>
+            </a:br>
+            <a:endParaRPr lang="nl-NL" sz="2400" dirty="0"/>
+          </a:p>
+        </p:txBody>
+      </p:sp>
+      <p:pic>
+        <p:nvPicPr>
+          <p:cNvPr id="4" name="Picture 3"/>
+          <p:cNvPicPr/>
+          <p:nvPr/>
+        </p:nvPicPr>
+        <p:blipFill>
+          <a:blip r:embed="rId2" cstate="print">
+            <a:extLst>
+              <a:ext uri="{28A0092B-C50C-407E-A947-70E740481C1C}">
+                <a14:useLocalDpi xmlns="" xmlns:a14="http://schemas.microsoft.com/office/drawing/2010/main" val="0"/>
+              </a:ext>
+            </a:extLst>
+          </a:blip>
+          <a:stretch>
+            <a:fillRect/>
+          </a:stretch>
+        </p:blipFill>
+        <p:spPr>
+          <a:xfrm>
+            <a:off x="2051720" y="2780928"/>
+            <a:ext cx="5052060" cy="2430780"/>
+          </a:xfrm>
+          <a:prstGeom prst="rect">
+            <a:avLst/>
+          </a:prstGeom>
+        </p:spPr>
+      </p:pic>
+      <p:graphicFrame>
+        <p:nvGraphicFramePr>
+          <p:cNvPr id="5" name="Table 4"/>
+          <p:cNvGraphicFramePr>
+            <a:graphicFrameLocks noGrp="1"/>
+          </p:cNvGraphicFramePr>
+          <p:nvPr>
+            <p:extLst>
+              <p:ext uri="{D42A27DB-BD31-4B8C-83A1-F6EECF244321}">
+                <p14:modId xmlns="" xmlns:p14="http://schemas.microsoft.com/office/powerpoint/2010/main" val="212297512"/>
+              </p:ext>
+            </p:extLst>
+          </p:nvPr>
+        </p:nvGraphicFramePr>
+        <p:xfrm>
+          <a:off x="1835696" y="5301208"/>
+          <a:ext cx="5637530" cy="1259586"/>
+        </p:xfrm>
+        <a:graphic>
+          <a:graphicData uri="http://schemas.openxmlformats.org/drawingml/2006/table">
+            <a:tbl>
+              <a:tblPr firstRow="1" firstCol="1" bandRow="1">
+                <a:tableStyleId>{5C22544A-7EE6-4342-B048-85BDC9FD1C3A}</a:tableStyleId>
+              </a:tblPr>
+              <a:tblGrid>
+                <a:gridCol w="1711325"/>
+                <a:gridCol w="2044700"/>
+                <a:gridCol w="1881505"/>
+              </a:tblGrid>
+              <a:tr h="0">
+                <a:tc>
+                  <a:txBody>
+                    <a:bodyPr/>
+                    <a:lstStyle/>
+                    <a:p>
+                      <a:pPr algn="just">
+                        <a:lnSpc>
+                          <a:spcPts val="1200"/>
+                        </a:lnSpc>
+                        <a:spcAft>
+                          <a:spcPts val="0"/>
+                        </a:spcAft>
+                      </a:pPr>
+                      <a:r>
+                        <a:rPr lang="nl-NL" sz="800" dirty="0">
+                          <a:effectLst/>
+                        </a:rPr>
+                        <a:t>Tweede versie</a:t>
+                      </a:r>
+                      <a:endParaRPr lang="nl-NL" sz="800" dirty="0">
+                        <a:effectLst/>
+                        <a:latin typeface="Verdana"/>
+                        <a:ea typeface="Times New Roman"/>
+                        <a:cs typeface="Times New Roman"/>
+                      </a:endParaRPr>
+                    </a:p>
+                  </a:txBody>
+                  <a:tcPr marL="68580" marR="68580" marT="0" marB="0"/>
+                </a:tc>
+                <a:tc>
+                  <a:txBody>
+                    <a:bodyPr/>
+                    <a:lstStyle/>
+                    <a:p>
+                      <a:pPr algn="just">
+                        <a:lnSpc>
+                          <a:spcPts val="1200"/>
+                        </a:lnSpc>
+                        <a:spcAft>
+                          <a:spcPts val="0"/>
+                        </a:spcAft>
+                      </a:pPr>
+                      <a:r>
+                        <a:rPr lang="nl-NL" sz="800" dirty="0">
+                          <a:effectLst/>
+                        </a:rPr>
+                        <a:t>Attribuut</a:t>
+                      </a:r>
+                      <a:endParaRPr lang="nl-NL" sz="800" dirty="0">
+                        <a:effectLst/>
+                        <a:latin typeface="Verdana"/>
+                        <a:ea typeface="Times New Roman"/>
+                        <a:cs typeface="Times New Roman"/>
+                      </a:endParaRPr>
+                    </a:p>
+                  </a:txBody>
+                  <a:tcPr marL="68580" marR="68580" marT="0" marB="0"/>
+                </a:tc>
+                <a:tc>
+                  <a:txBody>
+                    <a:bodyPr/>
+                    <a:lstStyle/>
+                    <a:p>
+                      <a:pPr algn="just">
+                        <a:lnSpc>
+                          <a:spcPts val="1200"/>
+                        </a:lnSpc>
+                        <a:spcAft>
+                          <a:spcPts val="0"/>
+                        </a:spcAft>
+                      </a:pPr>
+                      <a:r>
+                        <a:rPr lang="nl-NL" sz="800">
+                          <a:effectLst/>
+                        </a:rPr>
+                        <a:t>Waarde</a:t>
+                      </a:r>
+                      <a:endParaRPr lang="nl-NL" sz="800">
+                        <a:effectLst/>
+                        <a:latin typeface="Verdana"/>
+                        <a:ea typeface="Times New Roman"/>
+                        <a:cs typeface="Times New Roman"/>
+                      </a:endParaRPr>
+                    </a:p>
+                  </a:txBody>
+                  <a:tcPr marL="68580" marR="68580" marT="0" marB="0"/>
+                </a:tc>
+              </a:tr>
+              <a:tr h="0">
+                <a:tc>
+                  <a:txBody>
+                    <a:bodyPr/>
+                    <a:lstStyle/>
+                    <a:p>
+                      <a:pPr algn="just">
+                        <a:lnSpc>
+                          <a:spcPts val="1200"/>
+                        </a:lnSpc>
+                        <a:spcAft>
+                          <a:spcPts val="0"/>
+                        </a:spcAft>
+                      </a:pPr>
+                      <a:r>
+                        <a:rPr lang="nl-NL" sz="800">
+                          <a:effectLst/>
+                        </a:rPr>
+                        <a:t>&lt;start formeel aspect&gt;</a:t>
+                      </a:r>
+                      <a:endParaRPr lang="nl-NL" sz="800">
+                        <a:effectLst/>
+                        <a:latin typeface="Verdana"/>
+                        <a:ea typeface="Times New Roman"/>
+                        <a:cs typeface="Times New Roman"/>
+                      </a:endParaRPr>
+                    </a:p>
+                  </a:txBody>
+                  <a:tcPr marL="68580" marR="68580" marT="0" marB="0"/>
+                </a:tc>
+                <a:tc>
+                  <a:txBody>
+                    <a:bodyPr/>
+                    <a:lstStyle/>
+                    <a:p>
+                      <a:pPr algn="just">
+                        <a:lnSpc>
+                          <a:spcPts val="1200"/>
+                        </a:lnSpc>
+                        <a:spcAft>
+                          <a:spcPts val="0"/>
+                        </a:spcAft>
+                      </a:pPr>
+                      <a:r>
+                        <a:rPr lang="nl-NL" sz="800">
+                          <a:effectLst/>
+                        </a:rPr>
+                        <a:t>Tijdstip registratie</a:t>
+                      </a:r>
+                      <a:endParaRPr lang="nl-NL" sz="800">
+                        <a:effectLst/>
+                        <a:latin typeface="Verdana"/>
+                        <a:ea typeface="Times New Roman"/>
+                        <a:cs typeface="Times New Roman"/>
+                      </a:endParaRPr>
+                    </a:p>
+                  </a:txBody>
+                  <a:tcPr marL="68580" marR="68580" marT="0" marB="0"/>
+                </a:tc>
+                <a:tc>
+                  <a:txBody>
+                    <a:bodyPr/>
+                    <a:lstStyle/>
+                    <a:p>
+                      <a:pPr algn="just">
+                        <a:lnSpc>
+                          <a:spcPts val="1200"/>
+                        </a:lnSpc>
+                        <a:spcAft>
+                          <a:spcPts val="0"/>
+                        </a:spcAft>
+                      </a:pPr>
+                      <a:r>
+                        <a:rPr lang="nl-NL" sz="800">
+                          <a:effectLst/>
+                        </a:rPr>
+                        <a:t>1-9-2019</a:t>
+                      </a:r>
+                      <a:endParaRPr lang="nl-NL" sz="800">
+                        <a:effectLst/>
+                        <a:latin typeface="Verdana"/>
+                        <a:ea typeface="Times New Roman"/>
+                        <a:cs typeface="Times New Roman"/>
+                      </a:endParaRPr>
+                    </a:p>
+                  </a:txBody>
+                  <a:tcPr marL="68580" marR="68580" marT="0" marB="0"/>
+                </a:tc>
+              </a:tr>
+              <a:tr h="0">
+                <a:tc>
+                  <a:txBody>
+                    <a:bodyPr/>
+                    <a:lstStyle/>
+                    <a:p>
+                      <a:pPr algn="just">
+                        <a:lnSpc>
+                          <a:spcPts val="1200"/>
+                        </a:lnSpc>
+                        <a:spcAft>
+                          <a:spcPts val="0"/>
+                        </a:spcAft>
+                      </a:pPr>
+                      <a:r>
+                        <a:rPr lang="nl-NL" sz="800">
+                          <a:effectLst/>
+                        </a:rPr>
+                        <a:t>&lt;eind formeel aspect&gt;</a:t>
+                      </a:r>
+                      <a:endParaRPr lang="nl-NL" sz="800">
+                        <a:effectLst/>
+                        <a:latin typeface="Verdana"/>
+                        <a:ea typeface="Times New Roman"/>
+                        <a:cs typeface="Times New Roman"/>
+                      </a:endParaRPr>
+                    </a:p>
+                  </a:txBody>
+                  <a:tcPr marL="68580" marR="68580" marT="0" marB="0"/>
+                </a:tc>
+                <a:tc>
+                  <a:txBody>
+                    <a:bodyPr/>
+                    <a:lstStyle/>
+                    <a:p>
+                      <a:pPr algn="just">
+                        <a:lnSpc>
+                          <a:spcPts val="1200"/>
+                        </a:lnSpc>
+                        <a:spcAft>
+                          <a:spcPts val="0"/>
+                        </a:spcAft>
+                      </a:pPr>
+                      <a:r>
+                        <a:rPr lang="nl-NL" sz="800">
+                          <a:effectLst/>
+                        </a:rPr>
+                        <a:t>Eind registratie</a:t>
+                      </a:r>
+                      <a:endParaRPr lang="nl-NL" sz="800">
+                        <a:effectLst/>
+                        <a:latin typeface="Verdana"/>
+                        <a:ea typeface="Times New Roman"/>
+                        <a:cs typeface="Times New Roman"/>
+                      </a:endParaRPr>
+                    </a:p>
+                  </a:txBody>
+                  <a:tcPr marL="68580" marR="68580" marT="0" marB="0"/>
+                </a:tc>
+                <a:tc>
+                  <a:txBody>
+                    <a:bodyPr/>
+                    <a:lstStyle/>
+                    <a:p>
+                      <a:pPr algn="just">
+                        <a:lnSpc>
+                          <a:spcPts val="1200"/>
+                        </a:lnSpc>
+                        <a:spcAft>
+                          <a:spcPts val="0"/>
+                        </a:spcAft>
+                      </a:pPr>
+                      <a:r>
+                        <a:rPr lang="nl-NL" sz="800">
+                          <a:effectLst/>
+                        </a:rPr>
+                        <a:t>Null</a:t>
+                      </a:r>
+                      <a:endParaRPr lang="nl-NL" sz="800">
+                        <a:effectLst/>
+                        <a:latin typeface="Verdana"/>
+                        <a:ea typeface="Times New Roman"/>
+                        <a:cs typeface="Times New Roman"/>
+                      </a:endParaRPr>
+                    </a:p>
+                  </a:txBody>
+                  <a:tcPr marL="68580" marR="68580" marT="0" marB="0"/>
+                </a:tc>
+              </a:tr>
+              <a:tr h="0">
+                <a:tc>
+                  <a:txBody>
+                    <a:bodyPr/>
+                    <a:lstStyle/>
+                    <a:p>
+                      <a:pPr algn="just">
+                        <a:lnSpc>
+                          <a:spcPts val="1200"/>
+                        </a:lnSpc>
+                        <a:spcAft>
+                          <a:spcPts val="0"/>
+                        </a:spcAft>
+                      </a:pPr>
+                      <a:r>
+                        <a:rPr lang="nl-NL" sz="800">
+                          <a:effectLst/>
+                        </a:rPr>
+                        <a:t>&lt;start materieel aspect&gt;</a:t>
+                      </a:r>
+                      <a:endParaRPr lang="nl-NL" sz="800">
+                        <a:effectLst/>
+                        <a:latin typeface="Verdana"/>
+                        <a:ea typeface="Times New Roman"/>
+                        <a:cs typeface="Times New Roman"/>
+                      </a:endParaRPr>
+                    </a:p>
+                  </a:txBody>
+                  <a:tcPr marL="68580" marR="68580" marT="0" marB="0"/>
+                </a:tc>
+                <a:tc>
+                  <a:txBody>
+                    <a:bodyPr/>
+                    <a:lstStyle/>
+                    <a:p>
+                      <a:pPr algn="just">
+                        <a:lnSpc>
+                          <a:spcPts val="1200"/>
+                        </a:lnSpc>
+                        <a:spcAft>
+                          <a:spcPts val="0"/>
+                        </a:spcAft>
+                      </a:pPr>
+                      <a:r>
+                        <a:rPr lang="nl-NL" sz="800">
+                          <a:effectLst/>
+                        </a:rPr>
+                        <a:t>Begin geldigheid</a:t>
+                      </a:r>
+                      <a:endParaRPr lang="nl-NL" sz="800">
+                        <a:effectLst/>
+                        <a:latin typeface="Verdana"/>
+                        <a:ea typeface="Times New Roman"/>
+                        <a:cs typeface="Times New Roman"/>
+                      </a:endParaRPr>
+                    </a:p>
+                  </a:txBody>
+                  <a:tcPr marL="68580" marR="68580" marT="0" marB="0"/>
+                </a:tc>
+                <a:tc>
+                  <a:txBody>
+                    <a:bodyPr/>
+                    <a:lstStyle/>
+                    <a:p>
+                      <a:pPr algn="just">
+                        <a:lnSpc>
+                          <a:spcPts val="1200"/>
+                        </a:lnSpc>
+                        <a:spcAft>
+                          <a:spcPts val="0"/>
+                        </a:spcAft>
+                      </a:pPr>
+                      <a:r>
+                        <a:rPr lang="nl-NL" sz="800">
+                          <a:effectLst/>
+                        </a:rPr>
+                        <a:t>16-10-2019</a:t>
+                      </a:r>
+                      <a:endParaRPr lang="nl-NL" sz="800">
+                        <a:effectLst/>
+                        <a:latin typeface="Verdana"/>
+                        <a:ea typeface="Times New Roman"/>
+                        <a:cs typeface="Times New Roman"/>
+                      </a:endParaRPr>
+                    </a:p>
+                  </a:txBody>
+                  <a:tcPr marL="68580" marR="68580" marT="0" marB="0"/>
+                </a:tc>
+              </a:tr>
+              <a:tr h="0">
+                <a:tc>
+                  <a:txBody>
+                    <a:bodyPr/>
+                    <a:lstStyle/>
+                    <a:p>
+                      <a:pPr algn="just">
+                        <a:lnSpc>
+                          <a:spcPts val="1200"/>
+                        </a:lnSpc>
+                        <a:spcAft>
+                          <a:spcPts val="0"/>
+                        </a:spcAft>
+                      </a:pPr>
+                      <a:r>
+                        <a:rPr lang="nl-NL" sz="800">
+                          <a:effectLst/>
+                        </a:rPr>
+                        <a:t>&lt;eind materieel aspect&gt;</a:t>
+                      </a:r>
+                      <a:endParaRPr lang="nl-NL" sz="800">
+                        <a:effectLst/>
+                        <a:latin typeface="Verdana"/>
+                        <a:ea typeface="Times New Roman"/>
+                        <a:cs typeface="Times New Roman"/>
+                      </a:endParaRPr>
+                    </a:p>
+                  </a:txBody>
+                  <a:tcPr marL="68580" marR="68580" marT="0" marB="0"/>
+                </a:tc>
+                <a:tc>
+                  <a:txBody>
+                    <a:bodyPr/>
+                    <a:lstStyle/>
+                    <a:p>
+                      <a:pPr algn="just">
+                        <a:lnSpc>
+                          <a:spcPts val="1200"/>
+                        </a:lnSpc>
+                        <a:spcAft>
+                          <a:spcPts val="0"/>
+                        </a:spcAft>
+                      </a:pPr>
+                      <a:r>
+                        <a:rPr lang="nl-NL" sz="800">
+                          <a:effectLst/>
+                        </a:rPr>
+                        <a:t>Eind geldigheid</a:t>
+                      </a:r>
+                      <a:endParaRPr lang="nl-NL" sz="800">
+                        <a:effectLst/>
+                        <a:latin typeface="Verdana"/>
+                        <a:ea typeface="Times New Roman"/>
+                        <a:cs typeface="Times New Roman"/>
+                      </a:endParaRPr>
+                    </a:p>
+                  </a:txBody>
+                  <a:tcPr marL="68580" marR="68580" marT="0" marB="0"/>
+                </a:tc>
+                <a:tc>
+                  <a:txBody>
+                    <a:bodyPr/>
+                    <a:lstStyle/>
+                    <a:p>
+                      <a:pPr algn="just">
+                        <a:lnSpc>
+                          <a:spcPts val="1200"/>
+                        </a:lnSpc>
+                        <a:spcAft>
+                          <a:spcPts val="0"/>
+                        </a:spcAft>
+                      </a:pPr>
+                      <a:r>
+                        <a:rPr lang="nl-NL" sz="800">
+                          <a:effectLst/>
+                        </a:rPr>
+                        <a:t>Null</a:t>
+                      </a:r>
+                      <a:endParaRPr lang="nl-NL" sz="800">
+                        <a:effectLst/>
+                        <a:latin typeface="Verdana"/>
+                        <a:ea typeface="Times New Roman"/>
+                        <a:cs typeface="Times New Roman"/>
+                      </a:endParaRPr>
+                    </a:p>
+                  </a:txBody>
+                  <a:tcPr marL="68580" marR="68580" marT="0" marB="0"/>
+                </a:tc>
+              </a:tr>
+              <a:tr h="0">
+                <a:tc>
+                  <a:txBody>
+                    <a:bodyPr/>
+                    <a:lstStyle/>
+                    <a:p>
+                      <a:pPr algn="just">
+                        <a:lnSpc>
+                          <a:spcPts val="1200"/>
+                        </a:lnSpc>
+                        <a:spcAft>
+                          <a:spcPts val="0"/>
+                        </a:spcAft>
+                      </a:pPr>
+                      <a:r>
+                        <a:rPr lang="nl-NL" sz="800">
+                          <a:effectLst/>
+                        </a:rPr>
+                        <a:t> </a:t>
+                      </a:r>
+                      <a:endParaRPr lang="nl-NL" sz="800">
+                        <a:effectLst/>
+                        <a:latin typeface="Verdana"/>
+                        <a:ea typeface="Times New Roman"/>
+                        <a:cs typeface="Times New Roman"/>
+                      </a:endParaRPr>
+                    </a:p>
+                  </a:txBody>
+                  <a:tcPr marL="68580" marR="68580" marT="0" marB="0"/>
+                </a:tc>
+                <a:tc>
+                  <a:txBody>
+                    <a:bodyPr/>
+                    <a:lstStyle/>
+                    <a:p>
+                      <a:pPr algn="just">
+                        <a:lnSpc>
+                          <a:spcPts val="1200"/>
+                        </a:lnSpc>
+                        <a:spcAft>
+                          <a:spcPts val="0"/>
+                        </a:spcAft>
+                      </a:pPr>
+                      <a:r>
+                        <a:rPr lang="nl-NL" sz="800">
+                          <a:effectLst/>
+                        </a:rPr>
+                        <a:t>Datum vaststelling</a:t>
+                      </a:r>
+                      <a:endParaRPr lang="nl-NL" sz="800">
+                        <a:effectLst/>
+                        <a:latin typeface="Verdana"/>
+                        <a:ea typeface="Times New Roman"/>
+                        <a:cs typeface="Times New Roman"/>
+                      </a:endParaRPr>
+                    </a:p>
+                  </a:txBody>
+                  <a:tcPr marL="68580" marR="68580" marT="0" marB="0"/>
+                </a:tc>
+                <a:tc>
+                  <a:txBody>
+                    <a:bodyPr/>
+                    <a:lstStyle/>
+                    <a:p>
+                      <a:pPr algn="just">
+                        <a:lnSpc>
+                          <a:spcPts val="1200"/>
+                        </a:lnSpc>
+                        <a:spcAft>
+                          <a:spcPts val="0"/>
+                        </a:spcAft>
+                      </a:pPr>
+                      <a:r>
+                        <a:rPr lang="nl-NL" sz="800">
+                          <a:effectLst/>
+                        </a:rPr>
+                        <a:t>2-9-2019</a:t>
+                      </a:r>
+                      <a:endParaRPr lang="nl-NL" sz="800">
+                        <a:effectLst/>
+                        <a:latin typeface="Verdana"/>
+                        <a:ea typeface="Times New Roman"/>
+                        <a:cs typeface="Times New Roman"/>
+                      </a:endParaRPr>
+                    </a:p>
+                  </a:txBody>
+                  <a:tcPr marL="68580" marR="68580" marT="0" marB="0"/>
+                </a:tc>
+              </a:tr>
+              <a:tr h="0">
+                <a:tc>
+                  <a:txBody>
+                    <a:bodyPr/>
+                    <a:lstStyle/>
+                    <a:p>
+                      <a:pPr algn="just">
+                        <a:lnSpc>
+                          <a:spcPts val="1200"/>
+                        </a:lnSpc>
+                        <a:spcAft>
+                          <a:spcPts val="0"/>
+                        </a:spcAft>
+                      </a:pPr>
+                      <a:r>
+                        <a:rPr lang="nl-NL" sz="800">
+                          <a:effectLst/>
+                        </a:rPr>
+                        <a:t> </a:t>
+                      </a:r>
+                      <a:endParaRPr lang="nl-NL" sz="800">
+                        <a:effectLst/>
+                        <a:latin typeface="Verdana"/>
+                        <a:ea typeface="Times New Roman"/>
+                        <a:cs typeface="Times New Roman"/>
+                      </a:endParaRPr>
+                    </a:p>
+                  </a:txBody>
+                  <a:tcPr marL="68580" marR="68580" marT="0" marB="0"/>
+                </a:tc>
+                <a:tc>
+                  <a:txBody>
+                    <a:bodyPr/>
+                    <a:lstStyle/>
+                    <a:p>
+                      <a:pPr algn="just">
+                        <a:lnSpc>
+                          <a:spcPts val="1200"/>
+                        </a:lnSpc>
+                        <a:spcAft>
+                          <a:spcPts val="0"/>
+                        </a:spcAft>
+                      </a:pPr>
+                      <a:r>
+                        <a:rPr lang="nl-NL" sz="800">
+                          <a:effectLst/>
+                        </a:rPr>
+                        <a:t>Datum bekendmaking</a:t>
+                      </a:r>
+                      <a:endParaRPr lang="nl-NL" sz="800">
+                        <a:effectLst/>
+                        <a:latin typeface="Verdana"/>
+                        <a:ea typeface="Times New Roman"/>
+                        <a:cs typeface="Times New Roman"/>
+                      </a:endParaRPr>
+                    </a:p>
+                  </a:txBody>
+                  <a:tcPr marL="68580" marR="68580" marT="0" marB="0"/>
+                </a:tc>
+                <a:tc>
+                  <a:txBody>
+                    <a:bodyPr/>
+                    <a:lstStyle/>
+                    <a:p>
+                      <a:pPr algn="just">
+                        <a:lnSpc>
+                          <a:spcPts val="1200"/>
+                        </a:lnSpc>
+                        <a:spcAft>
+                          <a:spcPts val="0"/>
+                        </a:spcAft>
+                      </a:pPr>
+                      <a:r>
+                        <a:rPr lang="nl-NL" sz="800">
+                          <a:effectLst/>
+                        </a:rPr>
+                        <a:t>3-9-2019</a:t>
+                      </a:r>
+                      <a:endParaRPr lang="nl-NL" sz="800">
+                        <a:effectLst/>
+                        <a:latin typeface="Verdana"/>
+                        <a:ea typeface="Times New Roman"/>
+                        <a:cs typeface="Times New Roman"/>
+                      </a:endParaRPr>
+                    </a:p>
+                  </a:txBody>
+                  <a:tcPr marL="68580" marR="68580" marT="0" marB="0"/>
+                </a:tc>
+              </a:tr>
+              <a:tr h="0">
+                <a:tc>
+                  <a:txBody>
+                    <a:bodyPr/>
+                    <a:lstStyle/>
+                    <a:p>
+                      <a:pPr algn="just">
+                        <a:lnSpc>
+                          <a:spcPts val="1200"/>
+                        </a:lnSpc>
+                        <a:spcAft>
+                          <a:spcPts val="0"/>
+                        </a:spcAft>
+                      </a:pPr>
+                      <a:r>
+                        <a:rPr lang="nl-NL" sz="800">
+                          <a:effectLst/>
+                        </a:rPr>
+                        <a:t> </a:t>
+                      </a:r>
+                      <a:endParaRPr lang="nl-NL" sz="800">
+                        <a:effectLst/>
+                        <a:latin typeface="Verdana"/>
+                        <a:ea typeface="Times New Roman"/>
+                        <a:cs typeface="Times New Roman"/>
+                      </a:endParaRPr>
+                    </a:p>
+                  </a:txBody>
+                  <a:tcPr marL="68580" marR="68580" marT="0" marB="0"/>
+                </a:tc>
+                <a:tc>
+                  <a:txBody>
+                    <a:bodyPr/>
+                    <a:lstStyle/>
+                    <a:p>
+                      <a:pPr algn="just">
+                        <a:lnSpc>
+                          <a:spcPts val="1200"/>
+                        </a:lnSpc>
+                        <a:spcAft>
+                          <a:spcPts val="0"/>
+                        </a:spcAft>
+                      </a:pPr>
+                      <a:r>
+                        <a:rPr lang="nl-NL" sz="800">
+                          <a:effectLst/>
+                        </a:rPr>
+                        <a:t>Tijdstip registratie ROD</a:t>
+                      </a:r>
+                      <a:endParaRPr lang="nl-NL" sz="800">
+                        <a:effectLst/>
+                        <a:latin typeface="Verdana"/>
+                        <a:ea typeface="Times New Roman"/>
+                        <a:cs typeface="Times New Roman"/>
+                      </a:endParaRPr>
+                    </a:p>
+                  </a:txBody>
+                  <a:tcPr marL="68580" marR="68580" marT="0" marB="0"/>
+                </a:tc>
+                <a:tc>
+                  <a:txBody>
+                    <a:bodyPr/>
+                    <a:lstStyle/>
+                    <a:p>
+                      <a:pPr algn="just">
+                        <a:lnSpc>
+                          <a:spcPts val="1200"/>
+                        </a:lnSpc>
+                        <a:spcAft>
+                          <a:spcPts val="0"/>
+                        </a:spcAft>
+                      </a:pPr>
+                      <a:r>
+                        <a:rPr lang="nl-NL" sz="800">
+                          <a:effectLst/>
+                        </a:rPr>
+                        <a:t>4-9-2019</a:t>
+                      </a:r>
+                      <a:endParaRPr lang="nl-NL" sz="800">
+                        <a:effectLst/>
+                        <a:latin typeface="Verdana"/>
+                        <a:ea typeface="Times New Roman"/>
+                        <a:cs typeface="Times New Roman"/>
+                      </a:endParaRPr>
+                    </a:p>
+                  </a:txBody>
+                  <a:tcPr marL="68580" marR="68580" marT="0" marB="0"/>
+                </a:tc>
+              </a:tr>
+              <a:tr h="0">
+                <a:tc>
+                  <a:txBody>
+                    <a:bodyPr/>
+                    <a:lstStyle/>
+                    <a:p>
+                      <a:pPr algn="just">
+                        <a:lnSpc>
+                          <a:spcPts val="1200"/>
+                        </a:lnSpc>
+                        <a:spcAft>
+                          <a:spcPts val="0"/>
+                        </a:spcAft>
+                      </a:pPr>
+                      <a:r>
+                        <a:rPr lang="nl-NL" sz="800">
+                          <a:effectLst/>
+                        </a:rPr>
+                        <a:t> </a:t>
+                      </a:r>
+                      <a:endParaRPr lang="nl-NL" sz="800">
+                        <a:effectLst/>
+                        <a:latin typeface="Verdana"/>
+                        <a:ea typeface="Times New Roman"/>
+                        <a:cs typeface="Times New Roman"/>
+                      </a:endParaRPr>
+                    </a:p>
+                  </a:txBody>
+                  <a:tcPr marL="68580" marR="68580" marT="0" marB="0"/>
+                </a:tc>
+                <a:tc>
+                  <a:txBody>
+                    <a:bodyPr/>
+                    <a:lstStyle/>
+                    <a:p>
+                      <a:pPr algn="just">
+                        <a:lnSpc>
+                          <a:spcPts val="1200"/>
+                        </a:lnSpc>
+                        <a:spcAft>
+                          <a:spcPts val="0"/>
+                        </a:spcAft>
+                      </a:pPr>
+                      <a:r>
+                        <a:rPr lang="nl-NL" sz="800">
+                          <a:effectLst/>
+                        </a:rPr>
+                        <a:t>Eind registratie ROD</a:t>
+                      </a:r>
+                      <a:endParaRPr lang="nl-NL" sz="800">
+                        <a:effectLst/>
+                        <a:latin typeface="Verdana"/>
+                        <a:ea typeface="Times New Roman"/>
+                        <a:cs typeface="Times New Roman"/>
+                      </a:endParaRPr>
+                    </a:p>
+                  </a:txBody>
+                  <a:tcPr marL="68580" marR="68580" marT="0" marB="0"/>
+                </a:tc>
+                <a:tc>
+                  <a:txBody>
+                    <a:bodyPr/>
+                    <a:lstStyle/>
+                    <a:p>
+                      <a:pPr algn="just">
+                        <a:lnSpc>
+                          <a:spcPts val="1200"/>
+                        </a:lnSpc>
+                        <a:spcAft>
+                          <a:spcPts val="0"/>
+                        </a:spcAft>
+                      </a:pPr>
+                      <a:r>
+                        <a:rPr lang="nl-NL" sz="800" dirty="0">
+                          <a:effectLst/>
+                        </a:rPr>
+                        <a:t>null</a:t>
+                      </a:r>
+                      <a:endParaRPr lang="nl-NL" sz="800" dirty="0">
+                        <a:effectLst/>
+                        <a:latin typeface="Verdana"/>
+                        <a:ea typeface="Times New Roman"/>
+                        <a:cs typeface="Times New Roman"/>
+                      </a:endParaRPr>
+                    </a:p>
+                  </a:txBody>
+                  <a:tcPr marL="68580" marR="68580" marT="0" marB="0"/>
+                </a:tc>
+              </a:tr>
+            </a:tbl>
+          </a:graphicData>
+        </a:graphic>
+      </p:graphicFrame>
+      <p:sp>
+        <p:nvSpPr>
+          <p:cNvPr id="3" name="Rectangle 2"/>
+          <p:cNvSpPr/>
+          <p:nvPr/>
+        </p:nvSpPr>
+        <p:spPr>
+          <a:xfrm>
+            <a:off x="2195736" y="1340768"/>
+            <a:ext cx="4572000" cy="1200329"/>
+          </a:xfrm>
+          <a:prstGeom prst="rect">
+            <a:avLst/>
+          </a:prstGeom>
+        </p:spPr>
+        <p:txBody>
+          <a:bodyPr>
+            <a:spAutoFit/>
+          </a:bodyPr>
+          <a:lstStyle/>
+          <a:p>
+            <a:r>
+              <a:rPr lang="nl-NL" dirty="0"/>
+              <a:t>Op een tijdstip t2 (2-9-2019 uit onderstaand scenario) stelt een bevoegd gezag een gewijzigd omgevingsdocument vast en biedt dit (op 4-9-2019) aan de registratie aan.</a:t>
+            </a:r>
+          </a:p>
+        </p:txBody>
+      </p:sp>
+    </p:spTree>
+    <p:extLst>
+      <p:ext uri="{BB962C8B-B14F-4D97-AF65-F5344CB8AC3E}">
+        <p14:creationId xmlns="" xmlns:p14="http://schemas.microsoft.com/office/powerpoint/2010/main" val="2636474624"/>
+      </p:ext>
+    </p:extLst>
+  </p:cSld>
+  <p:clrMapOvr>
+    <a:masterClrMapping/>
+  </p:clrMapOvr>
+  <p:timing>
+    <p:tnLst>
+      <p:par>
+        <p:cTn id="1" dur="indefinite" restart="never" nodeType="tmRoot"/>
+      </p:par>
+    </p:tnLst>
+  </p:timing>
+</p:sld>
+</file>
+
+<file path=ppt/slides/slide18.xml><?xml version="1.0" encoding="utf-8"?>
+<p:sld xmlns:a="http://schemas.openxmlformats.org/drawingml/2006/main" xmlns:r="http://schemas.openxmlformats.org/officeDocument/2006/relationships" xmlns:p="http://schemas.openxmlformats.org/presentationml/2006/main">
+  <p:cSld>
+    <p:spTree>
+      <p:nvGrpSpPr>
+        <p:cNvPr id="1" name=""/>
+        <p:cNvGrpSpPr/>
+        <p:nvPr/>
+      </p:nvGrpSpPr>
+      <p:grpSpPr>
+        <a:xfrm>
+          <a:off x="0" y="0"/>
+          <a:ext cx="0" cy="0"/>
+          <a:chOff x="0" y="0"/>
+          <a:chExt cx="0" cy="0"/>
+        </a:xfrm>
+      </p:grpSpPr>
+      <p:sp>
+        <p:nvSpPr>
+          <p:cNvPr id="2" name="Title 1"/>
+          <p:cNvSpPr>
+            <a:spLocks noGrp="1"/>
+          </p:cNvSpPr>
+          <p:nvPr>
+            <p:ph type="title"/>
+          </p:nvPr>
+        </p:nvSpPr>
+        <p:spPr>
+          <a:xfrm>
+            <a:off x="0" y="332656"/>
+            <a:ext cx="8229600" cy="1143000"/>
+          </a:xfrm>
+        </p:spPr>
+        <p:txBody>
+          <a:bodyPr>
+            <a:noAutofit/>
+          </a:bodyPr>
+          <a:lstStyle/>
+          <a:p>
+            <a:r>
+              <a:rPr lang="nl-NL" sz="2400" b="1" dirty="0" smtClean="0"/>
+              <a:t>Stap 3: Het publiceren van een wijziging van een omgevingsdocument (artikel voor wonen splitsen in wonen en wonen 2)</a:t>
+            </a:r>
+            <a:r>
+              <a:rPr lang="nl-NL" sz="2400" dirty="0" smtClean="0"/>
+              <a:t/>
+            </a:r>
+            <a:br>
+              <a:rPr lang="nl-NL" sz="2400" dirty="0" smtClean="0"/>
+            </a:br>
+            <a:endParaRPr lang="nl-NL" sz="2400" dirty="0"/>
+          </a:p>
+        </p:txBody>
+      </p:sp>
+      <p:pic>
+        <p:nvPicPr>
+          <p:cNvPr id="4" name="Picture 3"/>
+          <p:cNvPicPr/>
+          <p:nvPr/>
+        </p:nvPicPr>
+        <p:blipFill>
+          <a:blip r:embed="rId2" cstate="print">
+            <a:extLst>
+              <a:ext uri="{28A0092B-C50C-407E-A947-70E740481C1C}">
+                <a14:useLocalDpi xmlns="" xmlns:a14="http://schemas.microsoft.com/office/drawing/2010/main" val="0"/>
+              </a:ext>
+            </a:extLst>
+          </a:blip>
+          <a:stretch>
+            <a:fillRect/>
+          </a:stretch>
+        </p:blipFill>
+        <p:spPr>
+          <a:xfrm>
+            <a:off x="4080504" y="1484784"/>
+            <a:ext cx="4732020" cy="3649980"/>
+          </a:xfrm>
+          <a:prstGeom prst="rect">
+            <a:avLst/>
+          </a:prstGeom>
+        </p:spPr>
+      </p:pic>
+      <p:graphicFrame>
+        <p:nvGraphicFramePr>
+          <p:cNvPr id="5" name="Table 4"/>
+          <p:cNvGraphicFramePr>
+            <a:graphicFrameLocks noGrp="1"/>
+          </p:cNvGraphicFramePr>
+          <p:nvPr>
+            <p:extLst>
+              <p:ext uri="{D42A27DB-BD31-4B8C-83A1-F6EECF244321}">
+                <p14:modId xmlns="" xmlns:p14="http://schemas.microsoft.com/office/powerpoint/2010/main" val="3057687638"/>
+              </p:ext>
+            </p:extLst>
+          </p:nvPr>
+        </p:nvGraphicFramePr>
+        <p:xfrm>
+          <a:off x="1619672" y="5301208"/>
+          <a:ext cx="5637530" cy="1259586"/>
+        </p:xfrm>
+        <a:graphic>
+          <a:graphicData uri="http://schemas.openxmlformats.org/drawingml/2006/table">
+            <a:tbl>
+              <a:tblPr firstRow="1" firstCol="1" bandRow="1">
+                <a:tableStyleId>{5C22544A-7EE6-4342-B048-85BDC9FD1C3A}</a:tableStyleId>
+              </a:tblPr>
+              <a:tblGrid>
+                <a:gridCol w="1711325"/>
+                <a:gridCol w="2044700"/>
+                <a:gridCol w="1881505"/>
+              </a:tblGrid>
+              <a:tr h="0">
+                <a:tc>
+                  <a:txBody>
+                    <a:bodyPr/>
+                    <a:lstStyle/>
+                    <a:p>
+                      <a:pPr algn="just">
+                        <a:lnSpc>
+                          <a:spcPts val="1200"/>
+                        </a:lnSpc>
+                        <a:spcAft>
+                          <a:spcPts val="0"/>
+                        </a:spcAft>
+                      </a:pPr>
+                      <a:r>
+                        <a:rPr lang="nl-NL" sz="800" dirty="0">
+                          <a:effectLst/>
+                        </a:rPr>
+                        <a:t>Derde versie</a:t>
+                      </a:r>
+                      <a:endParaRPr lang="nl-NL" sz="800" dirty="0">
+                        <a:effectLst/>
+                        <a:latin typeface="Verdana"/>
+                        <a:ea typeface="Times New Roman"/>
+                        <a:cs typeface="Times New Roman"/>
+                      </a:endParaRPr>
+                    </a:p>
+                  </a:txBody>
+                  <a:tcPr marL="68580" marR="68580" marT="0" marB="0"/>
+                </a:tc>
+                <a:tc>
+                  <a:txBody>
+                    <a:bodyPr/>
+                    <a:lstStyle/>
+                    <a:p>
+                      <a:pPr algn="just">
+                        <a:lnSpc>
+                          <a:spcPts val="1200"/>
+                        </a:lnSpc>
+                        <a:spcAft>
+                          <a:spcPts val="0"/>
+                        </a:spcAft>
+                      </a:pPr>
+                      <a:r>
+                        <a:rPr lang="nl-NL" sz="800" dirty="0">
+                          <a:effectLst/>
+                        </a:rPr>
+                        <a:t>Attribuut</a:t>
+                      </a:r>
+                      <a:endParaRPr lang="nl-NL" sz="800" dirty="0">
+                        <a:effectLst/>
+                        <a:latin typeface="Verdana"/>
+                        <a:ea typeface="Times New Roman"/>
+                        <a:cs typeface="Times New Roman"/>
+                      </a:endParaRPr>
+                    </a:p>
+                  </a:txBody>
+                  <a:tcPr marL="68580" marR="68580" marT="0" marB="0"/>
+                </a:tc>
+                <a:tc>
+                  <a:txBody>
+                    <a:bodyPr/>
+                    <a:lstStyle/>
+                    <a:p>
+                      <a:pPr algn="just">
+                        <a:lnSpc>
+                          <a:spcPts val="1200"/>
+                        </a:lnSpc>
+                        <a:spcAft>
+                          <a:spcPts val="0"/>
+                        </a:spcAft>
+                      </a:pPr>
+                      <a:r>
+                        <a:rPr lang="nl-NL" sz="800">
+                          <a:effectLst/>
+                        </a:rPr>
+                        <a:t>Waarde</a:t>
+                      </a:r>
+                      <a:endParaRPr lang="nl-NL" sz="800">
+                        <a:effectLst/>
+                        <a:latin typeface="Verdana"/>
+                        <a:ea typeface="Times New Roman"/>
+                        <a:cs typeface="Times New Roman"/>
+                      </a:endParaRPr>
+                    </a:p>
+                  </a:txBody>
+                  <a:tcPr marL="68580" marR="68580" marT="0" marB="0"/>
+                </a:tc>
+              </a:tr>
+              <a:tr h="0">
+                <a:tc>
+                  <a:txBody>
+                    <a:bodyPr/>
+                    <a:lstStyle/>
+                    <a:p>
+                      <a:pPr algn="just">
+                        <a:lnSpc>
+                          <a:spcPts val="1200"/>
+                        </a:lnSpc>
+                        <a:spcAft>
+                          <a:spcPts val="0"/>
+                        </a:spcAft>
+                      </a:pPr>
+                      <a:r>
+                        <a:rPr lang="nl-NL" sz="800">
+                          <a:effectLst/>
+                        </a:rPr>
+                        <a:t>&lt;start formeel aspect&gt;</a:t>
+                      </a:r>
+                      <a:endParaRPr lang="nl-NL" sz="800">
+                        <a:effectLst/>
+                        <a:latin typeface="Verdana"/>
+                        <a:ea typeface="Times New Roman"/>
+                        <a:cs typeface="Times New Roman"/>
+                      </a:endParaRPr>
+                    </a:p>
+                  </a:txBody>
+                  <a:tcPr marL="68580" marR="68580" marT="0" marB="0"/>
+                </a:tc>
+                <a:tc>
+                  <a:txBody>
+                    <a:bodyPr/>
+                    <a:lstStyle/>
+                    <a:p>
+                      <a:pPr algn="just">
+                        <a:lnSpc>
+                          <a:spcPts val="1200"/>
+                        </a:lnSpc>
+                        <a:spcAft>
+                          <a:spcPts val="0"/>
+                        </a:spcAft>
+                      </a:pPr>
+                      <a:r>
+                        <a:rPr lang="nl-NL" sz="800">
+                          <a:effectLst/>
+                        </a:rPr>
+                        <a:t>Tijdstip registratie</a:t>
+                      </a:r>
+                      <a:endParaRPr lang="nl-NL" sz="800">
+                        <a:effectLst/>
+                        <a:latin typeface="Verdana"/>
+                        <a:ea typeface="Times New Roman"/>
+                        <a:cs typeface="Times New Roman"/>
+                      </a:endParaRPr>
+                    </a:p>
+                  </a:txBody>
+                  <a:tcPr marL="68580" marR="68580" marT="0" marB="0"/>
+                </a:tc>
+                <a:tc>
+                  <a:txBody>
+                    <a:bodyPr/>
+                    <a:lstStyle/>
+                    <a:p>
+                      <a:pPr algn="just">
+                        <a:lnSpc>
+                          <a:spcPts val="1200"/>
+                        </a:lnSpc>
+                        <a:spcAft>
+                          <a:spcPts val="0"/>
+                        </a:spcAft>
+                      </a:pPr>
+                      <a:r>
+                        <a:rPr lang="nl-NL" sz="800">
+                          <a:effectLst/>
+                        </a:rPr>
+                        <a:t>1-10-2019</a:t>
+                      </a:r>
+                      <a:endParaRPr lang="nl-NL" sz="800">
+                        <a:effectLst/>
+                        <a:latin typeface="Verdana"/>
+                        <a:ea typeface="Times New Roman"/>
+                        <a:cs typeface="Times New Roman"/>
+                      </a:endParaRPr>
+                    </a:p>
+                  </a:txBody>
+                  <a:tcPr marL="68580" marR="68580" marT="0" marB="0"/>
+                </a:tc>
+              </a:tr>
+              <a:tr h="0">
+                <a:tc>
+                  <a:txBody>
+                    <a:bodyPr/>
+                    <a:lstStyle/>
+                    <a:p>
+                      <a:pPr algn="just">
+                        <a:lnSpc>
+                          <a:spcPts val="1200"/>
+                        </a:lnSpc>
+                        <a:spcAft>
+                          <a:spcPts val="0"/>
+                        </a:spcAft>
+                      </a:pPr>
+                      <a:r>
+                        <a:rPr lang="nl-NL" sz="800">
+                          <a:effectLst/>
+                        </a:rPr>
+                        <a:t>&lt;eind formeel aspect&gt;</a:t>
+                      </a:r>
+                      <a:endParaRPr lang="nl-NL" sz="800">
+                        <a:effectLst/>
+                        <a:latin typeface="Verdana"/>
+                        <a:ea typeface="Times New Roman"/>
+                        <a:cs typeface="Times New Roman"/>
+                      </a:endParaRPr>
+                    </a:p>
+                  </a:txBody>
+                  <a:tcPr marL="68580" marR="68580" marT="0" marB="0"/>
+                </a:tc>
+                <a:tc>
+                  <a:txBody>
+                    <a:bodyPr/>
+                    <a:lstStyle/>
+                    <a:p>
+                      <a:pPr algn="just">
+                        <a:lnSpc>
+                          <a:spcPts val="1200"/>
+                        </a:lnSpc>
+                        <a:spcAft>
+                          <a:spcPts val="0"/>
+                        </a:spcAft>
+                      </a:pPr>
+                      <a:r>
+                        <a:rPr lang="nl-NL" sz="800">
+                          <a:effectLst/>
+                        </a:rPr>
+                        <a:t>Eind registratie</a:t>
+                      </a:r>
+                      <a:endParaRPr lang="nl-NL" sz="800">
+                        <a:effectLst/>
+                        <a:latin typeface="Verdana"/>
+                        <a:ea typeface="Times New Roman"/>
+                        <a:cs typeface="Times New Roman"/>
+                      </a:endParaRPr>
+                    </a:p>
+                  </a:txBody>
+                  <a:tcPr marL="68580" marR="68580" marT="0" marB="0"/>
+                </a:tc>
+                <a:tc>
+                  <a:txBody>
+                    <a:bodyPr/>
+                    <a:lstStyle/>
+                    <a:p>
+                      <a:pPr algn="just">
+                        <a:lnSpc>
+                          <a:spcPts val="1200"/>
+                        </a:lnSpc>
+                        <a:spcAft>
+                          <a:spcPts val="0"/>
+                        </a:spcAft>
+                      </a:pPr>
+                      <a:r>
+                        <a:rPr lang="nl-NL" sz="800">
+                          <a:effectLst/>
+                        </a:rPr>
+                        <a:t>Null</a:t>
+                      </a:r>
+                      <a:endParaRPr lang="nl-NL" sz="800">
+                        <a:effectLst/>
+                        <a:latin typeface="Verdana"/>
+                        <a:ea typeface="Times New Roman"/>
+                        <a:cs typeface="Times New Roman"/>
+                      </a:endParaRPr>
+                    </a:p>
+                  </a:txBody>
+                  <a:tcPr marL="68580" marR="68580" marT="0" marB="0"/>
+                </a:tc>
+              </a:tr>
+              <a:tr h="0">
+                <a:tc>
+                  <a:txBody>
+                    <a:bodyPr/>
+                    <a:lstStyle/>
+                    <a:p>
+                      <a:pPr algn="just">
+                        <a:lnSpc>
+                          <a:spcPts val="1200"/>
+                        </a:lnSpc>
+                        <a:spcAft>
+                          <a:spcPts val="0"/>
+                        </a:spcAft>
+                      </a:pPr>
+                      <a:r>
+                        <a:rPr lang="nl-NL" sz="800">
+                          <a:effectLst/>
+                        </a:rPr>
+                        <a:t>&lt;start materieel aspect&gt;</a:t>
+                      </a:r>
+                      <a:endParaRPr lang="nl-NL" sz="800">
+                        <a:effectLst/>
+                        <a:latin typeface="Verdana"/>
+                        <a:ea typeface="Times New Roman"/>
+                        <a:cs typeface="Times New Roman"/>
+                      </a:endParaRPr>
+                    </a:p>
+                  </a:txBody>
+                  <a:tcPr marL="68580" marR="68580" marT="0" marB="0"/>
+                </a:tc>
+                <a:tc>
+                  <a:txBody>
+                    <a:bodyPr/>
+                    <a:lstStyle/>
+                    <a:p>
+                      <a:pPr algn="just">
+                        <a:lnSpc>
+                          <a:spcPts val="1200"/>
+                        </a:lnSpc>
+                        <a:spcAft>
+                          <a:spcPts val="0"/>
+                        </a:spcAft>
+                      </a:pPr>
+                      <a:r>
+                        <a:rPr lang="nl-NL" sz="800">
+                          <a:effectLst/>
+                        </a:rPr>
+                        <a:t>Begin geldigheid</a:t>
+                      </a:r>
+                      <a:endParaRPr lang="nl-NL" sz="800">
+                        <a:effectLst/>
+                        <a:latin typeface="Verdana"/>
+                        <a:ea typeface="Times New Roman"/>
+                        <a:cs typeface="Times New Roman"/>
+                      </a:endParaRPr>
+                    </a:p>
+                  </a:txBody>
+                  <a:tcPr marL="68580" marR="68580" marT="0" marB="0"/>
+                </a:tc>
+                <a:tc>
+                  <a:txBody>
+                    <a:bodyPr/>
+                    <a:lstStyle/>
+                    <a:p>
+                      <a:pPr algn="just">
+                        <a:lnSpc>
+                          <a:spcPts val="1200"/>
+                        </a:lnSpc>
+                        <a:spcAft>
+                          <a:spcPts val="0"/>
+                        </a:spcAft>
+                      </a:pPr>
+                      <a:r>
+                        <a:rPr lang="nl-NL" sz="800">
+                          <a:effectLst/>
+                        </a:rPr>
+                        <a:t>15-11-2019</a:t>
+                      </a:r>
+                      <a:endParaRPr lang="nl-NL" sz="800">
+                        <a:effectLst/>
+                        <a:latin typeface="Verdana"/>
+                        <a:ea typeface="Times New Roman"/>
+                        <a:cs typeface="Times New Roman"/>
+                      </a:endParaRPr>
+                    </a:p>
+                  </a:txBody>
+                  <a:tcPr marL="68580" marR="68580" marT="0" marB="0"/>
+                </a:tc>
+              </a:tr>
+              <a:tr h="0">
+                <a:tc>
+                  <a:txBody>
+                    <a:bodyPr/>
+                    <a:lstStyle/>
+                    <a:p>
+                      <a:pPr algn="just">
+                        <a:lnSpc>
+                          <a:spcPts val="1200"/>
+                        </a:lnSpc>
+                        <a:spcAft>
+                          <a:spcPts val="0"/>
+                        </a:spcAft>
+                      </a:pPr>
+                      <a:r>
+                        <a:rPr lang="nl-NL" sz="800">
+                          <a:effectLst/>
+                        </a:rPr>
+                        <a:t>&lt;eind materieel aspect&gt;</a:t>
+                      </a:r>
+                      <a:endParaRPr lang="nl-NL" sz="800">
+                        <a:effectLst/>
+                        <a:latin typeface="Verdana"/>
+                        <a:ea typeface="Times New Roman"/>
+                        <a:cs typeface="Times New Roman"/>
+                      </a:endParaRPr>
+                    </a:p>
+                  </a:txBody>
+                  <a:tcPr marL="68580" marR="68580" marT="0" marB="0"/>
+                </a:tc>
+                <a:tc>
+                  <a:txBody>
+                    <a:bodyPr/>
+                    <a:lstStyle/>
+                    <a:p>
+                      <a:pPr algn="just">
+                        <a:lnSpc>
+                          <a:spcPts val="1200"/>
+                        </a:lnSpc>
+                        <a:spcAft>
+                          <a:spcPts val="0"/>
+                        </a:spcAft>
+                      </a:pPr>
+                      <a:r>
+                        <a:rPr lang="nl-NL" sz="800">
+                          <a:effectLst/>
+                        </a:rPr>
+                        <a:t>Eind geldigheid</a:t>
+                      </a:r>
+                      <a:endParaRPr lang="nl-NL" sz="800">
+                        <a:effectLst/>
+                        <a:latin typeface="Verdana"/>
+                        <a:ea typeface="Times New Roman"/>
+                        <a:cs typeface="Times New Roman"/>
+                      </a:endParaRPr>
+                    </a:p>
+                  </a:txBody>
+                  <a:tcPr marL="68580" marR="68580" marT="0" marB="0"/>
+                </a:tc>
+                <a:tc>
+                  <a:txBody>
+                    <a:bodyPr/>
+                    <a:lstStyle/>
+                    <a:p>
+                      <a:pPr algn="just">
+                        <a:lnSpc>
+                          <a:spcPts val="1200"/>
+                        </a:lnSpc>
+                        <a:spcAft>
+                          <a:spcPts val="0"/>
+                        </a:spcAft>
+                      </a:pPr>
+                      <a:r>
+                        <a:rPr lang="nl-NL" sz="800">
+                          <a:effectLst/>
+                        </a:rPr>
+                        <a:t>Null</a:t>
+                      </a:r>
+                      <a:endParaRPr lang="nl-NL" sz="800">
+                        <a:effectLst/>
+                        <a:latin typeface="Verdana"/>
+                        <a:ea typeface="Times New Roman"/>
+                        <a:cs typeface="Times New Roman"/>
+                      </a:endParaRPr>
+                    </a:p>
+                  </a:txBody>
+                  <a:tcPr marL="68580" marR="68580" marT="0" marB="0"/>
+                </a:tc>
+              </a:tr>
+              <a:tr h="0">
+                <a:tc>
+                  <a:txBody>
+                    <a:bodyPr/>
+                    <a:lstStyle/>
+                    <a:p>
+                      <a:pPr algn="just">
+                        <a:lnSpc>
+                          <a:spcPts val="1200"/>
+                        </a:lnSpc>
+                        <a:spcAft>
+                          <a:spcPts val="0"/>
+                        </a:spcAft>
+                      </a:pPr>
+                      <a:r>
+                        <a:rPr lang="nl-NL" sz="800">
+                          <a:effectLst/>
+                        </a:rPr>
+                        <a:t> </a:t>
+                      </a:r>
+                      <a:endParaRPr lang="nl-NL" sz="800">
+                        <a:effectLst/>
+                        <a:latin typeface="Verdana"/>
+                        <a:ea typeface="Times New Roman"/>
+                        <a:cs typeface="Times New Roman"/>
+                      </a:endParaRPr>
+                    </a:p>
+                  </a:txBody>
+                  <a:tcPr marL="68580" marR="68580" marT="0" marB="0"/>
+                </a:tc>
+                <a:tc>
+                  <a:txBody>
+                    <a:bodyPr/>
+                    <a:lstStyle/>
+                    <a:p>
+                      <a:pPr algn="just">
+                        <a:lnSpc>
+                          <a:spcPts val="1200"/>
+                        </a:lnSpc>
+                        <a:spcAft>
+                          <a:spcPts val="0"/>
+                        </a:spcAft>
+                      </a:pPr>
+                      <a:r>
+                        <a:rPr lang="nl-NL" sz="800">
+                          <a:effectLst/>
+                        </a:rPr>
+                        <a:t>Datum vaststelling</a:t>
+                      </a:r>
+                      <a:endParaRPr lang="nl-NL" sz="800">
+                        <a:effectLst/>
+                        <a:latin typeface="Verdana"/>
+                        <a:ea typeface="Times New Roman"/>
+                        <a:cs typeface="Times New Roman"/>
+                      </a:endParaRPr>
+                    </a:p>
+                  </a:txBody>
+                  <a:tcPr marL="68580" marR="68580" marT="0" marB="0"/>
+                </a:tc>
+                <a:tc>
+                  <a:txBody>
+                    <a:bodyPr/>
+                    <a:lstStyle/>
+                    <a:p>
+                      <a:pPr algn="just">
+                        <a:lnSpc>
+                          <a:spcPts val="1200"/>
+                        </a:lnSpc>
+                        <a:spcAft>
+                          <a:spcPts val="0"/>
+                        </a:spcAft>
+                      </a:pPr>
+                      <a:r>
+                        <a:rPr lang="nl-NL" sz="800">
+                          <a:effectLst/>
+                        </a:rPr>
+                        <a:t>2-10-2019</a:t>
+                      </a:r>
+                      <a:endParaRPr lang="nl-NL" sz="800">
+                        <a:effectLst/>
+                        <a:latin typeface="Verdana"/>
+                        <a:ea typeface="Times New Roman"/>
+                        <a:cs typeface="Times New Roman"/>
+                      </a:endParaRPr>
+                    </a:p>
+                  </a:txBody>
+                  <a:tcPr marL="68580" marR="68580" marT="0" marB="0"/>
+                </a:tc>
+              </a:tr>
+              <a:tr h="0">
+                <a:tc>
+                  <a:txBody>
+                    <a:bodyPr/>
+                    <a:lstStyle/>
+                    <a:p>
+                      <a:pPr algn="just">
+                        <a:lnSpc>
+                          <a:spcPts val="1200"/>
+                        </a:lnSpc>
+                        <a:spcAft>
+                          <a:spcPts val="0"/>
+                        </a:spcAft>
+                      </a:pPr>
+                      <a:r>
+                        <a:rPr lang="nl-NL" sz="800">
+                          <a:effectLst/>
+                        </a:rPr>
+                        <a:t> </a:t>
+                      </a:r>
+                      <a:endParaRPr lang="nl-NL" sz="800">
+                        <a:effectLst/>
+                        <a:latin typeface="Verdana"/>
+                        <a:ea typeface="Times New Roman"/>
+                        <a:cs typeface="Times New Roman"/>
+                      </a:endParaRPr>
+                    </a:p>
+                  </a:txBody>
+                  <a:tcPr marL="68580" marR="68580" marT="0" marB="0"/>
+                </a:tc>
+                <a:tc>
+                  <a:txBody>
+                    <a:bodyPr/>
+                    <a:lstStyle/>
+                    <a:p>
+                      <a:pPr algn="just">
+                        <a:lnSpc>
+                          <a:spcPts val="1200"/>
+                        </a:lnSpc>
+                        <a:spcAft>
+                          <a:spcPts val="0"/>
+                        </a:spcAft>
+                      </a:pPr>
+                      <a:r>
+                        <a:rPr lang="nl-NL" sz="800">
+                          <a:effectLst/>
+                        </a:rPr>
+                        <a:t>Datum bekendmaking</a:t>
+                      </a:r>
+                      <a:endParaRPr lang="nl-NL" sz="800">
+                        <a:effectLst/>
+                        <a:latin typeface="Verdana"/>
+                        <a:ea typeface="Times New Roman"/>
+                        <a:cs typeface="Times New Roman"/>
+                      </a:endParaRPr>
+                    </a:p>
+                  </a:txBody>
+                  <a:tcPr marL="68580" marR="68580" marT="0" marB="0"/>
+                </a:tc>
+                <a:tc>
+                  <a:txBody>
+                    <a:bodyPr/>
+                    <a:lstStyle/>
+                    <a:p>
+                      <a:pPr algn="just">
+                        <a:lnSpc>
+                          <a:spcPts val="1200"/>
+                        </a:lnSpc>
+                        <a:spcAft>
+                          <a:spcPts val="0"/>
+                        </a:spcAft>
+                      </a:pPr>
+                      <a:r>
+                        <a:rPr lang="nl-NL" sz="800">
+                          <a:effectLst/>
+                        </a:rPr>
+                        <a:t>3-10-2019</a:t>
+                      </a:r>
+                      <a:endParaRPr lang="nl-NL" sz="800">
+                        <a:effectLst/>
+                        <a:latin typeface="Verdana"/>
+                        <a:ea typeface="Times New Roman"/>
+                        <a:cs typeface="Times New Roman"/>
+                      </a:endParaRPr>
+                    </a:p>
+                  </a:txBody>
+                  <a:tcPr marL="68580" marR="68580" marT="0" marB="0"/>
+                </a:tc>
+              </a:tr>
+              <a:tr h="0">
+                <a:tc>
+                  <a:txBody>
+                    <a:bodyPr/>
+                    <a:lstStyle/>
+                    <a:p>
+                      <a:pPr algn="just">
+                        <a:lnSpc>
+                          <a:spcPts val="1200"/>
+                        </a:lnSpc>
+                        <a:spcAft>
+                          <a:spcPts val="0"/>
+                        </a:spcAft>
+                      </a:pPr>
+                      <a:r>
+                        <a:rPr lang="nl-NL" sz="800">
+                          <a:effectLst/>
+                        </a:rPr>
+                        <a:t> </a:t>
+                      </a:r>
+                      <a:endParaRPr lang="nl-NL" sz="800">
+                        <a:effectLst/>
+                        <a:latin typeface="Verdana"/>
+                        <a:ea typeface="Times New Roman"/>
+                        <a:cs typeface="Times New Roman"/>
+                      </a:endParaRPr>
+                    </a:p>
+                  </a:txBody>
+                  <a:tcPr marL="68580" marR="68580" marT="0" marB="0"/>
+                </a:tc>
+                <a:tc>
+                  <a:txBody>
+                    <a:bodyPr/>
+                    <a:lstStyle/>
+                    <a:p>
+                      <a:pPr algn="just">
+                        <a:lnSpc>
+                          <a:spcPts val="1200"/>
+                        </a:lnSpc>
+                        <a:spcAft>
+                          <a:spcPts val="0"/>
+                        </a:spcAft>
+                      </a:pPr>
+                      <a:r>
+                        <a:rPr lang="nl-NL" sz="800">
+                          <a:effectLst/>
+                        </a:rPr>
+                        <a:t>Tijdstip registratie ROD</a:t>
+                      </a:r>
+                      <a:endParaRPr lang="nl-NL" sz="800">
+                        <a:effectLst/>
+                        <a:latin typeface="Verdana"/>
+                        <a:ea typeface="Times New Roman"/>
+                        <a:cs typeface="Times New Roman"/>
+                      </a:endParaRPr>
+                    </a:p>
+                  </a:txBody>
+                  <a:tcPr marL="68580" marR="68580" marT="0" marB="0"/>
+                </a:tc>
+                <a:tc>
+                  <a:txBody>
+                    <a:bodyPr/>
+                    <a:lstStyle/>
+                    <a:p>
+                      <a:pPr algn="just">
+                        <a:lnSpc>
+                          <a:spcPts val="1200"/>
+                        </a:lnSpc>
+                        <a:spcAft>
+                          <a:spcPts val="0"/>
+                        </a:spcAft>
+                      </a:pPr>
+                      <a:r>
+                        <a:rPr lang="nl-NL" sz="800">
+                          <a:effectLst/>
+                        </a:rPr>
+                        <a:t>4-10-2019</a:t>
+                      </a:r>
+                      <a:endParaRPr lang="nl-NL" sz="800">
+                        <a:effectLst/>
+                        <a:latin typeface="Verdana"/>
+                        <a:ea typeface="Times New Roman"/>
+                        <a:cs typeface="Times New Roman"/>
+                      </a:endParaRPr>
+                    </a:p>
+                  </a:txBody>
+                  <a:tcPr marL="68580" marR="68580" marT="0" marB="0"/>
+                </a:tc>
+              </a:tr>
+              <a:tr h="0">
+                <a:tc>
+                  <a:txBody>
+                    <a:bodyPr/>
+                    <a:lstStyle/>
+                    <a:p>
+                      <a:pPr algn="just">
+                        <a:lnSpc>
+                          <a:spcPts val="1200"/>
+                        </a:lnSpc>
+                        <a:spcAft>
+                          <a:spcPts val="0"/>
+                        </a:spcAft>
+                      </a:pPr>
+                      <a:r>
+                        <a:rPr lang="nl-NL" sz="800">
+                          <a:effectLst/>
+                        </a:rPr>
+                        <a:t> </a:t>
+                      </a:r>
+                      <a:endParaRPr lang="nl-NL" sz="800">
+                        <a:effectLst/>
+                        <a:latin typeface="Verdana"/>
+                        <a:ea typeface="Times New Roman"/>
+                        <a:cs typeface="Times New Roman"/>
+                      </a:endParaRPr>
+                    </a:p>
+                  </a:txBody>
+                  <a:tcPr marL="68580" marR="68580" marT="0" marB="0"/>
+                </a:tc>
+                <a:tc>
+                  <a:txBody>
+                    <a:bodyPr/>
+                    <a:lstStyle/>
+                    <a:p>
+                      <a:pPr algn="just">
+                        <a:lnSpc>
+                          <a:spcPts val="1200"/>
+                        </a:lnSpc>
+                        <a:spcAft>
+                          <a:spcPts val="0"/>
+                        </a:spcAft>
+                      </a:pPr>
+                      <a:r>
+                        <a:rPr lang="nl-NL" sz="800">
+                          <a:effectLst/>
+                        </a:rPr>
+                        <a:t>Eind registratie ROD</a:t>
+                      </a:r>
+                      <a:endParaRPr lang="nl-NL" sz="800">
+                        <a:effectLst/>
+                        <a:latin typeface="Verdana"/>
+                        <a:ea typeface="Times New Roman"/>
+                        <a:cs typeface="Times New Roman"/>
+                      </a:endParaRPr>
+                    </a:p>
+                  </a:txBody>
+                  <a:tcPr marL="68580" marR="68580" marT="0" marB="0"/>
+                </a:tc>
+                <a:tc>
+                  <a:txBody>
+                    <a:bodyPr/>
+                    <a:lstStyle/>
+                    <a:p>
+                      <a:pPr algn="just">
+                        <a:lnSpc>
+                          <a:spcPts val="1200"/>
+                        </a:lnSpc>
+                        <a:spcAft>
+                          <a:spcPts val="0"/>
+                        </a:spcAft>
+                      </a:pPr>
+                      <a:r>
+                        <a:rPr lang="nl-NL" sz="800" dirty="0">
+                          <a:effectLst/>
+                        </a:rPr>
+                        <a:t>null</a:t>
+                      </a:r>
+                      <a:endParaRPr lang="nl-NL" sz="800" dirty="0">
+                        <a:effectLst/>
+                        <a:latin typeface="Verdana"/>
+                        <a:ea typeface="Times New Roman"/>
+                        <a:cs typeface="Times New Roman"/>
+                      </a:endParaRPr>
+                    </a:p>
+                  </a:txBody>
+                  <a:tcPr marL="68580" marR="68580" marT="0" marB="0"/>
+                </a:tc>
+              </a:tr>
+            </a:tbl>
+          </a:graphicData>
+        </a:graphic>
+      </p:graphicFrame>
+      <p:sp>
+        <p:nvSpPr>
+          <p:cNvPr id="3" name="Rectangle 2"/>
+          <p:cNvSpPr/>
+          <p:nvPr/>
+        </p:nvSpPr>
+        <p:spPr>
+          <a:xfrm>
+            <a:off x="35496" y="2420888"/>
+            <a:ext cx="4572000" cy="1200329"/>
+          </a:xfrm>
+          <a:prstGeom prst="rect">
+            <a:avLst/>
+          </a:prstGeom>
+        </p:spPr>
+        <p:txBody>
+          <a:bodyPr>
+            <a:spAutoFit/>
+          </a:bodyPr>
+          <a:lstStyle/>
+          <a:p>
+            <a:r>
+              <a:rPr lang="nl-NL" dirty="0"/>
+              <a:t>Op een tijdstip t3 (2-10-2019 uit onderstaand scenario) stelt een bevoegd gezag een omgevingsdocument vast en biedt dit (op 4-10-2019) aan de registratie aan.</a:t>
+            </a:r>
+          </a:p>
+        </p:txBody>
+      </p:sp>
+    </p:spTree>
+    <p:extLst>
+      <p:ext uri="{BB962C8B-B14F-4D97-AF65-F5344CB8AC3E}">
+        <p14:creationId xmlns="" xmlns:p14="http://schemas.microsoft.com/office/powerpoint/2010/main" val="2504983219"/>
+      </p:ext>
+    </p:extLst>
+  </p:cSld>
+  <p:clrMapOvr>
+    <a:masterClrMapping/>
+  </p:clrMapOvr>
+  <p:timing>
+    <p:tnLst>
+      <p:par>
+        <p:cTn id="1" dur="indefinite" restart="never" nodeType="tmRoot"/>
+      </p:par>
+    </p:tnLst>
+  </p:timing>
+</p:sld>
+</file>
+
+<file path=ppt/slides/slide19.xml><?xml version="1.0" encoding="utf-8"?>
+<p:sld xmlns:a="http://schemas.openxmlformats.org/drawingml/2006/main" xmlns:r="http://schemas.openxmlformats.org/officeDocument/2006/relationships" xmlns:p="http://schemas.openxmlformats.org/presentationml/2006/main">
+  <p:cSld>
+    <p:spTree>
+      <p:nvGrpSpPr>
+        <p:cNvPr id="1" name=""/>
+        <p:cNvGrpSpPr/>
+        <p:nvPr/>
+      </p:nvGrpSpPr>
+      <p:grpSpPr>
+        <a:xfrm>
+          <a:off x="0" y="0"/>
+          <a:ext cx="0" cy="0"/>
+          <a:chOff x="0" y="0"/>
+          <a:chExt cx="0" cy="0"/>
+        </a:xfrm>
+      </p:grpSpPr>
+      <p:sp>
+        <p:nvSpPr>
+          <p:cNvPr id="2" name="Title 1"/>
+          <p:cNvSpPr>
+            <a:spLocks noGrp="1"/>
+          </p:cNvSpPr>
+          <p:nvPr>
+            <p:ph type="title"/>
+          </p:nvPr>
+        </p:nvSpPr>
+        <p:spPr>
+          <a:xfrm>
             <a:off x="0" y="260648"/>
             <a:ext cx="8229600" cy="1143000"/>
           </a:xfrm>
@@ -6323,7 +6635,7 @@
           <a:blip r:embed="rId2" cstate="print">
             <a:extLst>
               <a:ext uri="{28A0092B-C50C-407E-A947-70E740481C1C}">
-                <a14:useLocalDpi xmlns:a14="http://schemas.microsoft.com/office/drawing/2010/main" xmlns="" val="0"/>
+                <a14:useLocalDpi xmlns="" xmlns:a14="http://schemas.microsoft.com/office/drawing/2010/main" val="0"/>
               </a:ext>
             </a:extLst>
           </a:blip>
@@ -6350,14 +6662,14 @@
           <p:nvPr>
             <p:extLst>
               <p:ext uri="{D42A27DB-BD31-4B8C-83A1-F6EECF244321}">
-                <p14:modId xmlns:p14="http://schemas.microsoft.com/office/powerpoint/2010/main" xmlns="" val="2430418230"/>
+                <p14:modId xmlns="" xmlns:p14="http://schemas.microsoft.com/office/powerpoint/2010/main" val="2430418230"/>
               </p:ext>
             </p:extLst>
           </p:nvPr>
         </p:nvGraphicFramePr>
         <p:xfrm>
           <a:off x="1619672" y="5450944"/>
-          <a:ext cx="5637530" cy="1371600"/>
+          <a:ext cx="5637530" cy="1259586"/>
         </p:xfrm>
         <a:graphic>
           <a:graphicData uri="http://schemas.openxmlformats.org/drawingml/2006/table">
@@ -7206,7 +7518,7 @@
     </p:spTree>
     <p:extLst>
       <p:ext uri="{BB962C8B-B14F-4D97-AF65-F5344CB8AC3E}">
-        <p14:creationId xmlns:p14="http://schemas.microsoft.com/office/powerpoint/2010/main" xmlns="" val="1050796703"/>
+        <p14:creationId xmlns="" xmlns:p14="http://schemas.microsoft.com/office/powerpoint/2010/main" val="1050796703"/>
       </p:ext>
     </p:extLst>
   </p:cSld>
@@ -7224,6 +7536,55 @@
 </file>
 
 <file path=ppt/slides/slide2.xml><?xml version="1.0" encoding="utf-8"?>
+<p:sld xmlns:a="http://schemas.openxmlformats.org/drawingml/2006/main" xmlns:r="http://schemas.openxmlformats.org/officeDocument/2006/relationships" xmlns:p="http://schemas.openxmlformats.org/presentationml/2006/main">
+  <p:cSld>
+    <p:spTree>
+      <p:nvGrpSpPr>
+        <p:cNvPr id="1" name=""/>
+        <p:cNvGrpSpPr/>
+        <p:nvPr/>
+      </p:nvGrpSpPr>
+      <p:grpSpPr>
+        <a:xfrm>
+          <a:off x="0" y="0"/>
+          <a:ext cx="0" cy="0"/>
+          <a:chOff x="0" y="0"/>
+          <a:chExt cx="0" cy="0"/>
+        </a:xfrm>
+      </p:grpSpPr>
+      <p:pic>
+        <p:nvPicPr>
+          <p:cNvPr id="4" name="Afbeelding 3" descr="Dependencies.wmf"/>
+          <p:cNvPicPr>
+            <a:picLocks noChangeAspect="1"/>
+          </p:cNvPicPr>
+          <p:nvPr/>
+        </p:nvPicPr>
+        <p:blipFill>
+          <a:blip r:embed="rId2" cstate="print"/>
+          <a:stretch>
+            <a:fillRect/>
+          </a:stretch>
+        </p:blipFill>
+        <p:spPr>
+          <a:xfrm>
+            <a:off x="0" y="959736"/>
+            <a:ext cx="9144000" cy="4938527"/>
+          </a:xfrm>
+          <a:prstGeom prst="rect">
+            <a:avLst/>
+          </a:prstGeom>
+        </p:spPr>
+      </p:pic>
+    </p:spTree>
+  </p:cSld>
+  <p:clrMapOvr>
+    <a:masterClrMapping/>
+  </p:clrMapOvr>
+</p:sld>
+</file>
+
+<file path=ppt/slides/slide3.xml><?xml version="1.0" encoding="utf-8"?>
 <p:sld xmlns:a="http://schemas.openxmlformats.org/drawingml/2006/main" xmlns:r="http://schemas.openxmlformats.org/officeDocument/2006/relationships" xmlns:p="http://schemas.openxmlformats.org/presentationml/2006/main">
   <p:cSld>
     <p:spTree>
@@ -7890,7 +8251,7 @@
 </p:sld>
 </file>
 
-<file path=ppt/slides/slide3.xml><?xml version="1.0" encoding="utf-8"?>
+<file path=ppt/slides/slide4.xml><?xml version="1.0" encoding="utf-8"?>
 <p:sld xmlns:a="http://schemas.openxmlformats.org/drawingml/2006/main" xmlns:r="http://schemas.openxmlformats.org/officeDocument/2006/relationships" xmlns:p="http://schemas.openxmlformats.org/presentationml/2006/main">
   <p:cSld>
     <p:spTree>
@@ -8207,7 +8568,7 @@
 </p:sld>
 </file>
 
-<file path=ppt/slides/slide4.xml><?xml version="1.0" encoding="utf-8"?>
+<file path=ppt/slides/slide5.xml><?xml version="1.0" encoding="utf-8"?>
 <p:sld xmlns:a="http://schemas.openxmlformats.org/drawingml/2006/main" xmlns:r="http://schemas.openxmlformats.org/officeDocument/2006/relationships" xmlns:p="http://schemas.openxmlformats.org/presentationml/2006/main">
   <p:cSld>
     <p:spTree>
@@ -8359,7 +8720,56 @@
 </p:sld>
 </file>
 
-<file path=ppt/slides/slide5.xml><?xml version="1.0" encoding="utf-8"?>
+<file path=ppt/slides/slide6.xml><?xml version="1.0" encoding="utf-8"?>
+<p:sld xmlns:a="http://schemas.openxmlformats.org/drawingml/2006/main" xmlns:r="http://schemas.openxmlformats.org/officeDocument/2006/relationships" xmlns:p="http://schemas.openxmlformats.org/presentationml/2006/main">
+  <p:cSld>
+    <p:spTree>
+      <p:nvGrpSpPr>
+        <p:cNvPr id="1" name=""/>
+        <p:cNvGrpSpPr/>
+        <p:nvPr/>
+      </p:nvGrpSpPr>
+      <p:grpSpPr>
+        <a:xfrm>
+          <a:off x="0" y="0"/>
+          <a:ext cx="0" cy="0"/>
+          <a:chOff x="0" y="0"/>
+          <a:chExt cx="0" cy="0"/>
+        </a:xfrm>
+      </p:grpSpPr>
+      <p:pic>
+        <p:nvPicPr>
+          <p:cNvPr id="4" name="Afbeelding 3" descr="IMOR-BWB.wmf"/>
+          <p:cNvPicPr>
+            <a:picLocks noChangeAspect="1"/>
+          </p:cNvPicPr>
+          <p:nvPr/>
+        </p:nvPicPr>
+        <p:blipFill>
+          <a:blip r:embed="rId2" cstate="print"/>
+          <a:stretch>
+            <a:fillRect/>
+          </a:stretch>
+        </p:blipFill>
+        <p:spPr>
+          <a:xfrm>
+            <a:off x="-1" y="836712"/>
+            <a:ext cx="10429701" cy="8215054"/>
+          </a:xfrm>
+          <a:prstGeom prst="rect">
+            <a:avLst/>
+          </a:prstGeom>
+        </p:spPr>
+      </p:pic>
+    </p:spTree>
+  </p:cSld>
+  <p:clrMapOvr>
+    <a:masterClrMapping/>
+  </p:clrMapOvr>
+</p:sld>
+</file>
+
+<file path=ppt/slides/slide7.xml><?xml version="1.0" encoding="utf-8"?>
 <p:sld xmlns:a="http://schemas.openxmlformats.org/drawingml/2006/main" xmlns:r="http://schemas.openxmlformats.org/officeDocument/2006/relationships" xmlns:p="http://schemas.openxmlformats.org/presentationml/2006/main">
   <p:cSld>
     <p:spTree>
@@ -8511,7 +8921,7 @@
 </p:sld>
 </file>
 
-<file path=ppt/slides/slide6.xml><?xml version="1.0" encoding="utf-8"?>
+<file path=ppt/slides/slide8.xml><?xml version="1.0" encoding="utf-8"?>
 <p:sld xmlns:a="http://schemas.openxmlformats.org/drawingml/2006/main" xmlns:r="http://schemas.openxmlformats.org/officeDocument/2006/relationships" xmlns:p="http://schemas.openxmlformats.org/presentationml/2006/main">
   <p:cSld>
     <p:spTree>
@@ -8723,7 +9133,7 @@
 </p:sld>
 </file>
 
-<file path=ppt/slides/slide7.xml><?xml version="1.0" encoding="utf-8"?>
+<file path=ppt/slides/slide9.xml><?xml version="1.0" encoding="utf-8"?>
 <p:sld xmlns:a="http://schemas.openxmlformats.org/drawingml/2006/main" xmlns:r="http://schemas.openxmlformats.org/officeDocument/2006/relationships" xmlns:p="http://schemas.openxmlformats.org/presentationml/2006/main">
   <p:cSld>
     <p:spTree>
@@ -8855,316 +9265,6 @@
                 <a:cs typeface="Verdana" pitchFamily="34" charset="0"/>
               </a:rPr>
               <a:t>koppelen aan type omgevingsdocument</a:t>
-            </a:r>
-          </a:p>
-          <a:p>
-            <a:endParaRPr lang="nl-NL" sz="2000" b="1" dirty="0" smtClean="0">
-              <a:solidFill>
-                <a:schemeClr val="bg1"/>
-              </a:solidFill>
-              <a:latin typeface="Verdana" pitchFamily="34" charset="0"/>
-              <a:ea typeface="Verdana" pitchFamily="34" charset="0"/>
-              <a:cs typeface="Verdana" pitchFamily="34" charset="0"/>
-            </a:endParaRPr>
-          </a:p>
-          <a:p>
-            <a:endParaRPr lang="nl-NL" sz="2000" b="1" dirty="0">
-              <a:solidFill>
-                <a:schemeClr val="bg1"/>
-              </a:solidFill>
-              <a:latin typeface="Verdana" pitchFamily="34" charset="0"/>
-              <a:ea typeface="Verdana" pitchFamily="34" charset="0"/>
-              <a:cs typeface="Verdana" pitchFamily="34" charset="0"/>
-            </a:endParaRPr>
-          </a:p>
-        </p:txBody>
-      </p:sp>
-    </p:spTree>
-  </p:cSld>
-  <p:clrMapOvr>
-    <a:masterClrMapping/>
-  </p:clrMapOvr>
-  <p:timing>
-    <p:tnLst>
-      <p:par>
-        <p:cTn id="1" dur="indefinite" restart="never" nodeType="tmRoot"/>
-      </p:par>
-    </p:tnLst>
-  </p:timing>
-</p:sld>
-</file>
-
-<file path=ppt/slides/slide8.xml><?xml version="1.0" encoding="utf-8"?>
-<p:sld xmlns:a="http://schemas.openxmlformats.org/drawingml/2006/main" xmlns:r="http://schemas.openxmlformats.org/officeDocument/2006/relationships" xmlns:p="http://schemas.openxmlformats.org/presentationml/2006/main">
-  <p:cSld>
-    <p:spTree>
-      <p:nvGrpSpPr>
-        <p:cNvPr id="1" name=""/>
-        <p:cNvGrpSpPr/>
-        <p:nvPr/>
-      </p:nvGrpSpPr>
-      <p:grpSpPr>
-        <a:xfrm>
-          <a:off x="0" y="0"/>
-          <a:ext cx="0" cy="0"/>
-          <a:chOff x="0" y="0"/>
-          <a:chExt cx="0" cy="0"/>
-        </a:xfrm>
-      </p:grpSpPr>
-      <p:pic>
-        <p:nvPicPr>
-          <p:cNvPr id="4" name="Afbeelding 3" descr="IMORmodel.wmf"/>
-          <p:cNvPicPr>
-            <a:picLocks noChangeAspect="1"/>
-          </p:cNvPicPr>
-          <p:nvPr/>
-        </p:nvPicPr>
-        <p:blipFill>
-          <a:blip r:embed="rId2" cstate="print"/>
-          <a:stretch>
-            <a:fillRect/>
-          </a:stretch>
-        </p:blipFill>
-        <p:spPr>
-          <a:xfrm>
-            <a:off x="-6805264" y="0"/>
-            <a:ext cx="16462633" cy="10966493"/>
-          </a:xfrm>
-          <a:prstGeom prst="rect">
-            <a:avLst/>
-          </a:prstGeom>
-        </p:spPr>
-      </p:pic>
-      <p:sp>
-        <p:nvSpPr>
-          <p:cNvPr id="5" name="Afgeronde rechthoek 4"/>
-          <p:cNvSpPr/>
-          <p:nvPr/>
-        </p:nvSpPr>
-        <p:spPr>
-          <a:xfrm>
-            <a:off x="5940152" y="0"/>
-            <a:ext cx="3203848" cy="1196752"/>
-          </a:xfrm>
-          <a:prstGeom prst="roundRect">
-            <a:avLst/>
-          </a:prstGeom>
-        </p:spPr>
-        <p:style>
-          <a:lnRef idx="2">
-            <a:schemeClr val="accent1">
-              <a:shade val="50000"/>
-            </a:schemeClr>
-          </a:lnRef>
-          <a:fillRef idx="1">
-            <a:schemeClr val="accent1"/>
-          </a:fillRef>
-          <a:effectRef idx="0">
-            <a:schemeClr val="accent1"/>
-          </a:effectRef>
-          <a:fontRef idx="minor">
-            <a:schemeClr val="lt1"/>
-          </a:fontRef>
-        </p:style>
-        <p:txBody>
-          <a:bodyPr rtlCol="0" anchor="ctr"/>
-          <a:lstStyle/>
-          <a:p>
-            <a:pPr algn="ctr"/>
-            <a:endParaRPr lang="nl-NL"/>
-          </a:p>
-        </p:txBody>
-      </p:sp>
-      <p:sp>
-        <p:nvSpPr>
-          <p:cNvPr id="6" name="Tekstvak 5"/>
-          <p:cNvSpPr txBox="1"/>
-          <p:nvPr/>
-        </p:nvSpPr>
-        <p:spPr>
-          <a:xfrm>
-            <a:off x="5940152" y="144016"/>
-            <a:ext cx="3563888" cy="1323439"/>
-          </a:xfrm>
-          <a:prstGeom prst="rect">
-            <a:avLst/>
-          </a:prstGeom>
-          <a:noFill/>
-        </p:spPr>
-        <p:txBody>
-          <a:bodyPr wrap="square" rtlCol="0">
-            <a:spAutoFit/>
-          </a:bodyPr>
-          <a:lstStyle/>
-          <a:p>
-            <a:r>
-              <a:rPr lang="nl-NL" sz="2000" b="1" dirty="0" smtClean="0">
-                <a:solidFill>
-                  <a:schemeClr val="bg1"/>
-                </a:solidFill>
-                <a:latin typeface="Verdana" pitchFamily="34" charset="0"/>
-                <a:ea typeface="Verdana" pitchFamily="34" charset="0"/>
-                <a:cs typeface="Verdana" pitchFamily="34" charset="0"/>
-              </a:rPr>
-              <a:t>Waarde geeft inhoud aan eigenschappen</a:t>
-            </a:r>
-          </a:p>
-          <a:p>
-            <a:endParaRPr lang="nl-NL" sz="2000" b="1" dirty="0" smtClean="0">
-              <a:solidFill>
-                <a:schemeClr val="bg1"/>
-              </a:solidFill>
-              <a:latin typeface="Verdana" pitchFamily="34" charset="0"/>
-              <a:ea typeface="Verdana" pitchFamily="34" charset="0"/>
-              <a:cs typeface="Verdana" pitchFamily="34" charset="0"/>
-            </a:endParaRPr>
-          </a:p>
-          <a:p>
-            <a:endParaRPr lang="nl-NL" sz="2000" b="1" dirty="0">
-              <a:solidFill>
-                <a:schemeClr val="bg1"/>
-              </a:solidFill>
-              <a:latin typeface="Verdana" pitchFamily="34" charset="0"/>
-              <a:ea typeface="Verdana" pitchFamily="34" charset="0"/>
-              <a:cs typeface="Verdana" pitchFamily="34" charset="0"/>
-            </a:endParaRPr>
-          </a:p>
-        </p:txBody>
-      </p:sp>
-    </p:spTree>
-  </p:cSld>
-  <p:clrMapOvr>
-    <a:masterClrMapping/>
-  </p:clrMapOvr>
-  <p:timing>
-    <p:tnLst>
-      <p:par>
-        <p:cTn id="1" dur="indefinite" restart="never" nodeType="tmRoot"/>
-      </p:par>
-    </p:tnLst>
-  </p:timing>
-</p:sld>
-</file>
-
-<file path=ppt/slides/slide9.xml><?xml version="1.0" encoding="utf-8"?>
-<p:sld xmlns:a="http://schemas.openxmlformats.org/drawingml/2006/main" xmlns:r="http://schemas.openxmlformats.org/officeDocument/2006/relationships" xmlns:p="http://schemas.openxmlformats.org/presentationml/2006/main">
-  <p:cSld>
-    <p:spTree>
-      <p:nvGrpSpPr>
-        <p:cNvPr id="1" name=""/>
-        <p:cNvGrpSpPr/>
-        <p:nvPr/>
-      </p:nvGrpSpPr>
-      <p:grpSpPr>
-        <a:xfrm>
-          <a:off x="0" y="0"/>
-          <a:ext cx="0" cy="0"/>
-          <a:chOff x="0" y="0"/>
-          <a:chExt cx="0" cy="0"/>
-        </a:xfrm>
-      </p:grpSpPr>
-      <p:pic>
-        <p:nvPicPr>
-          <p:cNvPr id="4" name="Afbeelding 3"/>
-          <p:cNvPicPr/>
-          <p:nvPr/>
-        </p:nvPicPr>
-        <p:blipFill>
-          <a:blip r:embed="rId2" cstate="print"/>
-          <a:srcRect/>
-          <a:stretch>
-            <a:fillRect/>
-          </a:stretch>
-        </p:blipFill>
-        <p:spPr bwMode="auto">
-          <a:xfrm>
-            <a:off x="323528" y="1579728"/>
-            <a:ext cx="7128792" cy="5278272"/>
-          </a:xfrm>
-          <a:prstGeom prst="rect">
-            <a:avLst/>
-          </a:prstGeom>
-          <a:noFill/>
-          <a:ln w="9525">
-            <a:noFill/>
-            <a:miter lim="800000"/>
-            <a:headEnd/>
-            <a:tailEnd/>
-          </a:ln>
-        </p:spPr>
-      </p:pic>
-      <p:sp>
-        <p:nvSpPr>
-          <p:cNvPr id="5" name="Afgeronde rechthoek 4"/>
-          <p:cNvSpPr/>
-          <p:nvPr/>
-        </p:nvSpPr>
-        <p:spPr>
-          <a:xfrm>
-            <a:off x="5940152" y="0"/>
-            <a:ext cx="3203848" cy="1196752"/>
-          </a:xfrm>
-          <a:prstGeom prst="roundRect">
-            <a:avLst/>
-          </a:prstGeom>
-        </p:spPr>
-        <p:style>
-          <a:lnRef idx="2">
-            <a:schemeClr val="accent1">
-              <a:shade val="50000"/>
-            </a:schemeClr>
-          </a:lnRef>
-          <a:fillRef idx="1">
-            <a:schemeClr val="accent1"/>
-          </a:fillRef>
-          <a:effectRef idx="0">
-            <a:schemeClr val="accent1"/>
-          </a:effectRef>
-          <a:fontRef idx="minor">
-            <a:schemeClr val="lt1"/>
-          </a:fontRef>
-        </p:style>
-        <p:txBody>
-          <a:bodyPr rtlCol="0" anchor="ctr"/>
-          <a:lstStyle/>
-          <a:p>
-            <a:pPr algn="ctr"/>
-            <a:endParaRPr lang="nl-NL"/>
-          </a:p>
-        </p:txBody>
-      </p:sp>
-      <p:sp>
-        <p:nvSpPr>
-          <p:cNvPr id="6" name="Tekstvak 5"/>
-          <p:cNvSpPr txBox="1"/>
-          <p:nvPr/>
-        </p:nvSpPr>
-        <p:spPr>
-          <a:xfrm>
-            <a:off x="5940152" y="144016"/>
-            <a:ext cx="3563888" cy="1631216"/>
-          </a:xfrm>
-          <a:prstGeom prst="rect">
-            <a:avLst/>
-          </a:prstGeom>
-          <a:noFill/>
-        </p:spPr>
-        <p:txBody>
-          <a:bodyPr wrap="square" rtlCol="0">
-            <a:spAutoFit/>
-          </a:bodyPr>
-          <a:lstStyle/>
-          <a:p>
-            <a:r>
-              <a:rPr lang="nl-NL" sz="2000" b="1" dirty="0" smtClean="0">
-                <a:solidFill>
-                  <a:schemeClr val="bg1"/>
-                </a:solidFill>
-                <a:latin typeface="Verdana" pitchFamily="34" charset="0"/>
-                <a:ea typeface="Verdana" pitchFamily="34" charset="0"/>
-                <a:cs typeface="Verdana" pitchFamily="34" charset="0"/>
-              </a:rPr>
-              <a:t>Waarde koppelen aan type omgevingsdocument</a:t>
             </a:r>
           </a:p>
           <a:p>
